--- a/machine_learning_curriculum/2.1 Weighted Majority Algorithm 1/2.1 Weighted Majority Algorithm.pptx
+++ b/machine_learning_curriculum/2.1 Weighted Majority Algorithm 1/2.1 Weighted Majority Algorithm.pptx
@@ -25,23 +25,25 @@
     <p:sldId id="270" r:id="rId20"/>
     <p:sldId id="271" r:id="rId21"/>
     <p:sldId id="272" r:id="rId22"/>
+    <p:sldId id="273" r:id="rId23"/>
+    <p:sldId id="274" r:id="rId24"/>
   </p:sldIdLst>
   <p:sldSz cy="5143500" cx="9144000"/>
   <p:notesSz cx="6858000" cy="9144000"/>
   <p:embeddedFontLst>
     <p:embeddedFont>
       <p:font typeface="Montserrat"/>
-      <p:regular r:id="rId23"/>
-      <p:bold r:id="rId24"/>
-      <p:italic r:id="rId25"/>
-      <p:boldItalic r:id="rId26"/>
+      <p:regular r:id="rId25"/>
+      <p:bold r:id="rId26"/>
+      <p:italic r:id="rId27"/>
+      <p:boldItalic r:id="rId28"/>
     </p:embeddedFont>
     <p:embeddedFont>
       <p:font typeface="Lato"/>
-      <p:regular r:id="rId27"/>
-      <p:bold r:id="rId28"/>
-      <p:italic r:id="rId29"/>
-      <p:boldItalic r:id="rId30"/>
+      <p:regular r:id="rId29"/>
+      <p:bold r:id="rId30"/>
+      <p:italic r:id="rId31"/>
+      <p:boldItalic r:id="rId32"/>
     </p:embeddedFont>
   </p:embeddedFontLst>
   <p:defaultTextStyle>
@@ -66,7 +68,10 @@
       <a:spcAft>
         <a:spcPts val="0"/>
       </a:spcAft>
-      <a:buNone/>
+      <a:buClr>
+        <a:srgbClr val="000000"/>
+      </a:buClr>
+      <a:buFont typeface="Arial"/>
       <a:defRPr b="0" i="0" sz="1400" u="none" cap="none" strike="noStrike">
         <a:solidFill>
           <a:srgbClr val="000000"/>
@@ -87,7 +92,10 @@
       <a:spcAft>
         <a:spcPts val="0"/>
       </a:spcAft>
-      <a:buNone/>
+      <a:buClr>
+        <a:srgbClr val="000000"/>
+      </a:buClr>
+      <a:buFont typeface="Arial"/>
       <a:defRPr b="0" i="0" sz="1400" u="none" cap="none" strike="noStrike">
         <a:solidFill>
           <a:srgbClr val="000000"/>
@@ -108,7 +116,10 @@
       <a:spcAft>
         <a:spcPts val="0"/>
       </a:spcAft>
-      <a:buNone/>
+      <a:buClr>
+        <a:srgbClr val="000000"/>
+      </a:buClr>
+      <a:buFont typeface="Arial"/>
       <a:defRPr b="0" i="0" sz="1400" u="none" cap="none" strike="noStrike">
         <a:solidFill>
           <a:srgbClr val="000000"/>
@@ -129,7 +140,10 @@
       <a:spcAft>
         <a:spcPts val="0"/>
       </a:spcAft>
-      <a:buNone/>
+      <a:buClr>
+        <a:srgbClr val="000000"/>
+      </a:buClr>
+      <a:buFont typeface="Arial"/>
       <a:defRPr b="0" i="0" sz="1400" u="none" cap="none" strike="noStrike">
         <a:solidFill>
           <a:srgbClr val="000000"/>
@@ -150,7 +164,10 @@
       <a:spcAft>
         <a:spcPts val="0"/>
       </a:spcAft>
-      <a:buNone/>
+      <a:buClr>
+        <a:srgbClr val="000000"/>
+      </a:buClr>
+      <a:buFont typeface="Arial"/>
       <a:defRPr b="0" i="0" sz="1400" u="none" cap="none" strike="noStrike">
         <a:solidFill>
           <a:srgbClr val="000000"/>
@@ -171,7 +188,10 @@
       <a:spcAft>
         <a:spcPts val="0"/>
       </a:spcAft>
-      <a:buNone/>
+      <a:buClr>
+        <a:srgbClr val="000000"/>
+      </a:buClr>
+      <a:buFont typeface="Arial"/>
       <a:defRPr b="0" i="0" sz="1400" u="none" cap="none" strike="noStrike">
         <a:solidFill>
           <a:srgbClr val="000000"/>
@@ -192,7 +212,10 @@
       <a:spcAft>
         <a:spcPts val="0"/>
       </a:spcAft>
-      <a:buNone/>
+      <a:buClr>
+        <a:srgbClr val="000000"/>
+      </a:buClr>
+      <a:buFont typeface="Arial"/>
       <a:defRPr b="0" i="0" sz="1400" u="none" cap="none" strike="noStrike">
         <a:solidFill>
           <a:srgbClr val="000000"/>
@@ -213,7 +236,10 @@
       <a:spcAft>
         <a:spcPts val="0"/>
       </a:spcAft>
-      <a:buNone/>
+      <a:buClr>
+        <a:srgbClr val="000000"/>
+      </a:buClr>
+      <a:buFont typeface="Arial"/>
       <a:defRPr b="0" i="0" sz="1400" u="none" cap="none" strike="noStrike">
         <a:solidFill>
           <a:srgbClr val="000000"/>
@@ -234,7 +260,10 @@
       <a:spcAft>
         <a:spcPts val="0"/>
       </a:spcAft>
-      <a:buNone/>
+      <a:buClr>
+        <a:srgbClr val="000000"/>
+      </a:buClr>
+      <a:buFont typeface="Arial"/>
       <a:defRPr b="0" i="0" sz="1400" u="none" cap="none" strike="noStrike">
         <a:solidFill>
           <a:srgbClr val="000000"/>
@@ -440,6 +469,235 @@
     </p:spTree>
   </p:cSld>
   <p:clrMap accent1="accent1" accent2="accent2" accent3="accent3" accent4="accent4" accent5="accent5" accent6="accent6" bg1="lt1" bg2="dk2" tx1="dk1" tx2="lt2" folHlink="folHlink" hlink="hlink"/>
+  <p:notesStyle>
+    <a:defPPr lvl="0" marR="0" rtl="0" algn="l">
+      <a:lnSpc>
+        <a:spcPct val="100000"/>
+      </a:lnSpc>
+      <a:spcBef>
+        <a:spcPts val="0"/>
+      </a:spcBef>
+      <a:spcAft>
+        <a:spcPts val="0"/>
+      </a:spcAft>
+    </a:defPPr>
+    <a:lvl1pPr lvl="0" marR="0" rtl="0" algn="l">
+      <a:lnSpc>
+        <a:spcPct val="100000"/>
+      </a:lnSpc>
+      <a:spcBef>
+        <a:spcPts val="0"/>
+      </a:spcBef>
+      <a:spcAft>
+        <a:spcPts val="0"/>
+      </a:spcAft>
+      <a:buClr>
+        <a:srgbClr val="000000"/>
+      </a:buClr>
+      <a:buFont typeface="Arial"/>
+      <a:defRPr b="0" i="0" sz="1400" u="none" cap="none" strike="noStrike">
+        <a:solidFill>
+          <a:srgbClr val="000000"/>
+        </a:solidFill>
+        <a:latin typeface="Arial"/>
+        <a:ea typeface="Arial"/>
+        <a:cs typeface="Arial"/>
+        <a:sym typeface="Arial"/>
+      </a:defRPr>
+    </a:lvl1pPr>
+    <a:lvl2pPr lvl="1" marR="0" rtl="0" algn="l">
+      <a:lnSpc>
+        <a:spcPct val="100000"/>
+      </a:lnSpc>
+      <a:spcBef>
+        <a:spcPts val="0"/>
+      </a:spcBef>
+      <a:spcAft>
+        <a:spcPts val="0"/>
+      </a:spcAft>
+      <a:buClr>
+        <a:srgbClr val="000000"/>
+      </a:buClr>
+      <a:buFont typeface="Arial"/>
+      <a:defRPr b="0" i="0" sz="1400" u="none" cap="none" strike="noStrike">
+        <a:solidFill>
+          <a:srgbClr val="000000"/>
+        </a:solidFill>
+        <a:latin typeface="Arial"/>
+        <a:ea typeface="Arial"/>
+        <a:cs typeface="Arial"/>
+        <a:sym typeface="Arial"/>
+      </a:defRPr>
+    </a:lvl2pPr>
+    <a:lvl3pPr lvl="2" marR="0" rtl="0" algn="l">
+      <a:lnSpc>
+        <a:spcPct val="100000"/>
+      </a:lnSpc>
+      <a:spcBef>
+        <a:spcPts val="0"/>
+      </a:spcBef>
+      <a:spcAft>
+        <a:spcPts val="0"/>
+      </a:spcAft>
+      <a:buClr>
+        <a:srgbClr val="000000"/>
+      </a:buClr>
+      <a:buFont typeface="Arial"/>
+      <a:defRPr b="0" i="0" sz="1400" u="none" cap="none" strike="noStrike">
+        <a:solidFill>
+          <a:srgbClr val="000000"/>
+        </a:solidFill>
+        <a:latin typeface="Arial"/>
+        <a:ea typeface="Arial"/>
+        <a:cs typeface="Arial"/>
+        <a:sym typeface="Arial"/>
+      </a:defRPr>
+    </a:lvl3pPr>
+    <a:lvl4pPr lvl="3" marR="0" rtl="0" algn="l">
+      <a:lnSpc>
+        <a:spcPct val="100000"/>
+      </a:lnSpc>
+      <a:spcBef>
+        <a:spcPts val="0"/>
+      </a:spcBef>
+      <a:spcAft>
+        <a:spcPts val="0"/>
+      </a:spcAft>
+      <a:buClr>
+        <a:srgbClr val="000000"/>
+      </a:buClr>
+      <a:buFont typeface="Arial"/>
+      <a:defRPr b="0" i="0" sz="1400" u="none" cap="none" strike="noStrike">
+        <a:solidFill>
+          <a:srgbClr val="000000"/>
+        </a:solidFill>
+        <a:latin typeface="Arial"/>
+        <a:ea typeface="Arial"/>
+        <a:cs typeface="Arial"/>
+        <a:sym typeface="Arial"/>
+      </a:defRPr>
+    </a:lvl4pPr>
+    <a:lvl5pPr lvl="4" marR="0" rtl="0" algn="l">
+      <a:lnSpc>
+        <a:spcPct val="100000"/>
+      </a:lnSpc>
+      <a:spcBef>
+        <a:spcPts val="0"/>
+      </a:spcBef>
+      <a:spcAft>
+        <a:spcPts val="0"/>
+      </a:spcAft>
+      <a:buClr>
+        <a:srgbClr val="000000"/>
+      </a:buClr>
+      <a:buFont typeface="Arial"/>
+      <a:defRPr b="0" i="0" sz="1400" u="none" cap="none" strike="noStrike">
+        <a:solidFill>
+          <a:srgbClr val="000000"/>
+        </a:solidFill>
+        <a:latin typeface="Arial"/>
+        <a:ea typeface="Arial"/>
+        <a:cs typeface="Arial"/>
+        <a:sym typeface="Arial"/>
+      </a:defRPr>
+    </a:lvl5pPr>
+    <a:lvl6pPr lvl="5" marR="0" rtl="0" algn="l">
+      <a:lnSpc>
+        <a:spcPct val="100000"/>
+      </a:lnSpc>
+      <a:spcBef>
+        <a:spcPts val="0"/>
+      </a:spcBef>
+      <a:spcAft>
+        <a:spcPts val="0"/>
+      </a:spcAft>
+      <a:buClr>
+        <a:srgbClr val="000000"/>
+      </a:buClr>
+      <a:buFont typeface="Arial"/>
+      <a:defRPr b="0" i="0" sz="1400" u="none" cap="none" strike="noStrike">
+        <a:solidFill>
+          <a:srgbClr val="000000"/>
+        </a:solidFill>
+        <a:latin typeface="Arial"/>
+        <a:ea typeface="Arial"/>
+        <a:cs typeface="Arial"/>
+        <a:sym typeface="Arial"/>
+      </a:defRPr>
+    </a:lvl6pPr>
+    <a:lvl7pPr lvl="6" marR="0" rtl="0" algn="l">
+      <a:lnSpc>
+        <a:spcPct val="100000"/>
+      </a:lnSpc>
+      <a:spcBef>
+        <a:spcPts val="0"/>
+      </a:spcBef>
+      <a:spcAft>
+        <a:spcPts val="0"/>
+      </a:spcAft>
+      <a:buClr>
+        <a:srgbClr val="000000"/>
+      </a:buClr>
+      <a:buFont typeface="Arial"/>
+      <a:defRPr b="0" i="0" sz="1400" u="none" cap="none" strike="noStrike">
+        <a:solidFill>
+          <a:srgbClr val="000000"/>
+        </a:solidFill>
+        <a:latin typeface="Arial"/>
+        <a:ea typeface="Arial"/>
+        <a:cs typeface="Arial"/>
+        <a:sym typeface="Arial"/>
+      </a:defRPr>
+    </a:lvl7pPr>
+    <a:lvl8pPr lvl="7" marR="0" rtl="0" algn="l">
+      <a:lnSpc>
+        <a:spcPct val="100000"/>
+      </a:lnSpc>
+      <a:spcBef>
+        <a:spcPts val="0"/>
+      </a:spcBef>
+      <a:spcAft>
+        <a:spcPts val="0"/>
+      </a:spcAft>
+      <a:buClr>
+        <a:srgbClr val="000000"/>
+      </a:buClr>
+      <a:buFont typeface="Arial"/>
+      <a:defRPr b="0" i="0" sz="1400" u="none" cap="none" strike="noStrike">
+        <a:solidFill>
+          <a:srgbClr val="000000"/>
+        </a:solidFill>
+        <a:latin typeface="Arial"/>
+        <a:ea typeface="Arial"/>
+        <a:cs typeface="Arial"/>
+        <a:sym typeface="Arial"/>
+      </a:defRPr>
+    </a:lvl8pPr>
+    <a:lvl9pPr lvl="8" marR="0" rtl="0" algn="l">
+      <a:lnSpc>
+        <a:spcPct val="100000"/>
+      </a:lnSpc>
+      <a:spcBef>
+        <a:spcPts val="0"/>
+      </a:spcBef>
+      <a:spcAft>
+        <a:spcPts val="0"/>
+      </a:spcAft>
+      <a:buClr>
+        <a:srgbClr val="000000"/>
+      </a:buClr>
+      <a:buFont typeface="Arial"/>
+      <a:defRPr b="0" i="0" sz="1400" u="none" cap="none" strike="noStrike">
+        <a:solidFill>
+          <a:srgbClr val="000000"/>
+        </a:solidFill>
+        <a:latin typeface="Arial"/>
+        <a:ea typeface="Arial"/>
+        <a:cs typeface="Arial"/>
+        <a:sym typeface="Arial"/>
+      </a:defRPr>
+    </a:lvl9pPr>
+  </p:notesStyle>
 </p:notesMaster>
 </file>
 
@@ -546,7 +804,7 @@
   <p:cSld>
     <p:spTree>
       <p:nvGrpSpPr>
-        <p:cNvPr id="187" name="Shape 187"/>
+        <p:cNvPr id="183" name="Shape 183"/>
         <p:cNvGrpSpPr/>
         <p:nvPr/>
       </p:nvGrpSpPr>
@@ -560,7 +818,7 @@
       </p:grpSpPr>
       <p:sp>
         <p:nvSpPr>
-          <p:cNvPr id="188" name="Shape 188"/>
+          <p:cNvPr id="184" name="Shape 184"/>
           <p:cNvSpPr/>
           <p:nvPr>
             <p:ph idx="2" type="sldImg"/>
@@ -594,7 +852,7 @@
       </p:sp>
       <p:sp>
         <p:nvSpPr>
-          <p:cNvPr id="189" name="Shape 189"/>
+          <p:cNvPr id="185" name="Shape 185"/>
           <p:cNvSpPr txBox="1"/>
           <p:nvPr>
             <p:ph idx="1" type="body"/>
@@ -644,7 +902,7 @@
   <p:cSld>
     <p:spTree>
       <p:nvGrpSpPr>
-        <p:cNvPr id="196" name="Shape 196"/>
+        <p:cNvPr id="190" name="Shape 190"/>
         <p:cNvGrpSpPr/>
         <p:nvPr/>
       </p:nvGrpSpPr>
@@ -658,7 +916,7 @@
       </p:grpSpPr>
       <p:sp>
         <p:nvSpPr>
-          <p:cNvPr id="197" name="Shape 197"/>
+          <p:cNvPr id="191" name="Shape 191"/>
           <p:cNvSpPr/>
           <p:nvPr>
             <p:ph idx="2" type="sldImg"/>
@@ -692,7 +950,7 @@
       </p:sp>
       <p:sp>
         <p:nvSpPr>
-          <p:cNvPr id="198" name="Shape 198"/>
+          <p:cNvPr id="192" name="Shape 192"/>
           <p:cNvSpPr txBox="1"/>
           <p:nvPr>
             <p:ph idx="1" type="body"/>
@@ -742,7 +1000,7 @@
   <p:cSld>
     <p:spTree>
       <p:nvGrpSpPr>
-        <p:cNvPr id="205" name="Shape 205"/>
+        <p:cNvPr id="197" name="Shape 197"/>
         <p:cNvGrpSpPr/>
         <p:nvPr/>
       </p:nvGrpSpPr>
@@ -756,7 +1014,7 @@
       </p:grpSpPr>
       <p:sp>
         <p:nvSpPr>
-          <p:cNvPr id="206" name="Shape 206"/>
+          <p:cNvPr id="198" name="Shape 198"/>
           <p:cNvSpPr/>
           <p:nvPr>
             <p:ph idx="2" type="sldImg"/>
@@ -790,7 +1048,7 @@
       </p:sp>
       <p:sp>
         <p:nvSpPr>
-          <p:cNvPr id="207" name="Shape 207"/>
+          <p:cNvPr id="199" name="Shape 199"/>
           <p:cNvSpPr txBox="1"/>
           <p:nvPr>
             <p:ph idx="1" type="body"/>
@@ -840,7 +1098,7 @@
   <p:cSld>
     <p:spTree>
       <p:nvGrpSpPr>
-        <p:cNvPr id="214" name="Shape 214"/>
+        <p:cNvPr id="206" name="Shape 206"/>
         <p:cNvGrpSpPr/>
         <p:nvPr/>
       </p:nvGrpSpPr>
@@ -854,7 +1112,7 @@
       </p:grpSpPr>
       <p:sp>
         <p:nvSpPr>
-          <p:cNvPr id="215" name="Shape 215"/>
+          <p:cNvPr id="207" name="Shape 207"/>
           <p:cNvSpPr/>
           <p:nvPr>
             <p:ph idx="2" type="sldImg"/>
@@ -888,7 +1146,7 @@
       </p:sp>
       <p:sp>
         <p:nvSpPr>
-          <p:cNvPr id="216" name="Shape 216"/>
+          <p:cNvPr id="208" name="Shape 208"/>
           <p:cNvSpPr txBox="1"/>
           <p:nvPr>
             <p:ph idx="1" type="body"/>
@@ -938,7 +1196,7 @@
   <p:cSld>
     <p:spTree>
       <p:nvGrpSpPr>
-        <p:cNvPr id="223" name="Shape 223"/>
+        <p:cNvPr id="215" name="Shape 215"/>
         <p:cNvGrpSpPr/>
         <p:nvPr/>
       </p:nvGrpSpPr>
@@ -952,7 +1210,7 @@
       </p:grpSpPr>
       <p:sp>
         <p:nvSpPr>
-          <p:cNvPr id="224" name="Shape 224"/>
+          <p:cNvPr id="216" name="Shape 216"/>
           <p:cNvSpPr/>
           <p:nvPr>
             <p:ph idx="2" type="sldImg"/>
@@ -986,7 +1244,7 @@
       </p:sp>
       <p:sp>
         <p:nvSpPr>
-          <p:cNvPr id="225" name="Shape 225"/>
+          <p:cNvPr id="217" name="Shape 217"/>
           <p:cNvSpPr txBox="1"/>
           <p:nvPr>
             <p:ph idx="1" type="body"/>
@@ -1007,7 +1265,7 @@
           </a:bodyPr>
           <a:lstStyle/>
           <a:p>
-            <a:pPr indent="0" lvl="0" marL="0">
+            <a:pPr indent="0" lvl="0" marL="0" rtl="0">
               <a:spcBef>
                 <a:spcPts val="0"/>
               </a:spcBef>
@@ -1036,7 +1294,7 @@
   <p:cSld>
     <p:spTree>
       <p:nvGrpSpPr>
-        <p:cNvPr id="229" name="Shape 229"/>
+        <p:cNvPr id="224" name="Shape 224"/>
         <p:cNvGrpSpPr/>
         <p:nvPr/>
       </p:nvGrpSpPr>
@@ -1050,7 +1308,7 @@
       </p:grpSpPr>
       <p:sp>
         <p:nvSpPr>
-          <p:cNvPr id="230" name="Shape 230"/>
+          <p:cNvPr id="225" name="Shape 225"/>
           <p:cNvSpPr/>
           <p:nvPr>
             <p:ph idx="2" type="sldImg"/>
@@ -1084,7 +1342,7 @@
       </p:sp>
       <p:sp>
         <p:nvSpPr>
-          <p:cNvPr id="231" name="Shape 231"/>
+          <p:cNvPr id="226" name="Shape 226"/>
           <p:cNvSpPr txBox="1"/>
           <p:nvPr>
             <p:ph idx="1" type="body"/>
@@ -1105,7 +1363,7 @@
           </a:bodyPr>
           <a:lstStyle/>
           <a:p>
-            <a:pPr indent="0" lvl="0" marL="0">
+            <a:pPr indent="0" lvl="0" marL="0" rtl="0">
               <a:spcBef>
                 <a:spcPts val="0"/>
               </a:spcBef>
@@ -1134,7 +1392,7 @@
   <p:cSld>
     <p:spTree>
       <p:nvGrpSpPr>
-        <p:cNvPr id="235" name="Shape 235"/>
+        <p:cNvPr id="233" name="Shape 233"/>
         <p:cNvGrpSpPr/>
         <p:nvPr/>
       </p:nvGrpSpPr>
@@ -1148,7 +1406,7 @@
       </p:grpSpPr>
       <p:sp>
         <p:nvSpPr>
-          <p:cNvPr id="236" name="Shape 236"/>
+          <p:cNvPr id="234" name="Shape 234"/>
           <p:cNvSpPr/>
           <p:nvPr>
             <p:ph idx="2" type="sldImg"/>
@@ -1182,7 +1440,7 @@
       </p:sp>
       <p:sp>
         <p:nvSpPr>
-          <p:cNvPr id="237" name="Shape 237"/>
+          <p:cNvPr id="235" name="Shape 235"/>
           <p:cNvSpPr txBox="1"/>
           <p:nvPr>
             <p:ph idx="1" type="body"/>
@@ -1203,53 +1461,17 @@
           </a:bodyPr>
           <a:lstStyle/>
           <a:p>
-            <a:pPr indent="-317500" lvl="0" marL="457200" rtl="0">
-              <a:spcBef>
-                <a:spcPts val="0"/>
-              </a:spcBef>
-              <a:spcAft>
-                <a:spcPts val="0"/>
-              </a:spcAft>
-              <a:buSzPts val="1400"/>
-              <a:buChar char="●"/>
+            <a:pPr indent="0" lvl="0" marL="0">
+              <a:spcBef>
+                <a:spcPts val="0"/>
+              </a:spcBef>
+              <a:spcAft>
+                <a:spcPts val="0"/>
+              </a:spcAft>
+              <a:buNone/>
             </a:pPr>
             <a:r>
-              <a:rPr lang="en"/>
-              <a:t>Decision trees are classifiers -- WMA combines classifiers</a:t>
-            </a:r>
-            <a:endParaRPr/>
-          </a:p>
-          <a:p>
-            <a:pPr indent="-317500" lvl="0" marL="457200" rtl="0">
-              <a:spcBef>
-                <a:spcPts val="0"/>
-              </a:spcBef>
-              <a:spcAft>
-                <a:spcPts val="0"/>
-              </a:spcAft>
-              <a:buSzPts val="1400"/>
-              <a:buChar char="●"/>
-            </a:pPr>
-            <a:r>
-              <a:rPr lang="en"/>
-              <a:t>Decision trees have distinct training and test phases (offline), WMA combines them</a:t>
-            </a:r>
-            <a:endParaRPr/>
-          </a:p>
-          <a:p>
-            <a:pPr indent="-317500" lvl="0" marL="457200">
-              <a:spcBef>
-                <a:spcPts val="0"/>
-              </a:spcBef>
-              <a:spcAft>
-                <a:spcPts val="0"/>
-              </a:spcAft>
-              <a:buSzPts val="1400"/>
-              <a:buChar char="●"/>
-            </a:pPr>
-            <a:r>
-              <a:rPr lang="en"/>
-              <a:t>In decision trees the order in which we receive the data does not matter -- in WMA, it does</a:t>
+              <a:t/>
             </a:r>
             <a:endParaRPr/>
           </a:p>
@@ -1268,7 +1490,7 @@
   <p:cSld>
     <p:spTree>
       <p:nvGrpSpPr>
-        <p:cNvPr id="240" name="Shape 240"/>
+        <p:cNvPr id="239" name="Shape 239"/>
         <p:cNvGrpSpPr/>
         <p:nvPr/>
       </p:nvGrpSpPr>
@@ -1282,7 +1504,7 @@
       </p:grpSpPr>
       <p:sp>
         <p:nvSpPr>
-          <p:cNvPr id="241" name="Shape 241"/>
+          <p:cNvPr id="240" name="Shape 240"/>
           <p:cNvSpPr/>
           <p:nvPr>
             <p:ph idx="2" type="sldImg"/>
@@ -1316,7 +1538,239 @@
       </p:sp>
       <p:sp>
         <p:nvSpPr>
-          <p:cNvPr id="242" name="Shape 242"/>
+          <p:cNvPr id="241" name="Shape 241"/>
+          <p:cNvSpPr txBox="1"/>
+          <p:nvPr>
+            <p:ph idx="1" type="body"/>
+          </p:nvPr>
+        </p:nvSpPr>
+        <p:spPr>
+          <a:xfrm>
+            <a:off x="685800" y="4343400"/>
+            <a:ext cx="5486400" cy="4114800"/>
+          </a:xfrm>
+          <a:prstGeom prst="rect">
+            <a:avLst/>
+          </a:prstGeom>
+        </p:spPr>
+        <p:txBody>
+          <a:bodyPr anchorCtr="0" anchor="t" bIns="91425" lIns="91425" spcFirstLastPara="1" rIns="91425" wrap="square" tIns="91425">
+            <a:noAutofit/>
+          </a:bodyPr>
+          <a:lstStyle/>
+          <a:p>
+            <a:pPr indent="0" lvl="0" marL="0">
+              <a:spcBef>
+                <a:spcPts val="0"/>
+              </a:spcBef>
+              <a:spcAft>
+                <a:spcPts val="0"/>
+              </a:spcAft>
+              <a:buNone/>
+            </a:pPr>
+            <a:r>
+              <a:t/>
+            </a:r>
+            <a:endParaRPr/>
+          </a:p>
+        </p:txBody>
+      </p:sp>
+    </p:spTree>
+  </p:cSld>
+  <p:clrMapOvr>
+    <a:masterClrMapping/>
+  </p:clrMapOvr>
+</p:notes>
+</file>
+
+<file path=ppt/notesSlides/notesSlide18.xml><?xml version="1.0" encoding="utf-8"?>
+<p:notes xmlns:a="http://schemas.openxmlformats.org/drawingml/2006/main" xmlns:r="http://schemas.openxmlformats.org/officeDocument/2006/relationships" xmlns:mc="http://schemas.openxmlformats.org/markup-compatibility/2006" xmlns:mv="urn:schemas-microsoft-com:mac:vml" xmlns:p="http://schemas.openxmlformats.org/presentationml/2006/main" xmlns:c="http://schemas.openxmlformats.org/drawingml/2006/chart" xmlns:dgm="http://schemas.openxmlformats.org/drawingml/2006/diagram" xmlns:o="urn:schemas-microsoft-com:office:office" xmlns:v="urn:schemas-microsoft-com:vml" xmlns:pvml="urn:schemas-microsoft-com:office:powerpoint" xmlns:com="http://schemas.openxmlformats.org/drawingml/2006/compatibility" xmlns:p14="http://schemas.microsoft.com/office/powerpoint/2010/main" xmlns:p15="http://schemas.microsoft.com/office/powerpoint/2012/main" showMasterPhAnim="0" showMasterSp="0">
+  <p:cSld>
+    <p:spTree>
+      <p:nvGrpSpPr>
+        <p:cNvPr id="245" name="Shape 245"/>
+        <p:cNvGrpSpPr/>
+        <p:nvPr/>
+      </p:nvGrpSpPr>
+      <p:grpSpPr>
+        <a:xfrm>
+          <a:off x="0" y="0"/>
+          <a:ext cx="0" cy="0"/>
+          <a:chOff x="0" y="0"/>
+          <a:chExt cx="0" cy="0"/>
+        </a:xfrm>
+      </p:grpSpPr>
+      <p:sp>
+        <p:nvSpPr>
+          <p:cNvPr id="246" name="Shape 246"/>
+          <p:cNvSpPr/>
+          <p:nvPr>
+            <p:ph idx="2" type="sldImg"/>
+          </p:nvPr>
+        </p:nvSpPr>
+        <p:spPr>
+          <a:xfrm>
+            <a:off x="381300" y="685800"/>
+            <a:ext cx="6096000" cy="3429000"/>
+          </a:xfrm>
+          <a:custGeom>
+            <a:pathLst>
+              <a:path extrusionOk="0" h="120000" w="120000">
+                <a:moveTo>
+                  <a:pt x="0" y="0"/>
+                </a:moveTo>
+                <a:lnTo>
+                  <a:pt x="120000" y="0"/>
+                </a:lnTo>
+                <a:lnTo>
+                  <a:pt x="120000" y="120000"/>
+                </a:lnTo>
+                <a:lnTo>
+                  <a:pt x="0" y="120000"/>
+                </a:lnTo>
+                <a:close/>
+              </a:path>
+            </a:pathLst>
+          </a:custGeom>
+        </p:spPr>
+      </p:sp>
+      <p:sp>
+        <p:nvSpPr>
+          <p:cNvPr id="247" name="Shape 247"/>
+          <p:cNvSpPr txBox="1"/>
+          <p:nvPr>
+            <p:ph idx="1" type="body"/>
+          </p:nvPr>
+        </p:nvSpPr>
+        <p:spPr>
+          <a:xfrm>
+            <a:off x="685800" y="4343400"/>
+            <a:ext cx="5486400" cy="4114800"/>
+          </a:xfrm>
+          <a:prstGeom prst="rect">
+            <a:avLst/>
+          </a:prstGeom>
+        </p:spPr>
+        <p:txBody>
+          <a:bodyPr anchorCtr="0" anchor="t" bIns="91425" lIns="91425" spcFirstLastPara="1" rIns="91425" wrap="square" tIns="91425">
+            <a:noAutofit/>
+          </a:bodyPr>
+          <a:lstStyle/>
+          <a:p>
+            <a:pPr indent="-317500" lvl="0" marL="457200" rtl="0">
+              <a:spcBef>
+                <a:spcPts val="0"/>
+              </a:spcBef>
+              <a:spcAft>
+                <a:spcPts val="0"/>
+              </a:spcAft>
+              <a:buSzPts val="1400"/>
+              <a:buChar char="●"/>
+            </a:pPr>
+            <a:r>
+              <a:rPr lang="en"/>
+              <a:t>Decision trees are classifiers -- WMA combines classifiers</a:t>
+            </a:r>
+            <a:endParaRPr/>
+          </a:p>
+          <a:p>
+            <a:pPr indent="-317500" lvl="0" marL="457200" rtl="0">
+              <a:spcBef>
+                <a:spcPts val="0"/>
+              </a:spcBef>
+              <a:spcAft>
+                <a:spcPts val="0"/>
+              </a:spcAft>
+              <a:buSzPts val="1400"/>
+              <a:buChar char="●"/>
+            </a:pPr>
+            <a:r>
+              <a:rPr lang="en"/>
+              <a:t>Decision trees have distinct training and test phases (offline), WMA combines them</a:t>
+            </a:r>
+            <a:endParaRPr/>
+          </a:p>
+          <a:p>
+            <a:pPr indent="-317500" lvl="0" marL="457200">
+              <a:spcBef>
+                <a:spcPts val="0"/>
+              </a:spcBef>
+              <a:spcAft>
+                <a:spcPts val="0"/>
+              </a:spcAft>
+              <a:buSzPts val="1400"/>
+              <a:buChar char="●"/>
+            </a:pPr>
+            <a:r>
+              <a:rPr lang="en"/>
+              <a:t>In decision trees the order in which we receive the data does not matter -- in WMA, it does</a:t>
+            </a:r>
+            <a:endParaRPr/>
+          </a:p>
+        </p:txBody>
+      </p:sp>
+    </p:spTree>
+  </p:cSld>
+  <p:clrMapOvr>
+    <a:masterClrMapping/>
+  </p:clrMapOvr>
+</p:notes>
+</file>
+
+<file path=ppt/notesSlides/notesSlide19.xml><?xml version="1.0" encoding="utf-8"?>
+<p:notes xmlns:a="http://schemas.openxmlformats.org/drawingml/2006/main" xmlns:r="http://schemas.openxmlformats.org/officeDocument/2006/relationships" xmlns:mc="http://schemas.openxmlformats.org/markup-compatibility/2006" xmlns:mv="urn:schemas-microsoft-com:mac:vml" xmlns:p="http://schemas.openxmlformats.org/presentationml/2006/main" xmlns:c="http://schemas.openxmlformats.org/drawingml/2006/chart" xmlns:dgm="http://schemas.openxmlformats.org/drawingml/2006/diagram" xmlns:o="urn:schemas-microsoft-com:office:office" xmlns:v="urn:schemas-microsoft-com:vml" xmlns:pvml="urn:schemas-microsoft-com:office:powerpoint" xmlns:com="http://schemas.openxmlformats.org/drawingml/2006/compatibility" xmlns:p14="http://schemas.microsoft.com/office/powerpoint/2010/main" xmlns:p15="http://schemas.microsoft.com/office/powerpoint/2012/main" showMasterPhAnim="0" showMasterSp="0">
+  <p:cSld>
+    <p:spTree>
+      <p:nvGrpSpPr>
+        <p:cNvPr id="250" name="Shape 250"/>
+        <p:cNvGrpSpPr/>
+        <p:nvPr/>
+      </p:nvGrpSpPr>
+      <p:grpSpPr>
+        <a:xfrm>
+          <a:off x="0" y="0"/>
+          <a:ext cx="0" cy="0"/>
+          <a:chOff x="0" y="0"/>
+          <a:chExt cx="0" cy="0"/>
+        </a:xfrm>
+      </p:grpSpPr>
+      <p:sp>
+        <p:nvSpPr>
+          <p:cNvPr id="251" name="Shape 251"/>
+          <p:cNvSpPr/>
+          <p:nvPr>
+            <p:ph idx="2" type="sldImg"/>
+          </p:nvPr>
+        </p:nvSpPr>
+        <p:spPr>
+          <a:xfrm>
+            <a:off x="381300" y="685800"/>
+            <a:ext cx="6096000" cy="3429000"/>
+          </a:xfrm>
+          <a:custGeom>
+            <a:pathLst>
+              <a:path extrusionOk="0" h="120000" w="120000">
+                <a:moveTo>
+                  <a:pt x="0" y="0"/>
+                </a:moveTo>
+                <a:lnTo>
+                  <a:pt x="120000" y="0"/>
+                </a:lnTo>
+                <a:lnTo>
+                  <a:pt x="120000" y="120000"/>
+                </a:lnTo>
+                <a:lnTo>
+                  <a:pt x="0" y="120000"/>
+                </a:lnTo>
+                <a:close/>
+              </a:path>
+            </a:pathLst>
+          </a:custGeom>
+        </p:spPr>
+      </p:sp>
+      <p:sp>
+        <p:nvSpPr>
+          <p:cNvPr id="252" name="Shape 252"/>
           <p:cNvSpPr txBox="1"/>
           <p:nvPr>
             <p:ph idx="1" type="body"/>
@@ -1567,7 +2021,7 @@
   <p:cSld>
     <p:spTree>
       <p:nvGrpSpPr>
-        <p:cNvPr id="142" name="Shape 142"/>
+        <p:cNvPr id="141" name="Shape 141"/>
         <p:cNvGrpSpPr/>
         <p:nvPr/>
       </p:nvGrpSpPr>
@@ -1581,7 +2035,7 @@
       </p:grpSpPr>
       <p:sp>
         <p:nvSpPr>
-          <p:cNvPr id="143" name="Shape 143"/>
+          <p:cNvPr id="142" name="Shape 142"/>
           <p:cNvSpPr/>
           <p:nvPr>
             <p:ph idx="2" type="sldImg"/>
@@ -1615,7 +2069,7 @@
       </p:sp>
       <p:sp>
         <p:nvSpPr>
-          <p:cNvPr id="144" name="Shape 144"/>
+          <p:cNvPr id="143" name="Shape 143"/>
           <p:cNvSpPr txBox="1"/>
           <p:nvPr>
             <p:ph idx="1" type="body"/>
@@ -1636,7 +2090,7 @@
           </a:bodyPr>
           <a:lstStyle/>
           <a:p>
-            <a:pPr indent="0" lvl="0" marL="0" rtl="0">
+            <a:pPr indent="0" lvl="0" marL="0">
               <a:spcBef>
                 <a:spcPts val="0"/>
               </a:spcBef>
@@ -1665,7 +2119,7 @@
   <p:cSld>
     <p:spTree>
       <p:nvGrpSpPr>
-        <p:cNvPr id="148" name="Shape 148"/>
+        <p:cNvPr id="146" name="Shape 146"/>
         <p:cNvGrpSpPr/>
         <p:nvPr/>
       </p:nvGrpSpPr>
@@ -1679,7 +2133,7 @@
       </p:grpSpPr>
       <p:sp>
         <p:nvSpPr>
-          <p:cNvPr id="149" name="Shape 149"/>
+          <p:cNvPr id="147" name="Shape 147"/>
           <p:cNvSpPr/>
           <p:nvPr>
             <p:ph idx="2" type="sldImg"/>
@@ -1713,7 +2167,7 @@
       </p:sp>
       <p:sp>
         <p:nvSpPr>
-          <p:cNvPr id="150" name="Shape 150"/>
+          <p:cNvPr id="148" name="Shape 148"/>
           <p:cNvSpPr txBox="1"/>
           <p:nvPr>
             <p:ph idx="1" type="body"/>
@@ -1763,7 +2217,7 @@
   <p:cSld>
     <p:spTree>
       <p:nvGrpSpPr>
-        <p:cNvPr id="154" name="Shape 154"/>
+        <p:cNvPr id="152" name="Shape 152"/>
         <p:cNvGrpSpPr/>
         <p:nvPr/>
       </p:nvGrpSpPr>
@@ -1777,7 +2231,7 @@
       </p:grpSpPr>
       <p:sp>
         <p:nvSpPr>
-          <p:cNvPr id="155" name="Shape 155"/>
+          <p:cNvPr id="153" name="Shape 153"/>
           <p:cNvSpPr/>
           <p:nvPr>
             <p:ph idx="2" type="sldImg"/>
@@ -1811,7 +2265,7 @@
       </p:sp>
       <p:sp>
         <p:nvSpPr>
-          <p:cNvPr id="156" name="Shape 156"/>
+          <p:cNvPr id="154" name="Shape 154"/>
           <p:cNvSpPr txBox="1"/>
           <p:nvPr>
             <p:ph idx="1" type="body"/>
@@ -1861,7 +2315,7 @@
   <p:cSld>
     <p:spTree>
       <p:nvGrpSpPr>
-        <p:cNvPr id="160" name="Shape 160"/>
+        <p:cNvPr id="158" name="Shape 158"/>
         <p:cNvGrpSpPr/>
         <p:nvPr/>
       </p:nvGrpSpPr>
@@ -1875,7 +2329,7 @@
       </p:grpSpPr>
       <p:sp>
         <p:nvSpPr>
-          <p:cNvPr id="161" name="Shape 161"/>
+          <p:cNvPr id="159" name="Shape 159"/>
           <p:cNvSpPr/>
           <p:nvPr>
             <p:ph idx="2" type="sldImg"/>
@@ -1909,7 +2363,7 @@
       </p:sp>
       <p:sp>
         <p:nvSpPr>
-          <p:cNvPr id="162" name="Shape 162"/>
+          <p:cNvPr id="160" name="Shape 160"/>
           <p:cNvSpPr txBox="1"/>
           <p:nvPr>
             <p:ph idx="1" type="body"/>
@@ -1959,7 +2413,7 @@
   <p:cSld>
     <p:spTree>
       <p:nvGrpSpPr>
-        <p:cNvPr id="166" name="Shape 166"/>
+        <p:cNvPr id="164" name="Shape 164"/>
         <p:cNvGrpSpPr/>
         <p:nvPr/>
       </p:nvGrpSpPr>
@@ -1973,7 +2427,7 @@
       </p:grpSpPr>
       <p:sp>
         <p:nvSpPr>
-          <p:cNvPr id="167" name="Shape 167"/>
+          <p:cNvPr id="165" name="Shape 165"/>
           <p:cNvSpPr/>
           <p:nvPr>
             <p:ph idx="2" type="sldImg"/>
@@ -2007,7 +2461,7 @@
       </p:sp>
       <p:sp>
         <p:nvSpPr>
-          <p:cNvPr id="168" name="Shape 168"/>
+          <p:cNvPr id="166" name="Shape 166"/>
           <p:cNvSpPr txBox="1"/>
           <p:nvPr>
             <p:ph idx="1" type="body"/>
@@ -2057,7 +2511,7 @@
   <p:cSld>
     <p:spTree>
       <p:nvGrpSpPr>
-        <p:cNvPr id="173" name="Shape 173"/>
+        <p:cNvPr id="170" name="Shape 170"/>
         <p:cNvGrpSpPr/>
         <p:nvPr/>
       </p:nvGrpSpPr>
@@ -2071,7 +2525,7 @@
       </p:grpSpPr>
       <p:sp>
         <p:nvSpPr>
-          <p:cNvPr id="174" name="Shape 174"/>
+          <p:cNvPr id="171" name="Shape 171"/>
           <p:cNvSpPr/>
           <p:nvPr>
             <p:ph idx="2" type="sldImg"/>
@@ -2105,7 +2559,7 @@
       </p:sp>
       <p:sp>
         <p:nvSpPr>
-          <p:cNvPr id="175" name="Shape 175"/>
+          <p:cNvPr id="172" name="Shape 172"/>
           <p:cNvSpPr txBox="1"/>
           <p:nvPr>
             <p:ph idx="1" type="body"/>
@@ -2155,7 +2609,7 @@
   <p:cSld>
     <p:spTree>
       <p:nvGrpSpPr>
-        <p:cNvPr id="180" name="Shape 180"/>
+        <p:cNvPr id="176" name="Shape 176"/>
         <p:cNvGrpSpPr/>
         <p:nvPr/>
       </p:nvGrpSpPr>
@@ -2169,7 +2623,7 @@
       </p:grpSpPr>
       <p:sp>
         <p:nvSpPr>
-          <p:cNvPr id="181" name="Shape 181"/>
+          <p:cNvPr id="177" name="Shape 177"/>
           <p:cNvSpPr/>
           <p:nvPr>
             <p:ph idx="2" type="sldImg"/>
@@ -2203,7 +2657,7 @@
       </p:sp>
       <p:sp>
         <p:nvSpPr>
-          <p:cNvPr id="182" name="Shape 182"/>
+          <p:cNvPr id="178" name="Shape 178"/>
           <p:cNvSpPr txBox="1"/>
           <p:nvPr>
             <p:ph idx="1" type="body"/>
@@ -2249,8 +2703,8 @@
 </file>
 
 <file path=ppt/slideLayouts/slideLayout1.xml><?xml version="1.0" encoding="utf-8"?>
-<p:sldLayout xmlns:a="http://schemas.openxmlformats.org/drawingml/2006/main" xmlns:r="http://schemas.openxmlformats.org/officeDocument/2006/relationships" xmlns:mc="http://schemas.openxmlformats.org/markup-compatibility/2006" xmlns:mv="urn:schemas-microsoft-com:mac:vml" xmlns:p="http://schemas.openxmlformats.org/presentationml/2006/main" xmlns:c="http://schemas.openxmlformats.org/drawingml/2006/chart" xmlns:dgm="http://schemas.openxmlformats.org/drawingml/2006/diagram" xmlns:o="urn:schemas-microsoft-com:office:office" xmlns:v="urn:schemas-microsoft-com:vml" xmlns:pvml="urn:schemas-microsoft-com:office:powerpoint" xmlns:com="http://schemas.openxmlformats.org/drawingml/2006/compatibility" xmlns:p14="http://schemas.microsoft.com/office/powerpoint/2010/main" xmlns:p15="http://schemas.microsoft.com/office/powerpoint/2012/main" type="title">
-  <p:cSld name="Title slide">
+<p:sldLayout xmlns:a="http://schemas.openxmlformats.org/drawingml/2006/main" xmlns:r="http://schemas.openxmlformats.org/officeDocument/2006/relationships" xmlns:mc="http://schemas.openxmlformats.org/markup-compatibility/2006" xmlns:mv="urn:schemas-microsoft-com:mac:vml" xmlns:p="http://schemas.openxmlformats.org/presentationml/2006/main" xmlns:c="http://schemas.openxmlformats.org/drawingml/2006/chart" xmlns:dgm="http://schemas.openxmlformats.org/drawingml/2006/diagram" xmlns:o="urn:schemas-microsoft-com:office:office" xmlns:v="urn:schemas-microsoft-com:vml" xmlns:pvml="urn:schemas-microsoft-com:office:powerpoint" xmlns:com="http://schemas.openxmlformats.org/drawingml/2006/compatibility" xmlns:p14="http://schemas.microsoft.com/office/powerpoint/2010/main" xmlns:p15="http://schemas.microsoft.com/office/powerpoint/2012/main" matchingName="Title slide" type="title">
+  <p:cSld name="TITLE">
     <p:spTree>
       <p:nvGrpSpPr>
         <p:cNvPr id="9" name="Shape 9"/>
@@ -2805,7 +3259,71 @@
           <a:bodyPr anchorCtr="0" anchor="ctr" bIns="91425" lIns="91425" spcFirstLastPara="1" rIns="91425" wrap="square" tIns="91425">
             <a:noAutofit/>
           </a:bodyPr>
-          <a:lstStyle/>
+          <a:lstStyle>
+            <a:lvl1pPr lvl="0">
+              <a:spcBef>
+                <a:spcPts val="0"/>
+              </a:spcBef>
+              <a:buNone/>
+              <a:defRPr/>
+            </a:lvl1pPr>
+            <a:lvl2pPr lvl="1">
+              <a:spcBef>
+                <a:spcPts val="0"/>
+              </a:spcBef>
+              <a:buNone/>
+              <a:defRPr/>
+            </a:lvl2pPr>
+            <a:lvl3pPr lvl="2">
+              <a:spcBef>
+                <a:spcPts val="0"/>
+              </a:spcBef>
+              <a:buNone/>
+              <a:defRPr/>
+            </a:lvl3pPr>
+            <a:lvl4pPr lvl="3">
+              <a:spcBef>
+                <a:spcPts val="0"/>
+              </a:spcBef>
+              <a:buNone/>
+              <a:defRPr/>
+            </a:lvl4pPr>
+            <a:lvl5pPr lvl="4">
+              <a:spcBef>
+                <a:spcPts val="0"/>
+              </a:spcBef>
+              <a:buNone/>
+              <a:defRPr/>
+            </a:lvl5pPr>
+            <a:lvl6pPr lvl="5">
+              <a:spcBef>
+                <a:spcPts val="0"/>
+              </a:spcBef>
+              <a:buNone/>
+              <a:defRPr/>
+            </a:lvl6pPr>
+            <a:lvl7pPr lvl="6">
+              <a:spcBef>
+                <a:spcPts val="0"/>
+              </a:spcBef>
+              <a:buNone/>
+              <a:defRPr/>
+            </a:lvl7pPr>
+            <a:lvl8pPr lvl="7">
+              <a:spcBef>
+                <a:spcPts val="0"/>
+              </a:spcBef>
+              <a:buNone/>
+              <a:defRPr/>
+            </a:lvl8pPr>
+            <a:lvl9pPr lvl="8">
+              <a:spcBef>
+                <a:spcPts val="0"/>
+              </a:spcBef>
+              <a:buNone/>
+              <a:defRPr/>
+            </a:lvl9pPr>
+          </a:lstStyle>
           <a:p>
             <a:pPr indent="0" lvl="0" marL="0">
               <a:spcBef>
@@ -2833,8 +3351,8 @@
 </file>
 
 <file path=ppt/slideLayouts/slideLayout10.xml><?xml version="1.0" encoding="utf-8"?>
-<p:sldLayout xmlns:a="http://schemas.openxmlformats.org/drawingml/2006/main" xmlns:r="http://schemas.openxmlformats.org/officeDocument/2006/relationships" xmlns:mc="http://schemas.openxmlformats.org/markup-compatibility/2006" xmlns:mv="urn:schemas-microsoft-com:mac:vml" xmlns:p="http://schemas.openxmlformats.org/presentationml/2006/main" xmlns:c="http://schemas.openxmlformats.org/drawingml/2006/chart" xmlns:dgm="http://schemas.openxmlformats.org/drawingml/2006/diagram" xmlns:o="urn:schemas-microsoft-com:office:office" xmlns:v="urn:schemas-microsoft-com:vml" xmlns:pvml="urn:schemas-microsoft-com:office:powerpoint" xmlns:com="http://schemas.openxmlformats.org/drawingml/2006/compatibility" xmlns:p14="http://schemas.microsoft.com/office/powerpoint/2010/main" xmlns:p15="http://schemas.microsoft.com/office/powerpoint/2012/main">
-  <p:cSld name="Big number">
+<p:sldLayout xmlns:a="http://schemas.openxmlformats.org/drawingml/2006/main" xmlns:r="http://schemas.openxmlformats.org/officeDocument/2006/relationships" xmlns:mc="http://schemas.openxmlformats.org/markup-compatibility/2006" xmlns:mv="urn:schemas-microsoft-com:mac:vml" xmlns:p="http://schemas.openxmlformats.org/presentationml/2006/main" xmlns:c="http://schemas.openxmlformats.org/drawingml/2006/chart" xmlns:dgm="http://schemas.openxmlformats.org/drawingml/2006/diagram" xmlns:o="urn:schemas-microsoft-com:office:office" xmlns:v="urn:schemas-microsoft-com:vml" xmlns:pvml="urn:schemas-microsoft-com:office:powerpoint" xmlns:com="http://schemas.openxmlformats.org/drawingml/2006/compatibility" xmlns:p14="http://schemas.microsoft.com/office/powerpoint/2010/main" xmlns:p15="http://schemas.microsoft.com/office/powerpoint/2012/main" matchingName="Big number">
+  <p:cSld name="BIG_NUMBER">
     <p:spTree>
       <p:nvGrpSpPr>
         <p:cNvPr id="105" name="Shape 105"/>
@@ -3973,7 +4491,71 @@
           <a:bodyPr anchorCtr="0" anchor="ctr" bIns="91425" lIns="91425" spcFirstLastPara="1" rIns="91425" wrap="square" tIns="91425">
             <a:noAutofit/>
           </a:bodyPr>
-          <a:lstStyle/>
+          <a:lstStyle>
+            <a:lvl1pPr lvl="0">
+              <a:spcBef>
+                <a:spcPts val="0"/>
+              </a:spcBef>
+              <a:buNone/>
+              <a:defRPr/>
+            </a:lvl1pPr>
+            <a:lvl2pPr lvl="1">
+              <a:spcBef>
+                <a:spcPts val="0"/>
+              </a:spcBef>
+              <a:buNone/>
+              <a:defRPr/>
+            </a:lvl2pPr>
+            <a:lvl3pPr lvl="2">
+              <a:spcBef>
+                <a:spcPts val="0"/>
+              </a:spcBef>
+              <a:buNone/>
+              <a:defRPr/>
+            </a:lvl3pPr>
+            <a:lvl4pPr lvl="3">
+              <a:spcBef>
+                <a:spcPts val="0"/>
+              </a:spcBef>
+              <a:buNone/>
+              <a:defRPr/>
+            </a:lvl4pPr>
+            <a:lvl5pPr lvl="4">
+              <a:spcBef>
+                <a:spcPts val="0"/>
+              </a:spcBef>
+              <a:buNone/>
+              <a:defRPr/>
+            </a:lvl5pPr>
+            <a:lvl6pPr lvl="5">
+              <a:spcBef>
+                <a:spcPts val="0"/>
+              </a:spcBef>
+              <a:buNone/>
+              <a:defRPr/>
+            </a:lvl6pPr>
+            <a:lvl7pPr lvl="6">
+              <a:spcBef>
+                <a:spcPts val="0"/>
+              </a:spcBef>
+              <a:buNone/>
+              <a:defRPr/>
+            </a:lvl7pPr>
+            <a:lvl8pPr lvl="7">
+              <a:spcBef>
+                <a:spcPts val="0"/>
+              </a:spcBef>
+              <a:buNone/>
+              <a:defRPr/>
+            </a:lvl8pPr>
+            <a:lvl9pPr lvl="8">
+              <a:spcBef>
+                <a:spcPts val="0"/>
+              </a:spcBef>
+              <a:buNone/>
+              <a:defRPr/>
+            </a:lvl9pPr>
+          </a:lstStyle>
           <a:p>
             <a:pPr indent="0" lvl="0" marL="0">
               <a:spcBef>
@@ -4001,8 +4583,8 @@
 </file>
 
 <file path=ppt/slideLayouts/slideLayout11.xml><?xml version="1.0" encoding="utf-8"?>
-<p:sldLayout xmlns:a="http://schemas.openxmlformats.org/drawingml/2006/main" xmlns:r="http://schemas.openxmlformats.org/officeDocument/2006/relationships" xmlns:mc="http://schemas.openxmlformats.org/markup-compatibility/2006" xmlns:mv="urn:schemas-microsoft-com:mac:vml" xmlns:p="http://schemas.openxmlformats.org/presentationml/2006/main" xmlns:c="http://schemas.openxmlformats.org/drawingml/2006/chart" xmlns:dgm="http://schemas.openxmlformats.org/drawingml/2006/diagram" xmlns:o="urn:schemas-microsoft-com:office:office" xmlns:v="urn:schemas-microsoft-com:vml" xmlns:pvml="urn:schemas-microsoft-com:office:powerpoint" xmlns:com="http://schemas.openxmlformats.org/drawingml/2006/compatibility" xmlns:p14="http://schemas.microsoft.com/office/powerpoint/2010/main" xmlns:p15="http://schemas.microsoft.com/office/powerpoint/2012/main" type="blank">
-  <p:cSld name="Blank">
+<p:sldLayout xmlns:a="http://schemas.openxmlformats.org/drawingml/2006/main" xmlns:r="http://schemas.openxmlformats.org/officeDocument/2006/relationships" xmlns:mc="http://schemas.openxmlformats.org/markup-compatibility/2006" xmlns:mv="urn:schemas-microsoft-com:mac:vml" xmlns:p="http://schemas.openxmlformats.org/presentationml/2006/main" xmlns:c="http://schemas.openxmlformats.org/drawingml/2006/chart" xmlns:dgm="http://schemas.openxmlformats.org/drawingml/2006/diagram" xmlns:o="urn:schemas-microsoft-com:office:office" xmlns:v="urn:schemas-microsoft-com:vml" xmlns:pvml="urn:schemas-microsoft-com:office:powerpoint" xmlns:com="http://schemas.openxmlformats.org/drawingml/2006/compatibility" xmlns:p14="http://schemas.microsoft.com/office/powerpoint/2010/main" xmlns:p15="http://schemas.microsoft.com/office/powerpoint/2012/main" matchingName="Blank" type="blank">
+  <p:cSld name="BLANK">
     <p:spTree>
       <p:nvGrpSpPr>
         <p:cNvPr id="128" name="Shape 128"/>
@@ -4038,7 +4620,71 @@
           <a:bodyPr anchorCtr="0" anchor="ctr" bIns="91425" lIns="91425" spcFirstLastPara="1" rIns="91425" wrap="square" tIns="91425">
             <a:noAutofit/>
           </a:bodyPr>
-          <a:lstStyle/>
+          <a:lstStyle>
+            <a:lvl1pPr lvl="0">
+              <a:spcBef>
+                <a:spcPts val="0"/>
+              </a:spcBef>
+              <a:buNone/>
+              <a:defRPr/>
+            </a:lvl1pPr>
+            <a:lvl2pPr lvl="1">
+              <a:spcBef>
+                <a:spcPts val="0"/>
+              </a:spcBef>
+              <a:buNone/>
+              <a:defRPr/>
+            </a:lvl2pPr>
+            <a:lvl3pPr lvl="2">
+              <a:spcBef>
+                <a:spcPts val="0"/>
+              </a:spcBef>
+              <a:buNone/>
+              <a:defRPr/>
+            </a:lvl3pPr>
+            <a:lvl4pPr lvl="3">
+              <a:spcBef>
+                <a:spcPts val="0"/>
+              </a:spcBef>
+              <a:buNone/>
+              <a:defRPr/>
+            </a:lvl4pPr>
+            <a:lvl5pPr lvl="4">
+              <a:spcBef>
+                <a:spcPts val="0"/>
+              </a:spcBef>
+              <a:buNone/>
+              <a:defRPr/>
+            </a:lvl5pPr>
+            <a:lvl6pPr lvl="5">
+              <a:spcBef>
+                <a:spcPts val="0"/>
+              </a:spcBef>
+              <a:buNone/>
+              <a:defRPr/>
+            </a:lvl6pPr>
+            <a:lvl7pPr lvl="6">
+              <a:spcBef>
+                <a:spcPts val="0"/>
+              </a:spcBef>
+              <a:buNone/>
+              <a:defRPr/>
+            </a:lvl7pPr>
+            <a:lvl8pPr lvl="7">
+              <a:spcBef>
+                <a:spcPts val="0"/>
+              </a:spcBef>
+              <a:buNone/>
+              <a:defRPr/>
+            </a:lvl8pPr>
+            <a:lvl9pPr lvl="8">
+              <a:spcBef>
+                <a:spcPts val="0"/>
+              </a:spcBef>
+              <a:buNone/>
+              <a:defRPr/>
+            </a:lvl9pPr>
+          </a:lstStyle>
           <a:p>
             <a:pPr indent="0" lvl="0" marL="0">
               <a:spcBef>
@@ -4066,8 +4712,8 @@
 </file>
 
 <file path=ppt/slideLayouts/slideLayout2.xml><?xml version="1.0" encoding="utf-8"?>
-<p:sldLayout xmlns:a="http://schemas.openxmlformats.org/drawingml/2006/main" xmlns:r="http://schemas.openxmlformats.org/officeDocument/2006/relationships" xmlns:mc="http://schemas.openxmlformats.org/markup-compatibility/2006" xmlns:mv="urn:schemas-microsoft-com:mac:vml" xmlns:p="http://schemas.openxmlformats.org/presentationml/2006/main" xmlns:c="http://schemas.openxmlformats.org/drawingml/2006/chart" xmlns:dgm="http://schemas.openxmlformats.org/drawingml/2006/diagram" xmlns:o="urn:schemas-microsoft-com:office:office" xmlns:v="urn:schemas-microsoft-com:vml" xmlns:pvml="urn:schemas-microsoft-com:office:powerpoint" xmlns:com="http://schemas.openxmlformats.org/drawingml/2006/compatibility" xmlns:p14="http://schemas.microsoft.com/office/powerpoint/2010/main" xmlns:p15="http://schemas.microsoft.com/office/powerpoint/2012/main" type="secHead">
-  <p:cSld name="Section header">
+<p:sldLayout xmlns:a="http://schemas.openxmlformats.org/drawingml/2006/main" xmlns:r="http://schemas.openxmlformats.org/officeDocument/2006/relationships" xmlns:mc="http://schemas.openxmlformats.org/markup-compatibility/2006" xmlns:mv="urn:schemas-microsoft-com:mac:vml" xmlns:p="http://schemas.openxmlformats.org/presentationml/2006/main" xmlns:c="http://schemas.openxmlformats.org/drawingml/2006/chart" xmlns:dgm="http://schemas.openxmlformats.org/drawingml/2006/diagram" xmlns:o="urn:schemas-microsoft-com:office:office" xmlns:v="urn:schemas-microsoft-com:vml" xmlns:pvml="urn:schemas-microsoft-com:office:powerpoint" xmlns:com="http://schemas.openxmlformats.org/drawingml/2006/compatibility" xmlns:p14="http://schemas.microsoft.com/office/powerpoint/2010/main" xmlns:p15="http://schemas.microsoft.com/office/powerpoint/2012/main" matchingName="Section header" type="secHead">
+  <p:cSld name="SECTION_HEADER">
     <p:spTree>
       <p:nvGrpSpPr>
         <p:cNvPr id="19" name="Shape 19"/>
@@ -5083,7 +5729,71 @@
           <a:bodyPr anchorCtr="0" anchor="ctr" bIns="91425" lIns="91425" spcFirstLastPara="1" rIns="91425" wrap="square" tIns="91425">
             <a:noAutofit/>
           </a:bodyPr>
-          <a:lstStyle/>
+          <a:lstStyle>
+            <a:lvl1pPr lvl="0">
+              <a:spcBef>
+                <a:spcPts val="0"/>
+              </a:spcBef>
+              <a:buNone/>
+              <a:defRPr/>
+            </a:lvl1pPr>
+            <a:lvl2pPr lvl="1">
+              <a:spcBef>
+                <a:spcPts val="0"/>
+              </a:spcBef>
+              <a:buNone/>
+              <a:defRPr/>
+            </a:lvl2pPr>
+            <a:lvl3pPr lvl="2">
+              <a:spcBef>
+                <a:spcPts val="0"/>
+              </a:spcBef>
+              <a:buNone/>
+              <a:defRPr/>
+            </a:lvl3pPr>
+            <a:lvl4pPr lvl="3">
+              <a:spcBef>
+                <a:spcPts val="0"/>
+              </a:spcBef>
+              <a:buNone/>
+              <a:defRPr/>
+            </a:lvl4pPr>
+            <a:lvl5pPr lvl="4">
+              <a:spcBef>
+                <a:spcPts val="0"/>
+              </a:spcBef>
+              <a:buNone/>
+              <a:defRPr/>
+            </a:lvl5pPr>
+            <a:lvl6pPr lvl="5">
+              <a:spcBef>
+                <a:spcPts val="0"/>
+              </a:spcBef>
+              <a:buNone/>
+              <a:defRPr/>
+            </a:lvl6pPr>
+            <a:lvl7pPr lvl="6">
+              <a:spcBef>
+                <a:spcPts val="0"/>
+              </a:spcBef>
+              <a:buNone/>
+              <a:defRPr/>
+            </a:lvl7pPr>
+            <a:lvl8pPr lvl="7">
+              <a:spcBef>
+                <a:spcPts val="0"/>
+              </a:spcBef>
+              <a:buNone/>
+              <a:defRPr/>
+            </a:lvl8pPr>
+            <a:lvl9pPr lvl="8">
+              <a:spcBef>
+                <a:spcPts val="0"/>
+              </a:spcBef>
+              <a:buNone/>
+              <a:defRPr/>
+            </a:lvl9pPr>
+          </a:lstStyle>
           <a:p>
             <a:pPr indent="0" lvl="0" marL="0">
               <a:spcBef>
@@ -5111,8 +5821,8 @@
 </file>
 
 <file path=ppt/slideLayouts/slideLayout3.xml><?xml version="1.0" encoding="utf-8"?>
-<p:sldLayout xmlns:a="http://schemas.openxmlformats.org/drawingml/2006/main" xmlns:r="http://schemas.openxmlformats.org/officeDocument/2006/relationships" xmlns:mc="http://schemas.openxmlformats.org/markup-compatibility/2006" xmlns:mv="urn:schemas-microsoft-com:mac:vml" xmlns:p="http://schemas.openxmlformats.org/presentationml/2006/main" xmlns:c="http://schemas.openxmlformats.org/drawingml/2006/chart" xmlns:dgm="http://schemas.openxmlformats.org/drawingml/2006/diagram" xmlns:o="urn:schemas-microsoft-com:office:office" xmlns:v="urn:schemas-microsoft-com:vml" xmlns:pvml="urn:schemas-microsoft-com:office:powerpoint" xmlns:com="http://schemas.openxmlformats.org/drawingml/2006/compatibility" xmlns:p14="http://schemas.microsoft.com/office/powerpoint/2010/main" xmlns:p15="http://schemas.microsoft.com/office/powerpoint/2012/main" type="tx">
-  <p:cSld name="Title and body">
+<p:sldLayout xmlns:a="http://schemas.openxmlformats.org/drawingml/2006/main" xmlns:r="http://schemas.openxmlformats.org/officeDocument/2006/relationships" xmlns:mc="http://schemas.openxmlformats.org/markup-compatibility/2006" xmlns:mv="urn:schemas-microsoft-com:mac:vml" xmlns:p="http://schemas.openxmlformats.org/presentationml/2006/main" xmlns:c="http://schemas.openxmlformats.org/drawingml/2006/chart" xmlns:dgm="http://schemas.openxmlformats.org/drawingml/2006/diagram" xmlns:o="urn:schemas-microsoft-com:office:office" xmlns:v="urn:schemas-microsoft-com:vml" xmlns:pvml="urn:schemas-microsoft-com:office:powerpoint" xmlns:com="http://schemas.openxmlformats.org/drawingml/2006/compatibility" xmlns:p14="http://schemas.microsoft.com/office/powerpoint/2010/main" xmlns:p15="http://schemas.microsoft.com/office/powerpoint/2012/main" matchingName="Title and body" type="tx">
+  <p:cSld name="TITLE_AND_BODY">
     <p:spTree>
       <p:nvGrpSpPr>
         <p:cNvPr id="41" name="Shape 41"/>
@@ -5499,7 +6209,71 @@
           <a:bodyPr anchorCtr="0" anchor="ctr" bIns="91425" lIns="91425" spcFirstLastPara="1" rIns="91425" wrap="square" tIns="91425">
             <a:noAutofit/>
           </a:bodyPr>
-          <a:lstStyle/>
+          <a:lstStyle>
+            <a:lvl1pPr lvl="0">
+              <a:spcBef>
+                <a:spcPts val="0"/>
+              </a:spcBef>
+              <a:buNone/>
+              <a:defRPr/>
+            </a:lvl1pPr>
+            <a:lvl2pPr lvl="1">
+              <a:spcBef>
+                <a:spcPts val="0"/>
+              </a:spcBef>
+              <a:buNone/>
+              <a:defRPr/>
+            </a:lvl2pPr>
+            <a:lvl3pPr lvl="2">
+              <a:spcBef>
+                <a:spcPts val="0"/>
+              </a:spcBef>
+              <a:buNone/>
+              <a:defRPr/>
+            </a:lvl3pPr>
+            <a:lvl4pPr lvl="3">
+              <a:spcBef>
+                <a:spcPts val="0"/>
+              </a:spcBef>
+              <a:buNone/>
+              <a:defRPr/>
+            </a:lvl4pPr>
+            <a:lvl5pPr lvl="4">
+              <a:spcBef>
+                <a:spcPts val="0"/>
+              </a:spcBef>
+              <a:buNone/>
+              <a:defRPr/>
+            </a:lvl5pPr>
+            <a:lvl6pPr lvl="5">
+              <a:spcBef>
+                <a:spcPts val="0"/>
+              </a:spcBef>
+              <a:buNone/>
+              <a:defRPr/>
+            </a:lvl6pPr>
+            <a:lvl7pPr lvl="6">
+              <a:spcBef>
+                <a:spcPts val="0"/>
+              </a:spcBef>
+              <a:buNone/>
+              <a:defRPr/>
+            </a:lvl7pPr>
+            <a:lvl8pPr lvl="7">
+              <a:spcBef>
+                <a:spcPts val="0"/>
+              </a:spcBef>
+              <a:buNone/>
+              <a:defRPr/>
+            </a:lvl8pPr>
+            <a:lvl9pPr lvl="8">
+              <a:spcBef>
+                <a:spcPts val="0"/>
+              </a:spcBef>
+              <a:buNone/>
+              <a:defRPr/>
+            </a:lvl9pPr>
+          </a:lstStyle>
           <a:p>
             <a:pPr indent="0" lvl="0" marL="0">
               <a:spcBef>
@@ -5527,8 +6301,8 @@
 </file>
 
 <file path=ppt/slideLayouts/slideLayout4.xml><?xml version="1.0" encoding="utf-8"?>
-<p:sldLayout xmlns:a="http://schemas.openxmlformats.org/drawingml/2006/main" xmlns:r="http://schemas.openxmlformats.org/officeDocument/2006/relationships" xmlns:mc="http://schemas.openxmlformats.org/markup-compatibility/2006" xmlns:mv="urn:schemas-microsoft-com:mac:vml" xmlns:p="http://schemas.openxmlformats.org/presentationml/2006/main" xmlns:c="http://schemas.openxmlformats.org/drawingml/2006/chart" xmlns:dgm="http://schemas.openxmlformats.org/drawingml/2006/diagram" xmlns:o="urn:schemas-microsoft-com:office:office" xmlns:v="urn:schemas-microsoft-com:vml" xmlns:pvml="urn:schemas-microsoft-com:office:powerpoint" xmlns:com="http://schemas.openxmlformats.org/drawingml/2006/compatibility" xmlns:p14="http://schemas.microsoft.com/office/powerpoint/2010/main" xmlns:p15="http://schemas.microsoft.com/office/powerpoint/2012/main" type="twoColTx">
-  <p:cSld name="Title and two columns">
+<p:sldLayout xmlns:a="http://schemas.openxmlformats.org/drawingml/2006/main" xmlns:r="http://schemas.openxmlformats.org/officeDocument/2006/relationships" xmlns:mc="http://schemas.openxmlformats.org/markup-compatibility/2006" xmlns:mv="urn:schemas-microsoft-com:mac:vml" xmlns:p="http://schemas.openxmlformats.org/presentationml/2006/main" xmlns:c="http://schemas.openxmlformats.org/drawingml/2006/chart" xmlns:dgm="http://schemas.openxmlformats.org/drawingml/2006/diagram" xmlns:o="urn:schemas-microsoft-com:office:office" xmlns:v="urn:schemas-microsoft-com:vml" xmlns:pvml="urn:schemas-microsoft-com:office:powerpoint" xmlns:com="http://schemas.openxmlformats.org/drawingml/2006/compatibility" xmlns:p14="http://schemas.microsoft.com/office/powerpoint/2010/main" xmlns:p15="http://schemas.microsoft.com/office/powerpoint/2012/main" matchingName="Title and two columns" type="twoColTx">
+  <p:cSld name="TITLE_AND_TWO_COLUMNS">
     <p:spTree>
       <p:nvGrpSpPr>
         <p:cNvPr id="48" name="Shape 48"/>
@@ -6038,7 +6812,71 @@
           <a:bodyPr anchorCtr="0" anchor="ctr" bIns="91425" lIns="91425" spcFirstLastPara="1" rIns="91425" wrap="square" tIns="91425">
             <a:noAutofit/>
           </a:bodyPr>
-          <a:lstStyle/>
+          <a:lstStyle>
+            <a:lvl1pPr lvl="0">
+              <a:spcBef>
+                <a:spcPts val="0"/>
+              </a:spcBef>
+              <a:buNone/>
+              <a:defRPr/>
+            </a:lvl1pPr>
+            <a:lvl2pPr lvl="1">
+              <a:spcBef>
+                <a:spcPts val="0"/>
+              </a:spcBef>
+              <a:buNone/>
+              <a:defRPr/>
+            </a:lvl2pPr>
+            <a:lvl3pPr lvl="2">
+              <a:spcBef>
+                <a:spcPts val="0"/>
+              </a:spcBef>
+              <a:buNone/>
+              <a:defRPr/>
+            </a:lvl3pPr>
+            <a:lvl4pPr lvl="3">
+              <a:spcBef>
+                <a:spcPts val="0"/>
+              </a:spcBef>
+              <a:buNone/>
+              <a:defRPr/>
+            </a:lvl4pPr>
+            <a:lvl5pPr lvl="4">
+              <a:spcBef>
+                <a:spcPts val="0"/>
+              </a:spcBef>
+              <a:buNone/>
+              <a:defRPr/>
+            </a:lvl5pPr>
+            <a:lvl6pPr lvl="5">
+              <a:spcBef>
+                <a:spcPts val="0"/>
+              </a:spcBef>
+              <a:buNone/>
+              <a:defRPr/>
+            </a:lvl6pPr>
+            <a:lvl7pPr lvl="6">
+              <a:spcBef>
+                <a:spcPts val="0"/>
+              </a:spcBef>
+              <a:buNone/>
+              <a:defRPr/>
+            </a:lvl7pPr>
+            <a:lvl8pPr lvl="7">
+              <a:spcBef>
+                <a:spcPts val="0"/>
+              </a:spcBef>
+              <a:buNone/>
+              <a:defRPr/>
+            </a:lvl8pPr>
+            <a:lvl9pPr lvl="8">
+              <a:spcBef>
+                <a:spcPts val="0"/>
+              </a:spcBef>
+              <a:buNone/>
+              <a:defRPr/>
+            </a:lvl9pPr>
+          </a:lstStyle>
           <a:p>
             <a:pPr indent="0" lvl="0" marL="0">
               <a:spcBef>
@@ -6066,8 +6904,8 @@
 </file>
 
 <file path=ppt/slideLayouts/slideLayout5.xml><?xml version="1.0" encoding="utf-8"?>
-<p:sldLayout xmlns:a="http://schemas.openxmlformats.org/drawingml/2006/main" xmlns:r="http://schemas.openxmlformats.org/officeDocument/2006/relationships" xmlns:mc="http://schemas.openxmlformats.org/markup-compatibility/2006" xmlns:mv="urn:schemas-microsoft-com:mac:vml" xmlns:p="http://schemas.openxmlformats.org/presentationml/2006/main" xmlns:c="http://schemas.openxmlformats.org/drawingml/2006/chart" xmlns:dgm="http://schemas.openxmlformats.org/drawingml/2006/diagram" xmlns:o="urn:schemas-microsoft-com:office:office" xmlns:v="urn:schemas-microsoft-com:vml" xmlns:pvml="urn:schemas-microsoft-com:office:powerpoint" xmlns:com="http://schemas.openxmlformats.org/drawingml/2006/compatibility" xmlns:p14="http://schemas.microsoft.com/office/powerpoint/2010/main" xmlns:p15="http://schemas.microsoft.com/office/powerpoint/2012/main" type="titleOnly">
-  <p:cSld name="Title only">
+<p:sldLayout xmlns:a="http://schemas.openxmlformats.org/drawingml/2006/main" xmlns:r="http://schemas.openxmlformats.org/officeDocument/2006/relationships" xmlns:mc="http://schemas.openxmlformats.org/markup-compatibility/2006" xmlns:mv="urn:schemas-microsoft-com:mac:vml" xmlns:p="http://schemas.openxmlformats.org/presentationml/2006/main" xmlns:c="http://schemas.openxmlformats.org/drawingml/2006/chart" xmlns:dgm="http://schemas.openxmlformats.org/drawingml/2006/diagram" xmlns:o="urn:schemas-microsoft-com:office:office" xmlns:v="urn:schemas-microsoft-com:vml" xmlns:pvml="urn:schemas-microsoft-com:office:powerpoint" xmlns:com="http://schemas.openxmlformats.org/drawingml/2006/compatibility" xmlns:p14="http://schemas.microsoft.com/office/powerpoint/2010/main" xmlns:p15="http://schemas.microsoft.com/office/powerpoint/2012/main" matchingName="Title only" type="titleOnly">
+  <p:cSld name="TITLE_ONLY">
     <p:spTree>
       <p:nvGrpSpPr>
         <p:cNvPr id="56" name="Shape 56"/>
@@ -6331,7 +7169,71 @@
           <a:bodyPr anchorCtr="0" anchor="ctr" bIns="91425" lIns="91425" spcFirstLastPara="1" rIns="91425" wrap="square" tIns="91425">
             <a:noAutofit/>
           </a:bodyPr>
-          <a:lstStyle/>
+          <a:lstStyle>
+            <a:lvl1pPr lvl="0">
+              <a:spcBef>
+                <a:spcPts val="0"/>
+              </a:spcBef>
+              <a:buNone/>
+              <a:defRPr/>
+            </a:lvl1pPr>
+            <a:lvl2pPr lvl="1">
+              <a:spcBef>
+                <a:spcPts val="0"/>
+              </a:spcBef>
+              <a:buNone/>
+              <a:defRPr/>
+            </a:lvl2pPr>
+            <a:lvl3pPr lvl="2">
+              <a:spcBef>
+                <a:spcPts val="0"/>
+              </a:spcBef>
+              <a:buNone/>
+              <a:defRPr/>
+            </a:lvl3pPr>
+            <a:lvl4pPr lvl="3">
+              <a:spcBef>
+                <a:spcPts val="0"/>
+              </a:spcBef>
+              <a:buNone/>
+              <a:defRPr/>
+            </a:lvl4pPr>
+            <a:lvl5pPr lvl="4">
+              <a:spcBef>
+                <a:spcPts val="0"/>
+              </a:spcBef>
+              <a:buNone/>
+              <a:defRPr/>
+            </a:lvl5pPr>
+            <a:lvl6pPr lvl="5">
+              <a:spcBef>
+                <a:spcPts val="0"/>
+              </a:spcBef>
+              <a:buNone/>
+              <a:defRPr/>
+            </a:lvl6pPr>
+            <a:lvl7pPr lvl="6">
+              <a:spcBef>
+                <a:spcPts val="0"/>
+              </a:spcBef>
+              <a:buNone/>
+              <a:defRPr/>
+            </a:lvl7pPr>
+            <a:lvl8pPr lvl="7">
+              <a:spcBef>
+                <a:spcPts val="0"/>
+              </a:spcBef>
+              <a:buNone/>
+              <a:defRPr/>
+            </a:lvl8pPr>
+            <a:lvl9pPr lvl="8">
+              <a:spcBef>
+                <a:spcPts val="0"/>
+              </a:spcBef>
+              <a:buNone/>
+              <a:defRPr/>
+            </a:lvl9pPr>
+          </a:lstStyle>
           <a:p>
             <a:pPr indent="0" lvl="0" marL="0">
               <a:spcBef>
@@ -6359,8 +7261,8 @@
 </file>
 
 <file path=ppt/slideLayouts/slideLayout6.xml><?xml version="1.0" encoding="utf-8"?>
-<p:sldLayout xmlns:a="http://schemas.openxmlformats.org/drawingml/2006/main" xmlns:r="http://schemas.openxmlformats.org/officeDocument/2006/relationships" xmlns:mc="http://schemas.openxmlformats.org/markup-compatibility/2006" xmlns:mv="urn:schemas-microsoft-com:mac:vml" xmlns:p="http://schemas.openxmlformats.org/presentationml/2006/main" xmlns:c="http://schemas.openxmlformats.org/drawingml/2006/chart" xmlns:dgm="http://schemas.openxmlformats.org/drawingml/2006/diagram" xmlns:o="urn:schemas-microsoft-com:office:office" xmlns:v="urn:schemas-microsoft-com:vml" xmlns:pvml="urn:schemas-microsoft-com:office:powerpoint" xmlns:com="http://schemas.openxmlformats.org/drawingml/2006/compatibility" xmlns:p14="http://schemas.microsoft.com/office/powerpoint/2010/main" xmlns:p15="http://schemas.microsoft.com/office/powerpoint/2012/main">
-  <p:cSld name="One column text">
+<p:sldLayout xmlns:a="http://schemas.openxmlformats.org/drawingml/2006/main" xmlns:r="http://schemas.openxmlformats.org/officeDocument/2006/relationships" xmlns:mc="http://schemas.openxmlformats.org/markup-compatibility/2006" xmlns:mv="urn:schemas-microsoft-com:mac:vml" xmlns:p="http://schemas.openxmlformats.org/presentationml/2006/main" xmlns:c="http://schemas.openxmlformats.org/drawingml/2006/chart" xmlns:dgm="http://schemas.openxmlformats.org/drawingml/2006/diagram" xmlns:o="urn:schemas-microsoft-com:office:office" xmlns:v="urn:schemas-microsoft-com:vml" xmlns:pvml="urn:schemas-microsoft-com:office:powerpoint" xmlns:com="http://schemas.openxmlformats.org/drawingml/2006/compatibility" xmlns:p14="http://schemas.microsoft.com/office/powerpoint/2010/main" xmlns:p15="http://schemas.microsoft.com/office/powerpoint/2012/main" matchingName="One column text">
+  <p:cSld name="ONE_COLUMN_TEXT">
     <p:spTree>
       <p:nvGrpSpPr>
         <p:cNvPr id="62" name="Shape 62"/>
@@ -6747,7 +7649,71 @@
           <a:bodyPr anchorCtr="0" anchor="ctr" bIns="91425" lIns="91425" spcFirstLastPara="1" rIns="91425" wrap="square" tIns="91425">
             <a:noAutofit/>
           </a:bodyPr>
-          <a:lstStyle/>
+          <a:lstStyle>
+            <a:lvl1pPr lvl="0">
+              <a:spcBef>
+                <a:spcPts val="0"/>
+              </a:spcBef>
+              <a:buNone/>
+              <a:defRPr/>
+            </a:lvl1pPr>
+            <a:lvl2pPr lvl="1">
+              <a:spcBef>
+                <a:spcPts val="0"/>
+              </a:spcBef>
+              <a:buNone/>
+              <a:defRPr/>
+            </a:lvl2pPr>
+            <a:lvl3pPr lvl="2">
+              <a:spcBef>
+                <a:spcPts val="0"/>
+              </a:spcBef>
+              <a:buNone/>
+              <a:defRPr/>
+            </a:lvl3pPr>
+            <a:lvl4pPr lvl="3">
+              <a:spcBef>
+                <a:spcPts val="0"/>
+              </a:spcBef>
+              <a:buNone/>
+              <a:defRPr/>
+            </a:lvl4pPr>
+            <a:lvl5pPr lvl="4">
+              <a:spcBef>
+                <a:spcPts val="0"/>
+              </a:spcBef>
+              <a:buNone/>
+              <a:defRPr/>
+            </a:lvl5pPr>
+            <a:lvl6pPr lvl="5">
+              <a:spcBef>
+                <a:spcPts val="0"/>
+              </a:spcBef>
+              <a:buNone/>
+              <a:defRPr/>
+            </a:lvl6pPr>
+            <a:lvl7pPr lvl="6">
+              <a:spcBef>
+                <a:spcPts val="0"/>
+              </a:spcBef>
+              <a:buNone/>
+              <a:defRPr/>
+            </a:lvl7pPr>
+            <a:lvl8pPr lvl="7">
+              <a:spcBef>
+                <a:spcPts val="0"/>
+              </a:spcBef>
+              <a:buNone/>
+              <a:defRPr/>
+            </a:lvl8pPr>
+            <a:lvl9pPr lvl="8">
+              <a:spcBef>
+                <a:spcPts val="0"/>
+              </a:spcBef>
+              <a:buNone/>
+              <a:defRPr/>
+            </a:lvl9pPr>
+          </a:lstStyle>
           <a:p>
             <a:pPr indent="0" lvl="0" marL="0">
               <a:spcBef>
@@ -6775,8 +7741,8 @@
 </file>
 
 <file path=ppt/slideLayouts/slideLayout7.xml><?xml version="1.0" encoding="utf-8"?>
-<p:sldLayout xmlns:a="http://schemas.openxmlformats.org/drawingml/2006/main" xmlns:r="http://schemas.openxmlformats.org/officeDocument/2006/relationships" xmlns:mc="http://schemas.openxmlformats.org/markup-compatibility/2006" xmlns:mv="urn:schemas-microsoft-com:mac:vml" xmlns:p="http://schemas.openxmlformats.org/presentationml/2006/main" xmlns:c="http://schemas.openxmlformats.org/drawingml/2006/chart" xmlns:dgm="http://schemas.openxmlformats.org/drawingml/2006/diagram" xmlns:o="urn:schemas-microsoft-com:office:office" xmlns:v="urn:schemas-microsoft-com:vml" xmlns:pvml="urn:schemas-microsoft-com:office:powerpoint" xmlns:com="http://schemas.openxmlformats.org/drawingml/2006/compatibility" xmlns:p14="http://schemas.microsoft.com/office/powerpoint/2010/main" xmlns:p15="http://schemas.microsoft.com/office/powerpoint/2012/main">
-  <p:cSld name="Main point">
+<p:sldLayout xmlns:a="http://schemas.openxmlformats.org/drawingml/2006/main" xmlns:r="http://schemas.openxmlformats.org/officeDocument/2006/relationships" xmlns:mc="http://schemas.openxmlformats.org/markup-compatibility/2006" xmlns:mv="urn:schemas-microsoft-com:mac:vml" xmlns:p="http://schemas.openxmlformats.org/presentationml/2006/main" xmlns:c="http://schemas.openxmlformats.org/drawingml/2006/chart" xmlns:dgm="http://schemas.openxmlformats.org/drawingml/2006/diagram" xmlns:o="urn:schemas-microsoft-com:office:office" xmlns:v="urn:schemas-microsoft-com:vml" xmlns:pvml="urn:schemas-microsoft-com:office:powerpoint" xmlns:com="http://schemas.openxmlformats.org/drawingml/2006/compatibility" xmlns:p14="http://schemas.microsoft.com/office/powerpoint/2010/main" xmlns:p15="http://schemas.microsoft.com/office/powerpoint/2012/main" matchingName="Main point">
+  <p:cSld name="MAIN_POINT">
     <p:spTree>
       <p:nvGrpSpPr>
         <p:cNvPr id="69" name="Shape 69"/>
@@ -7792,7 +8758,71 @@
           <a:bodyPr anchorCtr="0" anchor="ctr" bIns="91425" lIns="91425" spcFirstLastPara="1" rIns="91425" wrap="square" tIns="91425">
             <a:noAutofit/>
           </a:bodyPr>
-          <a:lstStyle/>
+          <a:lstStyle>
+            <a:lvl1pPr lvl="0">
+              <a:spcBef>
+                <a:spcPts val="0"/>
+              </a:spcBef>
+              <a:buNone/>
+              <a:defRPr/>
+            </a:lvl1pPr>
+            <a:lvl2pPr lvl="1">
+              <a:spcBef>
+                <a:spcPts val="0"/>
+              </a:spcBef>
+              <a:buNone/>
+              <a:defRPr/>
+            </a:lvl2pPr>
+            <a:lvl3pPr lvl="2">
+              <a:spcBef>
+                <a:spcPts val="0"/>
+              </a:spcBef>
+              <a:buNone/>
+              <a:defRPr/>
+            </a:lvl3pPr>
+            <a:lvl4pPr lvl="3">
+              <a:spcBef>
+                <a:spcPts val="0"/>
+              </a:spcBef>
+              <a:buNone/>
+              <a:defRPr/>
+            </a:lvl4pPr>
+            <a:lvl5pPr lvl="4">
+              <a:spcBef>
+                <a:spcPts val="0"/>
+              </a:spcBef>
+              <a:buNone/>
+              <a:defRPr/>
+            </a:lvl5pPr>
+            <a:lvl6pPr lvl="5">
+              <a:spcBef>
+                <a:spcPts val="0"/>
+              </a:spcBef>
+              <a:buNone/>
+              <a:defRPr/>
+            </a:lvl6pPr>
+            <a:lvl7pPr lvl="6">
+              <a:spcBef>
+                <a:spcPts val="0"/>
+              </a:spcBef>
+              <a:buNone/>
+              <a:defRPr/>
+            </a:lvl7pPr>
+            <a:lvl8pPr lvl="7">
+              <a:spcBef>
+                <a:spcPts val="0"/>
+              </a:spcBef>
+              <a:buNone/>
+              <a:defRPr/>
+            </a:lvl8pPr>
+            <a:lvl9pPr lvl="8">
+              <a:spcBef>
+                <a:spcPts val="0"/>
+              </a:spcBef>
+              <a:buNone/>
+              <a:defRPr/>
+            </a:lvl9pPr>
+          </a:lstStyle>
           <a:p>
             <a:pPr indent="0" lvl="0" marL="0">
               <a:spcBef>
@@ -7820,8 +8850,8 @@
 </file>
 
 <file path=ppt/slideLayouts/slideLayout8.xml><?xml version="1.0" encoding="utf-8"?>
-<p:sldLayout xmlns:a="http://schemas.openxmlformats.org/drawingml/2006/main" xmlns:r="http://schemas.openxmlformats.org/officeDocument/2006/relationships" xmlns:mc="http://schemas.openxmlformats.org/markup-compatibility/2006" xmlns:mv="urn:schemas-microsoft-com:mac:vml" xmlns:p="http://schemas.openxmlformats.org/presentationml/2006/main" xmlns:c="http://schemas.openxmlformats.org/drawingml/2006/chart" xmlns:dgm="http://schemas.openxmlformats.org/drawingml/2006/diagram" xmlns:o="urn:schemas-microsoft-com:office:office" xmlns:v="urn:schemas-microsoft-com:vml" xmlns:pvml="urn:schemas-microsoft-com:office:powerpoint" xmlns:com="http://schemas.openxmlformats.org/drawingml/2006/compatibility" xmlns:p14="http://schemas.microsoft.com/office/powerpoint/2010/main" xmlns:p15="http://schemas.microsoft.com/office/powerpoint/2012/main">
-  <p:cSld name="Section title and description">
+<p:sldLayout xmlns:a="http://schemas.openxmlformats.org/drawingml/2006/main" xmlns:r="http://schemas.openxmlformats.org/officeDocument/2006/relationships" xmlns:mc="http://schemas.openxmlformats.org/markup-compatibility/2006" xmlns:mv="urn:schemas-microsoft-com:mac:vml" xmlns:p="http://schemas.openxmlformats.org/presentationml/2006/main" xmlns:c="http://schemas.openxmlformats.org/drawingml/2006/chart" xmlns:dgm="http://schemas.openxmlformats.org/drawingml/2006/diagram" xmlns:o="urn:schemas-microsoft-com:office:office" xmlns:v="urn:schemas-microsoft-com:vml" xmlns:pvml="urn:schemas-microsoft-com:office:powerpoint" xmlns:com="http://schemas.openxmlformats.org/drawingml/2006/compatibility" xmlns:p14="http://schemas.microsoft.com/office/powerpoint/2010/main" xmlns:p15="http://schemas.microsoft.com/office/powerpoint/2012/main" matchingName="Section title and description">
+  <p:cSld name="SECTION_TITLE_AND_DESCRIPTION">
     <p:spTree>
       <p:nvGrpSpPr>
         <p:cNvPr id="91" name="Shape 91"/>
@@ -8358,7 +9388,71 @@
           <a:bodyPr anchorCtr="0" anchor="ctr" bIns="91425" lIns="91425" spcFirstLastPara="1" rIns="91425" wrap="square" tIns="91425">
             <a:noAutofit/>
           </a:bodyPr>
-          <a:lstStyle/>
+          <a:lstStyle>
+            <a:lvl1pPr lvl="0">
+              <a:spcBef>
+                <a:spcPts val="0"/>
+              </a:spcBef>
+              <a:buNone/>
+              <a:defRPr/>
+            </a:lvl1pPr>
+            <a:lvl2pPr lvl="1">
+              <a:spcBef>
+                <a:spcPts val="0"/>
+              </a:spcBef>
+              <a:buNone/>
+              <a:defRPr/>
+            </a:lvl2pPr>
+            <a:lvl3pPr lvl="2">
+              <a:spcBef>
+                <a:spcPts val="0"/>
+              </a:spcBef>
+              <a:buNone/>
+              <a:defRPr/>
+            </a:lvl3pPr>
+            <a:lvl4pPr lvl="3">
+              <a:spcBef>
+                <a:spcPts val="0"/>
+              </a:spcBef>
+              <a:buNone/>
+              <a:defRPr/>
+            </a:lvl4pPr>
+            <a:lvl5pPr lvl="4">
+              <a:spcBef>
+                <a:spcPts val="0"/>
+              </a:spcBef>
+              <a:buNone/>
+              <a:defRPr/>
+            </a:lvl5pPr>
+            <a:lvl6pPr lvl="5">
+              <a:spcBef>
+                <a:spcPts val="0"/>
+              </a:spcBef>
+              <a:buNone/>
+              <a:defRPr/>
+            </a:lvl6pPr>
+            <a:lvl7pPr lvl="6">
+              <a:spcBef>
+                <a:spcPts val="0"/>
+              </a:spcBef>
+              <a:buNone/>
+              <a:defRPr/>
+            </a:lvl7pPr>
+            <a:lvl8pPr lvl="7">
+              <a:spcBef>
+                <a:spcPts val="0"/>
+              </a:spcBef>
+              <a:buNone/>
+              <a:defRPr/>
+            </a:lvl8pPr>
+            <a:lvl9pPr lvl="8">
+              <a:spcBef>
+                <a:spcPts val="0"/>
+              </a:spcBef>
+              <a:buNone/>
+              <a:defRPr/>
+            </a:lvl9pPr>
+          </a:lstStyle>
           <a:p>
             <a:pPr indent="0" lvl="0" marL="0">
               <a:spcBef>
@@ -8386,8 +9480,8 @@
 </file>
 
 <file path=ppt/slideLayouts/slideLayout9.xml><?xml version="1.0" encoding="utf-8"?>
-<p:sldLayout xmlns:a="http://schemas.openxmlformats.org/drawingml/2006/main" xmlns:r="http://schemas.openxmlformats.org/officeDocument/2006/relationships" xmlns:mc="http://schemas.openxmlformats.org/markup-compatibility/2006" xmlns:mv="urn:schemas-microsoft-com:mac:vml" xmlns:p="http://schemas.openxmlformats.org/presentationml/2006/main" xmlns:c="http://schemas.openxmlformats.org/drawingml/2006/chart" xmlns:dgm="http://schemas.openxmlformats.org/drawingml/2006/diagram" xmlns:o="urn:schemas-microsoft-com:office:office" xmlns:v="urn:schemas-microsoft-com:vml" xmlns:pvml="urn:schemas-microsoft-com:office:powerpoint" xmlns:com="http://schemas.openxmlformats.org/drawingml/2006/compatibility" xmlns:p14="http://schemas.microsoft.com/office/powerpoint/2010/main" xmlns:p15="http://schemas.microsoft.com/office/powerpoint/2012/main">
-  <p:cSld name="Caption">
+<p:sldLayout xmlns:a="http://schemas.openxmlformats.org/drawingml/2006/main" xmlns:r="http://schemas.openxmlformats.org/officeDocument/2006/relationships" xmlns:mc="http://schemas.openxmlformats.org/markup-compatibility/2006" xmlns:mv="urn:schemas-microsoft-com:mac:vml" xmlns:p="http://schemas.openxmlformats.org/presentationml/2006/main" xmlns:c="http://schemas.openxmlformats.org/drawingml/2006/chart" xmlns:dgm="http://schemas.openxmlformats.org/drawingml/2006/diagram" xmlns:o="urn:schemas-microsoft-com:office:office" xmlns:v="urn:schemas-microsoft-com:vml" xmlns:pvml="urn:schemas-microsoft-com:office:powerpoint" xmlns:com="http://schemas.openxmlformats.org/drawingml/2006/compatibility" xmlns:p14="http://schemas.microsoft.com/office/powerpoint/2010/main" xmlns:p15="http://schemas.microsoft.com/office/powerpoint/2012/main" matchingName="Caption">
+  <p:cSld name="CAPTION_ONLY">
     <p:spTree>
       <p:nvGrpSpPr>
         <p:cNvPr id="99" name="Shape 99"/>
@@ -8570,7 +9664,71 @@
           <a:bodyPr anchorCtr="0" anchor="ctr" bIns="91425" lIns="91425" spcFirstLastPara="1" rIns="91425" wrap="square" tIns="91425">
             <a:noAutofit/>
           </a:bodyPr>
-          <a:lstStyle/>
+          <a:lstStyle>
+            <a:lvl1pPr lvl="0">
+              <a:spcBef>
+                <a:spcPts val="0"/>
+              </a:spcBef>
+              <a:buNone/>
+              <a:defRPr/>
+            </a:lvl1pPr>
+            <a:lvl2pPr lvl="1">
+              <a:spcBef>
+                <a:spcPts val="0"/>
+              </a:spcBef>
+              <a:buNone/>
+              <a:defRPr/>
+            </a:lvl2pPr>
+            <a:lvl3pPr lvl="2">
+              <a:spcBef>
+                <a:spcPts val="0"/>
+              </a:spcBef>
+              <a:buNone/>
+              <a:defRPr/>
+            </a:lvl3pPr>
+            <a:lvl4pPr lvl="3">
+              <a:spcBef>
+                <a:spcPts val="0"/>
+              </a:spcBef>
+              <a:buNone/>
+              <a:defRPr/>
+            </a:lvl4pPr>
+            <a:lvl5pPr lvl="4">
+              <a:spcBef>
+                <a:spcPts val="0"/>
+              </a:spcBef>
+              <a:buNone/>
+              <a:defRPr/>
+            </a:lvl5pPr>
+            <a:lvl6pPr lvl="5">
+              <a:spcBef>
+                <a:spcPts val="0"/>
+              </a:spcBef>
+              <a:buNone/>
+              <a:defRPr/>
+            </a:lvl6pPr>
+            <a:lvl7pPr lvl="6">
+              <a:spcBef>
+                <a:spcPts val="0"/>
+              </a:spcBef>
+              <a:buNone/>
+              <a:defRPr/>
+            </a:lvl7pPr>
+            <a:lvl8pPr lvl="7">
+              <a:spcBef>
+                <a:spcPts val="0"/>
+              </a:spcBef>
+              <a:buNone/>
+              <a:defRPr/>
+            </a:lvl8pPr>
+            <a:lvl9pPr lvl="8">
+              <a:spcBef>
+                <a:spcPts val="0"/>
+              </a:spcBef>
+              <a:buNone/>
+              <a:defRPr/>
+            </a:lvl9pPr>
+          </a:lstStyle>
           <a:p>
             <a:pPr indent="0" lvl="0" marL="0">
               <a:spcBef>
@@ -9143,19 +10301,13 @@
           <a:bodyPr anchorCtr="0" anchor="ctr" bIns="91425" lIns="91425" spcFirstLastPara="1" rIns="91425" wrap="square" tIns="91425">
             <a:noAutofit/>
           </a:bodyPr>
-          <a:lstStyle/>
-          <a:p>
-            <a:pPr indent="0" lvl="0" marL="0" algn="r">
-              <a:spcBef>
-                <a:spcPts val="0"/>
-              </a:spcBef>
-              <a:spcAft>
-                <a:spcPts val="0"/>
-              </a:spcAft>
-              <a:buNone/>
-            </a:pPr>
-            <a:fld id="{00000000-1234-1234-1234-123412341234}" type="slidenum">
-              <a:rPr lang="en" sz="1000">
+          <a:lstStyle>
+            <a:lvl1pPr lvl="0" algn="r">
+              <a:spcBef>
+                <a:spcPts val="0"/>
+              </a:spcBef>
+              <a:buNone/>
+              <a:defRPr sz="1000">
                 <a:solidFill>
                   <a:schemeClr val="lt1"/>
                 </a:solidFill>
@@ -9163,18 +10315,144 @@
                 <a:ea typeface="Lato"/>
                 <a:cs typeface="Lato"/>
                 <a:sym typeface="Lato"/>
-              </a:rPr>
+              </a:defRPr>
+            </a:lvl1pPr>
+            <a:lvl2pPr lvl="1" algn="r">
+              <a:spcBef>
+                <a:spcPts val="0"/>
+              </a:spcBef>
+              <a:buNone/>
+              <a:defRPr sz="1000">
+                <a:solidFill>
+                  <a:schemeClr val="lt1"/>
+                </a:solidFill>
+                <a:latin typeface="Lato"/>
+                <a:ea typeface="Lato"/>
+                <a:cs typeface="Lato"/>
+                <a:sym typeface="Lato"/>
+              </a:defRPr>
+            </a:lvl2pPr>
+            <a:lvl3pPr lvl="2" algn="r">
+              <a:spcBef>
+                <a:spcPts val="0"/>
+              </a:spcBef>
+              <a:buNone/>
+              <a:defRPr sz="1000">
+                <a:solidFill>
+                  <a:schemeClr val="lt1"/>
+                </a:solidFill>
+                <a:latin typeface="Lato"/>
+                <a:ea typeface="Lato"/>
+                <a:cs typeface="Lato"/>
+                <a:sym typeface="Lato"/>
+              </a:defRPr>
+            </a:lvl3pPr>
+            <a:lvl4pPr lvl="3" algn="r">
+              <a:spcBef>
+                <a:spcPts val="0"/>
+              </a:spcBef>
+              <a:buNone/>
+              <a:defRPr sz="1000">
+                <a:solidFill>
+                  <a:schemeClr val="lt1"/>
+                </a:solidFill>
+                <a:latin typeface="Lato"/>
+                <a:ea typeface="Lato"/>
+                <a:cs typeface="Lato"/>
+                <a:sym typeface="Lato"/>
+              </a:defRPr>
+            </a:lvl4pPr>
+            <a:lvl5pPr lvl="4" algn="r">
+              <a:spcBef>
+                <a:spcPts val="0"/>
+              </a:spcBef>
+              <a:buNone/>
+              <a:defRPr sz="1000">
+                <a:solidFill>
+                  <a:schemeClr val="lt1"/>
+                </a:solidFill>
+                <a:latin typeface="Lato"/>
+                <a:ea typeface="Lato"/>
+                <a:cs typeface="Lato"/>
+                <a:sym typeface="Lato"/>
+              </a:defRPr>
+            </a:lvl5pPr>
+            <a:lvl6pPr lvl="5" algn="r">
+              <a:spcBef>
+                <a:spcPts val="0"/>
+              </a:spcBef>
+              <a:buNone/>
+              <a:defRPr sz="1000">
+                <a:solidFill>
+                  <a:schemeClr val="lt1"/>
+                </a:solidFill>
+                <a:latin typeface="Lato"/>
+                <a:ea typeface="Lato"/>
+                <a:cs typeface="Lato"/>
+                <a:sym typeface="Lato"/>
+              </a:defRPr>
+            </a:lvl6pPr>
+            <a:lvl7pPr lvl="6" algn="r">
+              <a:spcBef>
+                <a:spcPts val="0"/>
+              </a:spcBef>
+              <a:buNone/>
+              <a:defRPr sz="1000">
+                <a:solidFill>
+                  <a:schemeClr val="lt1"/>
+                </a:solidFill>
+                <a:latin typeface="Lato"/>
+                <a:ea typeface="Lato"/>
+                <a:cs typeface="Lato"/>
+                <a:sym typeface="Lato"/>
+              </a:defRPr>
+            </a:lvl7pPr>
+            <a:lvl8pPr lvl="7" algn="r">
+              <a:spcBef>
+                <a:spcPts val="0"/>
+              </a:spcBef>
+              <a:buNone/>
+              <a:defRPr sz="1000">
+                <a:solidFill>
+                  <a:schemeClr val="lt1"/>
+                </a:solidFill>
+                <a:latin typeface="Lato"/>
+                <a:ea typeface="Lato"/>
+                <a:cs typeface="Lato"/>
+                <a:sym typeface="Lato"/>
+              </a:defRPr>
+            </a:lvl8pPr>
+            <a:lvl9pPr lvl="8" algn="r">
+              <a:spcBef>
+                <a:spcPts val="0"/>
+              </a:spcBef>
+              <a:buNone/>
+              <a:defRPr sz="1000">
+                <a:solidFill>
+                  <a:schemeClr val="lt1"/>
+                </a:solidFill>
+                <a:latin typeface="Lato"/>
+                <a:ea typeface="Lato"/>
+                <a:cs typeface="Lato"/>
+                <a:sym typeface="Lato"/>
+              </a:defRPr>
+            </a:lvl9pPr>
+          </a:lstStyle>
+          <a:p>
+            <a:pPr indent="0" lvl="0" marL="0">
+              <a:spcBef>
+                <a:spcPts val="0"/>
+              </a:spcBef>
+              <a:spcAft>
+                <a:spcPts val="0"/>
+              </a:spcAft>
+              <a:buNone/>
+            </a:pPr>
+            <a:fld id="{00000000-1234-1234-1234-123412341234}" type="slidenum">
+              <a:rPr lang="en"/>
               <a:t>‹#›</a:t>
             </a:fld>
-            <a:endParaRPr sz="1000">
-              <a:solidFill>
-                <a:schemeClr val="lt1"/>
-              </a:solidFill>
-              <a:latin typeface="Lato"/>
-              <a:ea typeface="Lato"/>
-              <a:cs typeface="Lato"/>
-              <a:sym typeface="Lato"/>
-            </a:endParaRPr>
+            <a:endParaRPr/>
           </a:p>
         </p:txBody>
       </p:sp>
@@ -9218,7 +10496,10 @@
         <a:spcAft>
           <a:spcPts val="0"/>
         </a:spcAft>
-        <a:buNone/>
+        <a:buClr>
+          <a:srgbClr val="000000"/>
+        </a:buClr>
+        <a:buFont typeface="Arial"/>
         <a:defRPr b="0" i="0" sz="1400" u="none" cap="none" strike="noStrike">
           <a:solidFill>
             <a:srgbClr val="000000"/>
@@ -9229,6 +10510,198 @@
           <a:sym typeface="Arial"/>
         </a:defRPr>
       </a:lvl1pPr>
+      <a:lvl2pPr lvl="1" marR="0" rtl="0" algn="l">
+        <a:lnSpc>
+          <a:spcPct val="100000"/>
+        </a:lnSpc>
+        <a:spcBef>
+          <a:spcPts val="0"/>
+        </a:spcBef>
+        <a:spcAft>
+          <a:spcPts val="0"/>
+        </a:spcAft>
+        <a:buClr>
+          <a:srgbClr val="000000"/>
+        </a:buClr>
+        <a:buFont typeface="Arial"/>
+        <a:defRPr b="0" i="0" sz="1400" u="none" cap="none" strike="noStrike">
+          <a:solidFill>
+            <a:srgbClr val="000000"/>
+          </a:solidFill>
+          <a:latin typeface="Arial"/>
+          <a:ea typeface="Arial"/>
+          <a:cs typeface="Arial"/>
+          <a:sym typeface="Arial"/>
+        </a:defRPr>
+      </a:lvl2pPr>
+      <a:lvl3pPr lvl="2" marR="0" rtl="0" algn="l">
+        <a:lnSpc>
+          <a:spcPct val="100000"/>
+        </a:lnSpc>
+        <a:spcBef>
+          <a:spcPts val="0"/>
+        </a:spcBef>
+        <a:spcAft>
+          <a:spcPts val="0"/>
+        </a:spcAft>
+        <a:buClr>
+          <a:srgbClr val="000000"/>
+        </a:buClr>
+        <a:buFont typeface="Arial"/>
+        <a:defRPr b="0" i="0" sz="1400" u="none" cap="none" strike="noStrike">
+          <a:solidFill>
+            <a:srgbClr val="000000"/>
+          </a:solidFill>
+          <a:latin typeface="Arial"/>
+          <a:ea typeface="Arial"/>
+          <a:cs typeface="Arial"/>
+          <a:sym typeface="Arial"/>
+        </a:defRPr>
+      </a:lvl3pPr>
+      <a:lvl4pPr lvl="3" marR="0" rtl="0" algn="l">
+        <a:lnSpc>
+          <a:spcPct val="100000"/>
+        </a:lnSpc>
+        <a:spcBef>
+          <a:spcPts val="0"/>
+        </a:spcBef>
+        <a:spcAft>
+          <a:spcPts val="0"/>
+        </a:spcAft>
+        <a:buClr>
+          <a:srgbClr val="000000"/>
+        </a:buClr>
+        <a:buFont typeface="Arial"/>
+        <a:defRPr b="0" i="0" sz="1400" u="none" cap="none" strike="noStrike">
+          <a:solidFill>
+            <a:srgbClr val="000000"/>
+          </a:solidFill>
+          <a:latin typeface="Arial"/>
+          <a:ea typeface="Arial"/>
+          <a:cs typeface="Arial"/>
+          <a:sym typeface="Arial"/>
+        </a:defRPr>
+      </a:lvl4pPr>
+      <a:lvl5pPr lvl="4" marR="0" rtl="0" algn="l">
+        <a:lnSpc>
+          <a:spcPct val="100000"/>
+        </a:lnSpc>
+        <a:spcBef>
+          <a:spcPts val="0"/>
+        </a:spcBef>
+        <a:spcAft>
+          <a:spcPts val="0"/>
+        </a:spcAft>
+        <a:buClr>
+          <a:srgbClr val="000000"/>
+        </a:buClr>
+        <a:buFont typeface="Arial"/>
+        <a:defRPr b="0" i="0" sz="1400" u="none" cap="none" strike="noStrike">
+          <a:solidFill>
+            <a:srgbClr val="000000"/>
+          </a:solidFill>
+          <a:latin typeface="Arial"/>
+          <a:ea typeface="Arial"/>
+          <a:cs typeface="Arial"/>
+          <a:sym typeface="Arial"/>
+        </a:defRPr>
+      </a:lvl5pPr>
+      <a:lvl6pPr lvl="5" marR="0" rtl="0" algn="l">
+        <a:lnSpc>
+          <a:spcPct val="100000"/>
+        </a:lnSpc>
+        <a:spcBef>
+          <a:spcPts val="0"/>
+        </a:spcBef>
+        <a:spcAft>
+          <a:spcPts val="0"/>
+        </a:spcAft>
+        <a:buClr>
+          <a:srgbClr val="000000"/>
+        </a:buClr>
+        <a:buFont typeface="Arial"/>
+        <a:defRPr b="0" i="0" sz="1400" u="none" cap="none" strike="noStrike">
+          <a:solidFill>
+            <a:srgbClr val="000000"/>
+          </a:solidFill>
+          <a:latin typeface="Arial"/>
+          <a:ea typeface="Arial"/>
+          <a:cs typeface="Arial"/>
+          <a:sym typeface="Arial"/>
+        </a:defRPr>
+      </a:lvl6pPr>
+      <a:lvl7pPr lvl="6" marR="0" rtl="0" algn="l">
+        <a:lnSpc>
+          <a:spcPct val="100000"/>
+        </a:lnSpc>
+        <a:spcBef>
+          <a:spcPts val="0"/>
+        </a:spcBef>
+        <a:spcAft>
+          <a:spcPts val="0"/>
+        </a:spcAft>
+        <a:buClr>
+          <a:srgbClr val="000000"/>
+        </a:buClr>
+        <a:buFont typeface="Arial"/>
+        <a:defRPr b="0" i="0" sz="1400" u="none" cap="none" strike="noStrike">
+          <a:solidFill>
+            <a:srgbClr val="000000"/>
+          </a:solidFill>
+          <a:latin typeface="Arial"/>
+          <a:ea typeface="Arial"/>
+          <a:cs typeface="Arial"/>
+          <a:sym typeface="Arial"/>
+        </a:defRPr>
+      </a:lvl7pPr>
+      <a:lvl8pPr lvl="7" marR="0" rtl="0" algn="l">
+        <a:lnSpc>
+          <a:spcPct val="100000"/>
+        </a:lnSpc>
+        <a:spcBef>
+          <a:spcPts val="0"/>
+        </a:spcBef>
+        <a:spcAft>
+          <a:spcPts val="0"/>
+        </a:spcAft>
+        <a:buClr>
+          <a:srgbClr val="000000"/>
+        </a:buClr>
+        <a:buFont typeface="Arial"/>
+        <a:defRPr b="0" i="0" sz="1400" u="none" cap="none" strike="noStrike">
+          <a:solidFill>
+            <a:srgbClr val="000000"/>
+          </a:solidFill>
+          <a:latin typeface="Arial"/>
+          <a:ea typeface="Arial"/>
+          <a:cs typeface="Arial"/>
+          <a:sym typeface="Arial"/>
+        </a:defRPr>
+      </a:lvl8pPr>
+      <a:lvl9pPr lvl="8" marR="0" rtl="0" algn="l">
+        <a:lnSpc>
+          <a:spcPct val="100000"/>
+        </a:lnSpc>
+        <a:spcBef>
+          <a:spcPts val="0"/>
+        </a:spcBef>
+        <a:spcAft>
+          <a:spcPts val="0"/>
+        </a:spcAft>
+        <a:buClr>
+          <a:srgbClr val="000000"/>
+        </a:buClr>
+        <a:buFont typeface="Arial"/>
+        <a:defRPr b="0" i="0" sz="1400" u="none" cap="none" strike="noStrike">
+          <a:solidFill>
+            <a:srgbClr val="000000"/>
+          </a:solidFill>
+          <a:latin typeface="Arial"/>
+          <a:ea typeface="Arial"/>
+          <a:cs typeface="Arial"/>
+          <a:sym typeface="Arial"/>
+        </a:defRPr>
+      </a:lvl9pPr>
     </p:titleStyle>
     <p:bodyStyle>
       <a:defPPr lvl="0" marR="0" rtl="0" algn="l">
@@ -9252,7 +10725,10 @@
         <a:spcAft>
           <a:spcPts val="0"/>
         </a:spcAft>
-        <a:buNone/>
+        <a:buClr>
+          <a:srgbClr val="000000"/>
+        </a:buClr>
+        <a:buFont typeface="Arial"/>
         <a:defRPr b="0" i="0" sz="1400" u="none" cap="none" strike="noStrike">
           <a:solidFill>
             <a:srgbClr val="000000"/>
@@ -9273,7 +10749,10 @@
         <a:spcAft>
           <a:spcPts val="0"/>
         </a:spcAft>
-        <a:buNone/>
+        <a:buClr>
+          <a:srgbClr val="000000"/>
+        </a:buClr>
+        <a:buFont typeface="Arial"/>
         <a:defRPr b="0" i="0" sz="1400" u="none" cap="none" strike="noStrike">
           <a:solidFill>
             <a:srgbClr val="000000"/>
@@ -9294,7 +10773,10 @@
         <a:spcAft>
           <a:spcPts val="0"/>
         </a:spcAft>
-        <a:buNone/>
+        <a:buClr>
+          <a:srgbClr val="000000"/>
+        </a:buClr>
+        <a:buFont typeface="Arial"/>
         <a:defRPr b="0" i="0" sz="1400" u="none" cap="none" strike="noStrike">
           <a:solidFill>
             <a:srgbClr val="000000"/>
@@ -9315,7 +10797,10 @@
         <a:spcAft>
           <a:spcPts val="0"/>
         </a:spcAft>
-        <a:buNone/>
+        <a:buClr>
+          <a:srgbClr val="000000"/>
+        </a:buClr>
+        <a:buFont typeface="Arial"/>
         <a:defRPr b="0" i="0" sz="1400" u="none" cap="none" strike="noStrike">
           <a:solidFill>
             <a:srgbClr val="000000"/>
@@ -9336,7 +10821,10 @@
         <a:spcAft>
           <a:spcPts val="0"/>
         </a:spcAft>
-        <a:buNone/>
+        <a:buClr>
+          <a:srgbClr val="000000"/>
+        </a:buClr>
+        <a:buFont typeface="Arial"/>
         <a:defRPr b="0" i="0" sz="1400" u="none" cap="none" strike="noStrike">
           <a:solidFill>
             <a:srgbClr val="000000"/>
@@ -9357,7 +10845,10 @@
         <a:spcAft>
           <a:spcPts val="0"/>
         </a:spcAft>
-        <a:buNone/>
+        <a:buClr>
+          <a:srgbClr val="000000"/>
+        </a:buClr>
+        <a:buFont typeface="Arial"/>
         <a:defRPr b="0" i="0" sz="1400" u="none" cap="none" strike="noStrike">
           <a:solidFill>
             <a:srgbClr val="000000"/>
@@ -9378,7 +10869,10 @@
         <a:spcAft>
           <a:spcPts val="0"/>
         </a:spcAft>
-        <a:buNone/>
+        <a:buClr>
+          <a:srgbClr val="000000"/>
+        </a:buClr>
+        <a:buFont typeface="Arial"/>
         <a:defRPr b="0" i="0" sz="1400" u="none" cap="none" strike="noStrike">
           <a:solidFill>
             <a:srgbClr val="000000"/>
@@ -9399,7 +10893,10 @@
         <a:spcAft>
           <a:spcPts val="0"/>
         </a:spcAft>
-        <a:buNone/>
+        <a:buClr>
+          <a:srgbClr val="000000"/>
+        </a:buClr>
+        <a:buFont typeface="Arial"/>
         <a:defRPr b="0" i="0" sz="1400" u="none" cap="none" strike="noStrike">
           <a:solidFill>
             <a:srgbClr val="000000"/>
@@ -9420,7 +10917,10 @@
         <a:spcAft>
           <a:spcPts val="0"/>
         </a:spcAft>
-        <a:buNone/>
+        <a:buClr>
+          <a:srgbClr val="000000"/>
+        </a:buClr>
+        <a:buFont typeface="Arial"/>
         <a:defRPr b="0" i="0" sz="1400" u="none" cap="none" strike="noStrike">
           <a:solidFill>
             <a:srgbClr val="000000"/>
@@ -9454,7 +10954,10 @@
         <a:spcAft>
           <a:spcPts val="0"/>
         </a:spcAft>
-        <a:buNone/>
+        <a:buClr>
+          <a:srgbClr val="000000"/>
+        </a:buClr>
+        <a:buFont typeface="Arial"/>
         <a:defRPr b="0" i="0" sz="1400" u="none" cap="none" strike="noStrike">
           <a:solidFill>
             <a:srgbClr val="000000"/>
@@ -9475,7 +10978,10 @@
         <a:spcAft>
           <a:spcPts val="0"/>
         </a:spcAft>
-        <a:buNone/>
+        <a:buClr>
+          <a:srgbClr val="000000"/>
+        </a:buClr>
+        <a:buFont typeface="Arial"/>
         <a:defRPr b="0" i="0" sz="1400" u="none" cap="none" strike="noStrike">
           <a:solidFill>
             <a:srgbClr val="000000"/>
@@ -9496,7 +11002,10 @@
         <a:spcAft>
           <a:spcPts val="0"/>
         </a:spcAft>
-        <a:buNone/>
+        <a:buClr>
+          <a:srgbClr val="000000"/>
+        </a:buClr>
+        <a:buFont typeface="Arial"/>
         <a:defRPr b="0" i="0" sz="1400" u="none" cap="none" strike="noStrike">
           <a:solidFill>
             <a:srgbClr val="000000"/>
@@ -9517,7 +11026,10 @@
         <a:spcAft>
           <a:spcPts val="0"/>
         </a:spcAft>
-        <a:buNone/>
+        <a:buClr>
+          <a:srgbClr val="000000"/>
+        </a:buClr>
+        <a:buFont typeface="Arial"/>
         <a:defRPr b="0" i="0" sz="1400" u="none" cap="none" strike="noStrike">
           <a:solidFill>
             <a:srgbClr val="000000"/>
@@ -9538,7 +11050,10 @@
         <a:spcAft>
           <a:spcPts val="0"/>
         </a:spcAft>
-        <a:buNone/>
+        <a:buClr>
+          <a:srgbClr val="000000"/>
+        </a:buClr>
+        <a:buFont typeface="Arial"/>
         <a:defRPr b="0" i="0" sz="1400" u="none" cap="none" strike="noStrike">
           <a:solidFill>
             <a:srgbClr val="000000"/>
@@ -9559,7 +11074,10 @@
         <a:spcAft>
           <a:spcPts val="0"/>
         </a:spcAft>
-        <a:buNone/>
+        <a:buClr>
+          <a:srgbClr val="000000"/>
+        </a:buClr>
+        <a:buFont typeface="Arial"/>
         <a:defRPr b="0" i="0" sz="1400" u="none" cap="none" strike="noStrike">
           <a:solidFill>
             <a:srgbClr val="000000"/>
@@ -9580,7 +11098,10 @@
         <a:spcAft>
           <a:spcPts val="0"/>
         </a:spcAft>
-        <a:buNone/>
+        <a:buClr>
+          <a:srgbClr val="000000"/>
+        </a:buClr>
+        <a:buFont typeface="Arial"/>
         <a:defRPr b="0" i="0" sz="1400" u="none" cap="none" strike="noStrike">
           <a:solidFill>
             <a:srgbClr val="000000"/>
@@ -9601,7 +11122,10 @@
         <a:spcAft>
           <a:spcPts val="0"/>
         </a:spcAft>
-        <a:buNone/>
+        <a:buClr>
+          <a:srgbClr val="000000"/>
+        </a:buClr>
+        <a:buFont typeface="Arial"/>
         <a:defRPr b="0" i="0" sz="1400" u="none" cap="none" strike="noStrike">
           <a:solidFill>
             <a:srgbClr val="000000"/>
@@ -9622,7 +11146,10 @@
         <a:spcAft>
           <a:spcPts val="0"/>
         </a:spcAft>
-        <a:buNone/>
+        <a:buClr>
+          <a:srgbClr val="000000"/>
+        </a:buClr>
+        <a:buFont typeface="Arial"/>
         <a:defRPr b="0" i="0" sz="1400" u="none" cap="none" strike="noStrike">
           <a:solidFill>
             <a:srgbClr val="000000"/>
@@ -9748,7 +11275,7 @@
   <p:cSld>
     <p:spTree>
       <p:nvGrpSpPr>
-        <p:cNvPr id="190" name="Shape 190"/>
+        <p:cNvPr id="186" name="Shape 186"/>
         <p:cNvGrpSpPr/>
         <p:nvPr/>
       </p:nvGrpSpPr>
@@ -9762,7 +11289,1466 @@
       </p:grpSpPr>
       <p:sp>
         <p:nvSpPr>
-          <p:cNvPr id="191" name="Shape 191"/>
+          <p:cNvPr id="187" name="Shape 187"/>
+          <p:cNvSpPr txBox="1"/>
+          <p:nvPr>
+            <p:ph idx="4294967295" type="title"/>
+          </p:nvPr>
+        </p:nvSpPr>
+        <p:spPr>
+          <a:xfrm>
+            <a:off x="535775" y="712150"/>
+            <a:ext cx="5799300" cy="768000"/>
+          </a:xfrm>
+          <a:prstGeom prst="rect">
+            <a:avLst/>
+          </a:prstGeom>
+        </p:spPr>
+        <p:txBody>
+          <a:bodyPr anchorCtr="0" anchor="t" bIns="91425" lIns="91425" spcFirstLastPara="1" rIns="91425" wrap="square" tIns="91425">
+            <a:noAutofit/>
+          </a:bodyPr>
+          <a:lstStyle/>
+          <a:p>
+            <a:pPr indent="0" lvl="0" marL="0" rtl="0">
+              <a:spcBef>
+                <a:spcPts val="0"/>
+              </a:spcBef>
+              <a:spcAft>
+                <a:spcPts val="1600"/>
+              </a:spcAft>
+              <a:buNone/>
+            </a:pPr>
+            <a:r>
+              <a:rPr lang="en" sz="2700">
+                <a:solidFill>
+                  <a:srgbClr val="FFFFFF"/>
+                </a:solidFill>
+                <a:latin typeface="Arial"/>
+                <a:ea typeface="Arial"/>
+                <a:cs typeface="Arial"/>
+                <a:sym typeface="Arial"/>
+              </a:rPr>
+              <a:t>Let’s look at the first datapoint</a:t>
+            </a:r>
+            <a:r>
+              <a:rPr lang="en" sz="3600">
+                <a:solidFill>
+                  <a:srgbClr val="FFFFFF"/>
+                </a:solidFill>
+                <a:latin typeface="Arial"/>
+                <a:ea typeface="Arial"/>
+                <a:cs typeface="Arial"/>
+                <a:sym typeface="Arial"/>
+              </a:rPr>
+              <a:t> </a:t>
+            </a:r>
+            <a:endParaRPr sz="2400"/>
+          </a:p>
+        </p:txBody>
+      </p:sp>
+      <p:graphicFrame>
+        <p:nvGraphicFramePr>
+          <p:cNvPr id="188" name="Shape 188"/>
+          <p:cNvGraphicFramePr/>
+          <p:nvPr/>
+        </p:nvGraphicFramePr>
+        <p:xfrm>
+          <a:off x="675700" y="1480150"/>
+          <a:ext cx="3000000" cy="3000000"/>
+        </p:xfrm>
+        <a:graphic>
+          <a:graphicData uri="http://schemas.openxmlformats.org/drawingml/2006/table">
+            <a:tbl>
+              <a:tblPr>
+                <a:noFill/>
+                <a:tableStyleId>{AD70B4E9-200C-4B33-BBCF-254A044C7395}</a:tableStyleId>
+              </a:tblPr>
+              <a:tblGrid>
+                <a:gridCol w="1375400"/>
+                <a:gridCol w="1063750"/>
+                <a:gridCol w="1413225"/>
+                <a:gridCol w="1025925"/>
+                <a:gridCol w="1588350"/>
+                <a:gridCol w="1618850"/>
+              </a:tblGrid>
+              <a:tr h="381000">
+                <a:tc>
+                  <a:txBody>
+                    <a:bodyPr>
+                      <a:noAutofit/>
+                    </a:bodyPr>
+                    <a:lstStyle/>
+                    <a:p>
+                      <a:pPr indent="0" lvl="0" marL="0" rtl="0">
+                        <a:spcBef>
+                          <a:spcPts val="0"/>
+                        </a:spcBef>
+                        <a:spcAft>
+                          <a:spcPts val="0"/>
+                        </a:spcAft>
+                        <a:buNone/>
+                      </a:pPr>
+                      <a:r>
+                        <a:rPr lang="en">
+                          <a:solidFill>
+                            <a:srgbClr val="FFFFFF"/>
+                          </a:solidFill>
+                        </a:rPr>
+                        <a:t>movie/friend</a:t>
+                      </a:r>
+                      <a:endParaRPr/>
+                    </a:p>
+                  </a:txBody>
+                  <a:tcPr marT="91425" marB="91425" marR="91425" marL="91425">
+                    <a:lnR cap="flat" cmpd="sng" w="9525">
+                      <a:solidFill>
+                        <a:srgbClr val="9E9E9E"/>
+                      </a:solidFill>
+                      <a:prstDash val="solid"/>
+                      <a:round/>
+                      <a:headEnd len="med" w="med" type="none"/>
+                      <a:tailEnd len="med" w="med" type="none"/>
+                    </a:lnR>
+                  </a:tcPr>
+                </a:tc>
+                <a:tc>
+                  <a:txBody>
+                    <a:bodyPr>
+                      <a:noAutofit/>
+                    </a:bodyPr>
+                    <a:lstStyle/>
+                    <a:p>
+                      <a:pPr indent="0" lvl="0" marL="0" rtl="0">
+                        <a:spcBef>
+                          <a:spcPts val="0"/>
+                        </a:spcBef>
+                        <a:spcAft>
+                          <a:spcPts val="0"/>
+                        </a:spcAft>
+                        <a:buNone/>
+                      </a:pPr>
+                      <a:r>
+                        <a:rPr lang="en">
+                          <a:solidFill>
+                            <a:srgbClr val="FFFFFF"/>
+                          </a:solidFill>
+                        </a:rPr>
+                        <a:t>Stephen</a:t>
+                      </a:r>
+                      <a:endParaRPr/>
+                    </a:p>
+                  </a:txBody>
+                  <a:tcPr marT="91425" marB="91425" marR="91425" marL="91425">
+                    <a:lnL cap="flat" cmpd="sng" w="9525">
+                      <a:solidFill>
+                        <a:srgbClr val="9E9E9E"/>
+                      </a:solidFill>
+                      <a:prstDash val="solid"/>
+                      <a:round/>
+                      <a:headEnd len="med" w="med" type="none"/>
+                      <a:tailEnd len="med" w="med" type="none"/>
+                    </a:lnL>
+                    <a:lnR cap="flat" cmpd="sng" w="9525">
+                      <a:solidFill>
+                        <a:srgbClr val="9E9E9E"/>
+                      </a:solidFill>
+                      <a:prstDash val="solid"/>
+                      <a:round/>
+                      <a:headEnd len="med" w="med" type="none"/>
+                      <a:tailEnd len="med" w="med" type="none"/>
+                    </a:lnR>
+                    <a:lnT cap="flat" cmpd="sng" w="9525">
+                      <a:solidFill>
+                        <a:srgbClr val="9E9E9E"/>
+                      </a:solidFill>
+                      <a:prstDash val="solid"/>
+                      <a:round/>
+                      <a:headEnd len="med" w="med" type="none"/>
+                      <a:tailEnd len="med" w="med" type="none"/>
+                    </a:lnT>
+                    <a:lnB cap="flat" cmpd="sng" w="9525">
+                      <a:solidFill>
+                        <a:srgbClr val="9E9E9E"/>
+                      </a:solidFill>
+                      <a:prstDash val="solid"/>
+                      <a:round/>
+                      <a:headEnd len="med" w="med" type="none"/>
+                      <a:tailEnd len="med" w="med" type="none"/>
+                    </a:lnB>
+                  </a:tcPr>
+                </a:tc>
+                <a:tc>
+                  <a:txBody>
+                    <a:bodyPr>
+                      <a:noAutofit/>
+                    </a:bodyPr>
+                    <a:lstStyle/>
+                    <a:p>
+                      <a:pPr indent="0" lvl="0" marL="0" rtl="0">
+                        <a:spcBef>
+                          <a:spcPts val="0"/>
+                        </a:spcBef>
+                        <a:spcAft>
+                          <a:spcPts val="0"/>
+                        </a:spcAft>
+                        <a:buNone/>
+                      </a:pPr>
+                      <a:r>
+                        <a:rPr lang="en">
+                          <a:solidFill>
+                            <a:srgbClr val="FFFFFF"/>
+                          </a:solidFill>
+                        </a:rPr>
+                        <a:t>Eric</a:t>
+                      </a:r>
+                      <a:endParaRPr/>
+                    </a:p>
+                  </a:txBody>
+                  <a:tcPr marT="91425" marB="91425" marR="91425" marL="91425">
+                    <a:lnL cap="flat" cmpd="sng" w="9525">
+                      <a:solidFill>
+                        <a:srgbClr val="9E9E9E"/>
+                      </a:solidFill>
+                      <a:prstDash val="solid"/>
+                      <a:round/>
+                      <a:headEnd len="med" w="med" type="none"/>
+                      <a:tailEnd len="med" w="med" type="none"/>
+                    </a:lnL>
+                    <a:lnR cap="flat" cmpd="sng" w="9525">
+                      <a:solidFill>
+                        <a:srgbClr val="9E9E9E"/>
+                      </a:solidFill>
+                      <a:prstDash val="solid"/>
+                      <a:round/>
+                      <a:headEnd len="med" w="med" type="none"/>
+                      <a:tailEnd len="med" w="med" type="none"/>
+                    </a:lnR>
+                    <a:lnT cap="flat" cmpd="sng" w="9525">
+                      <a:solidFill>
+                        <a:srgbClr val="9E9E9E"/>
+                      </a:solidFill>
+                      <a:prstDash val="solid"/>
+                      <a:round/>
+                      <a:headEnd len="med" w="med" type="none"/>
+                      <a:tailEnd len="med" w="med" type="none"/>
+                    </a:lnT>
+                    <a:lnB cap="flat" cmpd="sng" w="9525">
+                      <a:solidFill>
+                        <a:srgbClr val="9E9E9E"/>
+                      </a:solidFill>
+                      <a:prstDash val="solid"/>
+                      <a:round/>
+                      <a:headEnd len="med" w="med" type="none"/>
+                      <a:tailEnd len="med" w="med" type="none"/>
+                    </a:lnB>
+                  </a:tcPr>
+                </a:tc>
+                <a:tc>
+                  <a:txBody>
+                    <a:bodyPr>
+                      <a:noAutofit/>
+                    </a:bodyPr>
+                    <a:lstStyle/>
+                    <a:p>
+                      <a:pPr indent="0" lvl="0" marL="0" rtl="0">
+                        <a:spcBef>
+                          <a:spcPts val="0"/>
+                        </a:spcBef>
+                        <a:spcAft>
+                          <a:spcPts val="0"/>
+                        </a:spcAft>
+                        <a:buNone/>
+                      </a:pPr>
+                      <a:r>
+                        <a:rPr lang="en">
+                          <a:solidFill>
+                            <a:srgbClr val="FFFFFF"/>
+                          </a:solidFill>
+                        </a:rPr>
+                        <a:t>Ms. Owens</a:t>
+                      </a:r>
+                      <a:endParaRPr/>
+                    </a:p>
+                  </a:txBody>
+                  <a:tcPr marT="91425" marB="91425" marR="91425" marL="91425">
+                    <a:lnL cap="flat" cmpd="sng" w="9525">
+                      <a:solidFill>
+                        <a:srgbClr val="9E9E9E"/>
+                      </a:solidFill>
+                      <a:prstDash val="solid"/>
+                      <a:round/>
+                      <a:headEnd len="med" w="med" type="none"/>
+                      <a:tailEnd len="med" w="med" type="none"/>
+                    </a:lnL>
+                    <a:lnR cap="flat" cmpd="sng" w="9525">
+                      <a:solidFill>
+                        <a:srgbClr val="9E9E9E"/>
+                      </a:solidFill>
+                      <a:prstDash val="solid"/>
+                      <a:round/>
+                      <a:headEnd len="med" w="med" type="none"/>
+                      <a:tailEnd len="med" w="med" type="none"/>
+                    </a:lnR>
+                    <a:lnT cap="flat" cmpd="sng" w="9525">
+                      <a:solidFill>
+                        <a:srgbClr val="9E9E9E"/>
+                      </a:solidFill>
+                      <a:prstDash val="solid"/>
+                      <a:round/>
+                      <a:headEnd len="med" w="med" type="none"/>
+                      <a:tailEnd len="med" w="med" type="none"/>
+                    </a:lnT>
+                    <a:lnB cap="flat" cmpd="sng" w="9525">
+                      <a:solidFill>
+                        <a:srgbClr val="9E9E9E"/>
+                      </a:solidFill>
+                      <a:prstDash val="solid"/>
+                      <a:round/>
+                      <a:headEnd len="med" w="med" type="none"/>
+                      <a:tailEnd len="med" w="med" type="none"/>
+                    </a:lnB>
+                  </a:tcPr>
+                </a:tc>
+                <a:tc>
+                  <a:txBody>
+                    <a:bodyPr>
+                      <a:noAutofit/>
+                    </a:bodyPr>
+                    <a:lstStyle/>
+                    <a:p>
+                      <a:pPr indent="0" lvl="0" marL="0" rtl="0">
+                        <a:spcBef>
+                          <a:spcPts val="0"/>
+                        </a:spcBef>
+                        <a:spcAft>
+                          <a:spcPts val="0"/>
+                        </a:spcAft>
+                        <a:buNone/>
+                      </a:pPr>
+                      <a:r>
+                        <a:rPr lang="en">
+                          <a:solidFill>
+                            <a:srgbClr val="FFFFFF"/>
+                          </a:solidFill>
+                        </a:rPr>
+                        <a:t>Ms. McCullough</a:t>
+                      </a:r>
+                      <a:endParaRPr/>
+                    </a:p>
+                  </a:txBody>
+                  <a:tcPr marT="91425" marB="91425" marR="91425" marL="91425">
+                    <a:lnL cap="flat" cmpd="sng" w="9525">
+                      <a:solidFill>
+                        <a:srgbClr val="9E9E9E"/>
+                      </a:solidFill>
+                      <a:prstDash val="solid"/>
+                      <a:round/>
+                      <a:headEnd len="med" w="med" type="none"/>
+                      <a:tailEnd len="med" w="med" type="none"/>
+                    </a:lnL>
+                    <a:lnR cap="flat" cmpd="sng" w="9525">
+                      <a:solidFill>
+                        <a:srgbClr val="9E9E9E"/>
+                      </a:solidFill>
+                      <a:prstDash val="solid"/>
+                      <a:round/>
+                      <a:headEnd len="med" w="med" type="none"/>
+                      <a:tailEnd len="med" w="med" type="none"/>
+                    </a:lnR>
+                    <a:lnT cap="flat" cmpd="sng" w="9525">
+                      <a:solidFill>
+                        <a:srgbClr val="9E9E9E"/>
+                      </a:solidFill>
+                      <a:prstDash val="solid"/>
+                      <a:round/>
+                      <a:headEnd len="med" w="med" type="none"/>
+                      <a:tailEnd len="med" w="med" type="none"/>
+                    </a:lnT>
+                    <a:lnB cap="flat" cmpd="sng" w="9525">
+                      <a:solidFill>
+                        <a:srgbClr val="9E9E9E"/>
+                      </a:solidFill>
+                      <a:prstDash val="solid"/>
+                      <a:round/>
+                      <a:headEnd len="med" w="med" type="none"/>
+                      <a:tailEnd len="med" w="med" type="none"/>
+                    </a:lnB>
+                  </a:tcPr>
+                </a:tc>
+                <a:tc>
+                  <a:txBody>
+                    <a:bodyPr>
+                      <a:noAutofit/>
+                    </a:bodyPr>
+                    <a:lstStyle/>
+                    <a:p>
+                      <a:pPr indent="0" lvl="0" marL="0" rtl="0">
+                        <a:spcBef>
+                          <a:spcPts val="0"/>
+                        </a:spcBef>
+                        <a:spcAft>
+                          <a:spcPts val="0"/>
+                        </a:spcAft>
+                        <a:buNone/>
+                      </a:pPr>
+                      <a:r>
+                        <a:rPr lang="en">
+                          <a:solidFill>
+                            <a:srgbClr val="FFFFFF"/>
+                          </a:solidFill>
+                        </a:rPr>
+                        <a:t>Your own opinion</a:t>
+                      </a:r>
+                      <a:endParaRPr/>
+                    </a:p>
+                  </a:txBody>
+                  <a:tcPr marT="91425" marB="91425" marR="91425" marL="91425">
+                    <a:lnL cap="flat" cmpd="sng" w="9525">
+                      <a:solidFill>
+                        <a:srgbClr val="9E9E9E"/>
+                      </a:solidFill>
+                      <a:prstDash val="solid"/>
+                      <a:round/>
+                      <a:headEnd len="med" w="med" type="none"/>
+                      <a:tailEnd len="med" w="med" type="none"/>
+                    </a:lnL>
+                  </a:tcPr>
+                </a:tc>
+              </a:tr>
+              <a:tr h="381000">
+                <a:tc>
+                  <a:txBody>
+                    <a:bodyPr>
+                      <a:noAutofit/>
+                    </a:bodyPr>
+                    <a:lstStyle/>
+                    <a:p>
+                      <a:pPr indent="0" lvl="0" marL="0" rtl="0">
+                        <a:spcBef>
+                          <a:spcPts val="0"/>
+                        </a:spcBef>
+                        <a:spcAft>
+                          <a:spcPts val="0"/>
+                        </a:spcAft>
+                        <a:buNone/>
+                      </a:pPr>
+                      <a:r>
+                        <a:rPr lang="en">
+                          <a:solidFill>
+                            <a:srgbClr val="FFFFFF"/>
+                          </a:solidFill>
+                        </a:rPr>
+                        <a:t>Justice League</a:t>
+                      </a:r>
+                      <a:endParaRPr/>
+                    </a:p>
+                  </a:txBody>
+                  <a:tcPr marT="91425" marB="91425" marR="91425" marL="91425"/>
+                </a:tc>
+                <a:tc>
+                  <a:txBody>
+                    <a:bodyPr>
+                      <a:noAutofit/>
+                    </a:bodyPr>
+                    <a:lstStyle/>
+                    <a:p>
+                      <a:pPr indent="0" lvl="0" marL="0" rtl="0">
+                        <a:spcBef>
+                          <a:spcPts val="0"/>
+                        </a:spcBef>
+                        <a:spcAft>
+                          <a:spcPts val="0"/>
+                        </a:spcAft>
+                        <a:buNone/>
+                      </a:pPr>
+                      <a:r>
+                        <a:rPr lang="en">
+                          <a:solidFill>
+                            <a:srgbClr val="FFFFFF"/>
+                          </a:solidFill>
+                        </a:rPr>
+                        <a:t>Good (1)</a:t>
+                      </a:r>
+                      <a:endParaRPr/>
+                    </a:p>
+                  </a:txBody>
+                  <a:tcPr marT="91425" marB="91425" marR="91425" marL="91425">
+                    <a:lnT cap="flat" cmpd="sng" w="9525">
+                      <a:solidFill>
+                        <a:srgbClr val="9E9E9E"/>
+                      </a:solidFill>
+                      <a:prstDash val="solid"/>
+                      <a:round/>
+                      <a:headEnd len="med" w="med" type="none"/>
+                      <a:tailEnd len="med" w="med" type="none"/>
+                    </a:lnT>
+                  </a:tcPr>
+                </a:tc>
+                <a:tc>
+                  <a:txBody>
+                    <a:bodyPr>
+                      <a:noAutofit/>
+                    </a:bodyPr>
+                    <a:lstStyle/>
+                    <a:p>
+                      <a:pPr indent="0" lvl="0" marL="0" rtl="0">
+                        <a:spcBef>
+                          <a:spcPts val="0"/>
+                        </a:spcBef>
+                        <a:spcAft>
+                          <a:spcPts val="0"/>
+                        </a:spcAft>
+                        <a:buNone/>
+                      </a:pPr>
+                      <a:r>
+                        <a:rPr lang="en">
+                          <a:solidFill>
+                            <a:srgbClr val="FFFFFF"/>
+                          </a:solidFill>
+                        </a:rPr>
+                        <a:t>Bad (1)</a:t>
+                      </a:r>
+                      <a:endParaRPr/>
+                    </a:p>
+                  </a:txBody>
+                  <a:tcPr marT="91425" marB="91425" marR="91425" marL="91425">
+                    <a:lnT cap="flat" cmpd="sng" w="9525">
+                      <a:solidFill>
+                        <a:srgbClr val="9E9E9E"/>
+                      </a:solidFill>
+                      <a:prstDash val="solid"/>
+                      <a:round/>
+                      <a:headEnd len="med" w="med" type="none"/>
+                      <a:tailEnd len="med" w="med" type="none"/>
+                    </a:lnT>
+                  </a:tcPr>
+                </a:tc>
+                <a:tc>
+                  <a:txBody>
+                    <a:bodyPr>
+                      <a:noAutofit/>
+                    </a:bodyPr>
+                    <a:lstStyle/>
+                    <a:p>
+                      <a:pPr indent="0" lvl="0" marL="0" rtl="0">
+                        <a:spcBef>
+                          <a:spcPts val="0"/>
+                        </a:spcBef>
+                        <a:spcAft>
+                          <a:spcPts val="0"/>
+                        </a:spcAft>
+                        <a:buNone/>
+                      </a:pPr>
+                      <a:r>
+                        <a:rPr lang="en">
+                          <a:solidFill>
+                            <a:srgbClr val="FFFFFF"/>
+                          </a:solidFill>
+                        </a:rPr>
+                        <a:t>Good (1)</a:t>
+                      </a:r>
+                      <a:endParaRPr/>
+                    </a:p>
+                  </a:txBody>
+                  <a:tcPr marT="91425" marB="91425" marR="91425" marL="91425">
+                    <a:lnT cap="flat" cmpd="sng" w="9525">
+                      <a:solidFill>
+                        <a:srgbClr val="9E9E9E"/>
+                      </a:solidFill>
+                      <a:prstDash val="solid"/>
+                      <a:round/>
+                      <a:headEnd len="med" w="med" type="none"/>
+                      <a:tailEnd len="med" w="med" type="none"/>
+                    </a:lnT>
+                  </a:tcPr>
+                </a:tc>
+                <a:tc>
+                  <a:txBody>
+                    <a:bodyPr>
+                      <a:noAutofit/>
+                    </a:bodyPr>
+                    <a:lstStyle/>
+                    <a:p>
+                      <a:pPr indent="0" lvl="0" marL="0" rtl="0">
+                        <a:spcBef>
+                          <a:spcPts val="0"/>
+                        </a:spcBef>
+                        <a:spcAft>
+                          <a:spcPts val="0"/>
+                        </a:spcAft>
+                        <a:buNone/>
+                      </a:pPr>
+                      <a:r>
+                        <a:rPr lang="en">
+                          <a:solidFill>
+                            <a:srgbClr val="FFFFFF"/>
+                          </a:solidFill>
+                        </a:rPr>
+                        <a:t>Good (1)</a:t>
+                      </a:r>
+                      <a:endParaRPr/>
+                    </a:p>
+                  </a:txBody>
+                  <a:tcPr marT="91425" marB="91425" marR="91425" marL="91425">
+                    <a:lnT cap="flat" cmpd="sng" w="9525">
+                      <a:solidFill>
+                        <a:srgbClr val="9E9E9E"/>
+                      </a:solidFill>
+                      <a:prstDash val="solid"/>
+                      <a:round/>
+                      <a:headEnd len="med" w="med" type="none"/>
+                      <a:tailEnd len="med" w="med" type="none"/>
+                    </a:lnT>
+                  </a:tcPr>
+                </a:tc>
+                <a:tc>
+                  <a:txBody>
+                    <a:bodyPr>
+                      <a:noAutofit/>
+                    </a:bodyPr>
+                    <a:lstStyle/>
+                    <a:p>
+                      <a:pPr indent="0" lvl="0" marL="0" rtl="0">
+                        <a:spcBef>
+                          <a:spcPts val="0"/>
+                        </a:spcBef>
+                        <a:spcAft>
+                          <a:spcPts val="0"/>
+                        </a:spcAft>
+                        <a:buNone/>
+                      </a:pPr>
+                      <a:r>
+                        <a:rPr lang="en">
+                          <a:solidFill>
+                            <a:schemeClr val="lt1"/>
+                          </a:solidFill>
+                        </a:rPr>
+                        <a:t>Bad</a:t>
+                      </a:r>
+                      <a:endParaRPr/>
+                    </a:p>
+                  </a:txBody>
+                  <a:tcPr marT="91425" marB="91425" marR="91425" marL="91425"/>
+                </a:tc>
+              </a:tr>
+            </a:tbl>
+          </a:graphicData>
+        </a:graphic>
+      </p:graphicFrame>
+      <p:sp>
+        <p:nvSpPr>
+          <p:cNvPr id="189" name="Shape 189"/>
+          <p:cNvSpPr txBox="1"/>
+          <p:nvPr>
+            <p:ph idx="4294967295" type="title"/>
+          </p:nvPr>
+        </p:nvSpPr>
+        <p:spPr>
+          <a:xfrm>
+            <a:off x="675700" y="2817600"/>
+            <a:ext cx="7214100" cy="2155800"/>
+          </a:xfrm>
+          <a:prstGeom prst="rect">
+            <a:avLst/>
+          </a:prstGeom>
+        </p:spPr>
+        <p:txBody>
+          <a:bodyPr anchorCtr="0" anchor="t" bIns="91425" lIns="91425" spcFirstLastPara="1" rIns="91425" wrap="square" tIns="91425">
+            <a:noAutofit/>
+          </a:bodyPr>
+          <a:lstStyle/>
+          <a:p>
+            <a:pPr indent="0" lvl="0" marL="0" rtl="0">
+              <a:lnSpc>
+                <a:spcPct val="115000"/>
+              </a:lnSpc>
+              <a:spcBef>
+                <a:spcPts val="0"/>
+              </a:spcBef>
+              <a:spcAft>
+                <a:spcPts val="1600"/>
+              </a:spcAft>
+              <a:buNone/>
+            </a:pPr>
+            <a:r>
+              <a:rPr lang="en" sz="1900">
+                <a:latin typeface="Lato"/>
+                <a:ea typeface="Lato"/>
+                <a:cs typeface="Lato"/>
+                <a:sym typeface="Lato"/>
+              </a:rPr>
+              <a:t>However, we actually don’t like the movie</a:t>
+            </a:r>
+            <a:endParaRPr sz="1900">
+              <a:latin typeface="Lato"/>
+              <a:ea typeface="Lato"/>
+              <a:cs typeface="Lato"/>
+              <a:sym typeface="Lato"/>
+            </a:endParaRPr>
+          </a:p>
+        </p:txBody>
+      </p:sp>
+    </p:spTree>
+  </p:cSld>
+  <p:clrMapOvr>
+    <a:masterClrMapping/>
+  </p:clrMapOvr>
+</p:sld>
+</file>
+
+<file path=ppt/slides/slide11.xml><?xml version="1.0" encoding="utf-8"?>
+<p:sld xmlns:a="http://schemas.openxmlformats.org/drawingml/2006/main" xmlns:r="http://schemas.openxmlformats.org/officeDocument/2006/relationships" xmlns:mc="http://schemas.openxmlformats.org/markup-compatibility/2006" xmlns:mv="urn:schemas-microsoft-com:mac:vml" xmlns:p="http://schemas.openxmlformats.org/presentationml/2006/main" xmlns:c="http://schemas.openxmlformats.org/drawingml/2006/chart" xmlns:dgm="http://schemas.openxmlformats.org/drawingml/2006/diagram" xmlns:o="urn:schemas-microsoft-com:office:office" xmlns:v="urn:schemas-microsoft-com:vml" xmlns:pvml="urn:schemas-microsoft-com:office:powerpoint" xmlns:com="http://schemas.openxmlformats.org/drawingml/2006/compatibility" xmlns:p14="http://schemas.microsoft.com/office/powerpoint/2010/main" xmlns:p15="http://schemas.microsoft.com/office/powerpoint/2012/main">
+  <p:cSld>
+    <p:spTree>
+      <p:nvGrpSpPr>
+        <p:cNvPr id="193" name="Shape 193"/>
+        <p:cNvGrpSpPr/>
+        <p:nvPr/>
+      </p:nvGrpSpPr>
+      <p:grpSpPr>
+        <a:xfrm>
+          <a:off x="0" y="0"/>
+          <a:ext cx="0" cy="0"/>
+          <a:chOff x="0" y="0"/>
+          <a:chExt cx="0" cy="0"/>
+        </a:xfrm>
+      </p:grpSpPr>
+      <p:sp>
+        <p:nvSpPr>
+          <p:cNvPr id="194" name="Shape 194"/>
+          <p:cNvSpPr txBox="1"/>
+          <p:nvPr>
+            <p:ph idx="4294967295" type="title"/>
+          </p:nvPr>
+        </p:nvSpPr>
+        <p:spPr>
+          <a:xfrm>
+            <a:off x="535775" y="712150"/>
+            <a:ext cx="5799300" cy="768000"/>
+          </a:xfrm>
+          <a:prstGeom prst="rect">
+            <a:avLst/>
+          </a:prstGeom>
+        </p:spPr>
+        <p:txBody>
+          <a:bodyPr anchorCtr="0" anchor="t" bIns="91425" lIns="91425" spcFirstLastPara="1" rIns="91425" wrap="square" tIns="91425">
+            <a:noAutofit/>
+          </a:bodyPr>
+          <a:lstStyle/>
+          <a:p>
+            <a:pPr indent="0" lvl="0" marL="0" rtl="0">
+              <a:spcBef>
+                <a:spcPts val="0"/>
+              </a:spcBef>
+              <a:spcAft>
+                <a:spcPts val="1600"/>
+              </a:spcAft>
+              <a:buNone/>
+            </a:pPr>
+            <a:r>
+              <a:rPr lang="en" sz="2700">
+                <a:solidFill>
+                  <a:srgbClr val="FFFFFF"/>
+                </a:solidFill>
+                <a:latin typeface="Arial"/>
+                <a:ea typeface="Arial"/>
+                <a:cs typeface="Arial"/>
+                <a:sym typeface="Arial"/>
+              </a:rPr>
+              <a:t>After analyzing online</a:t>
+            </a:r>
+            <a:r>
+              <a:rPr lang="en" sz="3600">
+                <a:solidFill>
+                  <a:srgbClr val="FFFFFF"/>
+                </a:solidFill>
+                <a:latin typeface="Arial"/>
+                <a:ea typeface="Arial"/>
+                <a:cs typeface="Arial"/>
+                <a:sym typeface="Arial"/>
+              </a:rPr>
+              <a:t> </a:t>
+            </a:r>
+            <a:r>
+              <a:rPr lang="en" sz="3600">
+                <a:solidFill>
+                  <a:schemeClr val="dk1"/>
+                </a:solidFill>
+              </a:rPr>
+              <a:t>ehlr idea</a:t>
+            </a:r>
+            <a:endParaRPr sz="2400"/>
+          </a:p>
+        </p:txBody>
+      </p:sp>
+      <p:sp>
+        <p:nvSpPr>
+          <p:cNvPr id="195" name="Shape 195"/>
+          <p:cNvSpPr txBox="1"/>
+          <p:nvPr/>
+        </p:nvSpPr>
+        <p:spPr>
+          <a:xfrm>
+            <a:off x="675700" y="3193975"/>
+            <a:ext cx="7944600" cy="871200"/>
+          </a:xfrm>
+          <a:prstGeom prst="rect">
+            <a:avLst/>
+          </a:prstGeom>
+          <a:noFill/>
+          <a:ln>
+            <a:noFill/>
+          </a:ln>
+        </p:spPr>
+        <p:txBody>
+          <a:bodyPr anchorCtr="0" anchor="t" bIns="91425" lIns="91425" spcFirstLastPara="1" rIns="91425" wrap="square" tIns="91425">
+            <a:noAutofit/>
+          </a:bodyPr>
+          <a:lstStyle/>
+          <a:p>
+            <a:pPr indent="0" lvl="0" marL="0">
+              <a:spcBef>
+                <a:spcPts val="0"/>
+              </a:spcBef>
+              <a:spcAft>
+                <a:spcPts val="0"/>
+              </a:spcAft>
+              <a:buNone/>
+            </a:pPr>
+            <a:r>
+              <a:rPr lang="en" sz="2100">
+                <a:solidFill>
+                  <a:srgbClr val="FFFFFF"/>
+                </a:solidFill>
+              </a:rPr>
+              <a:t>Therefore, we half the weight of everyone whose opinion differed from my opinion</a:t>
+            </a:r>
+            <a:endParaRPr>
+              <a:solidFill>
+                <a:srgbClr val="FFFFFF"/>
+              </a:solidFill>
+            </a:endParaRPr>
+          </a:p>
+        </p:txBody>
+      </p:sp>
+      <p:graphicFrame>
+        <p:nvGraphicFramePr>
+          <p:cNvPr id="196" name="Shape 196"/>
+          <p:cNvGraphicFramePr/>
+          <p:nvPr/>
+        </p:nvGraphicFramePr>
+        <p:xfrm>
+          <a:off x="675700" y="1480150"/>
+          <a:ext cx="3000000" cy="3000000"/>
+        </p:xfrm>
+        <a:graphic>
+          <a:graphicData uri="http://schemas.openxmlformats.org/drawingml/2006/table">
+            <a:tbl>
+              <a:tblPr>
+                <a:noFill/>
+                <a:tableStyleId>{AD70B4E9-200C-4B33-BBCF-254A044C7395}</a:tableStyleId>
+              </a:tblPr>
+              <a:tblGrid>
+                <a:gridCol w="1375400"/>
+                <a:gridCol w="1063750"/>
+                <a:gridCol w="1413225"/>
+                <a:gridCol w="1025925"/>
+                <a:gridCol w="1588350"/>
+                <a:gridCol w="1618850"/>
+              </a:tblGrid>
+              <a:tr h="381000">
+                <a:tc>
+                  <a:txBody>
+                    <a:bodyPr>
+                      <a:noAutofit/>
+                    </a:bodyPr>
+                    <a:lstStyle/>
+                    <a:p>
+                      <a:pPr indent="0" lvl="0" marL="0" rtl="0">
+                        <a:spcBef>
+                          <a:spcPts val="0"/>
+                        </a:spcBef>
+                        <a:spcAft>
+                          <a:spcPts val="0"/>
+                        </a:spcAft>
+                        <a:buNone/>
+                      </a:pPr>
+                      <a:r>
+                        <a:rPr lang="en">
+                          <a:solidFill>
+                            <a:srgbClr val="FFFFFF"/>
+                          </a:solidFill>
+                        </a:rPr>
+                        <a:t>movie/friend</a:t>
+                      </a:r>
+                      <a:endParaRPr/>
+                    </a:p>
+                  </a:txBody>
+                  <a:tcPr marT="91425" marB="91425" marR="91425" marL="91425">
+                    <a:lnR cap="flat" cmpd="sng" w="9525">
+                      <a:solidFill>
+                        <a:srgbClr val="9E9E9E"/>
+                      </a:solidFill>
+                      <a:prstDash val="solid"/>
+                      <a:round/>
+                      <a:headEnd len="med" w="med" type="none"/>
+                      <a:tailEnd len="med" w="med" type="none"/>
+                    </a:lnR>
+                  </a:tcPr>
+                </a:tc>
+                <a:tc>
+                  <a:txBody>
+                    <a:bodyPr>
+                      <a:noAutofit/>
+                    </a:bodyPr>
+                    <a:lstStyle/>
+                    <a:p>
+                      <a:pPr indent="0" lvl="0" marL="0" rtl="0">
+                        <a:spcBef>
+                          <a:spcPts val="0"/>
+                        </a:spcBef>
+                        <a:spcAft>
+                          <a:spcPts val="0"/>
+                        </a:spcAft>
+                        <a:buNone/>
+                      </a:pPr>
+                      <a:r>
+                        <a:rPr lang="en">
+                          <a:solidFill>
+                            <a:srgbClr val="FFFFFF"/>
+                          </a:solidFill>
+                        </a:rPr>
+                        <a:t>Stephen</a:t>
+                      </a:r>
+                      <a:endParaRPr/>
+                    </a:p>
+                  </a:txBody>
+                  <a:tcPr marT="91425" marB="91425" marR="91425" marL="91425">
+                    <a:lnL cap="flat" cmpd="sng" w="9525">
+                      <a:solidFill>
+                        <a:srgbClr val="9E9E9E"/>
+                      </a:solidFill>
+                      <a:prstDash val="solid"/>
+                      <a:round/>
+                      <a:headEnd len="med" w="med" type="none"/>
+                      <a:tailEnd len="med" w="med" type="none"/>
+                    </a:lnL>
+                    <a:lnR cap="flat" cmpd="sng" w="9525">
+                      <a:solidFill>
+                        <a:srgbClr val="9E9E9E"/>
+                      </a:solidFill>
+                      <a:prstDash val="solid"/>
+                      <a:round/>
+                      <a:headEnd len="med" w="med" type="none"/>
+                      <a:tailEnd len="med" w="med" type="none"/>
+                    </a:lnR>
+                    <a:lnT cap="flat" cmpd="sng" w="9525">
+                      <a:solidFill>
+                        <a:srgbClr val="9E9E9E"/>
+                      </a:solidFill>
+                      <a:prstDash val="solid"/>
+                      <a:round/>
+                      <a:headEnd len="med" w="med" type="none"/>
+                      <a:tailEnd len="med" w="med" type="none"/>
+                    </a:lnT>
+                    <a:lnB cap="flat" cmpd="sng" w="9525">
+                      <a:solidFill>
+                        <a:srgbClr val="9E9E9E"/>
+                      </a:solidFill>
+                      <a:prstDash val="solid"/>
+                      <a:round/>
+                      <a:headEnd len="med" w="med" type="none"/>
+                      <a:tailEnd len="med" w="med" type="none"/>
+                    </a:lnB>
+                  </a:tcPr>
+                </a:tc>
+                <a:tc>
+                  <a:txBody>
+                    <a:bodyPr>
+                      <a:noAutofit/>
+                    </a:bodyPr>
+                    <a:lstStyle/>
+                    <a:p>
+                      <a:pPr indent="0" lvl="0" marL="0" rtl="0">
+                        <a:spcBef>
+                          <a:spcPts val="0"/>
+                        </a:spcBef>
+                        <a:spcAft>
+                          <a:spcPts val="0"/>
+                        </a:spcAft>
+                        <a:buNone/>
+                      </a:pPr>
+                      <a:r>
+                        <a:rPr lang="en">
+                          <a:solidFill>
+                            <a:srgbClr val="FFFFFF"/>
+                          </a:solidFill>
+                        </a:rPr>
+                        <a:t>Eric</a:t>
+                      </a:r>
+                      <a:endParaRPr/>
+                    </a:p>
+                  </a:txBody>
+                  <a:tcPr marT="91425" marB="91425" marR="91425" marL="91425">
+                    <a:lnL cap="flat" cmpd="sng" w="9525">
+                      <a:solidFill>
+                        <a:srgbClr val="9E9E9E"/>
+                      </a:solidFill>
+                      <a:prstDash val="solid"/>
+                      <a:round/>
+                      <a:headEnd len="med" w="med" type="none"/>
+                      <a:tailEnd len="med" w="med" type="none"/>
+                    </a:lnL>
+                    <a:lnR cap="flat" cmpd="sng" w="9525">
+                      <a:solidFill>
+                        <a:srgbClr val="9E9E9E"/>
+                      </a:solidFill>
+                      <a:prstDash val="solid"/>
+                      <a:round/>
+                      <a:headEnd len="med" w="med" type="none"/>
+                      <a:tailEnd len="med" w="med" type="none"/>
+                    </a:lnR>
+                    <a:lnT cap="flat" cmpd="sng" w="9525">
+                      <a:solidFill>
+                        <a:srgbClr val="9E9E9E"/>
+                      </a:solidFill>
+                      <a:prstDash val="solid"/>
+                      <a:round/>
+                      <a:headEnd len="med" w="med" type="none"/>
+                      <a:tailEnd len="med" w="med" type="none"/>
+                    </a:lnT>
+                    <a:lnB cap="flat" cmpd="sng" w="9525">
+                      <a:solidFill>
+                        <a:srgbClr val="9E9E9E"/>
+                      </a:solidFill>
+                      <a:prstDash val="solid"/>
+                      <a:round/>
+                      <a:headEnd len="med" w="med" type="none"/>
+                      <a:tailEnd len="med" w="med" type="none"/>
+                    </a:lnB>
+                  </a:tcPr>
+                </a:tc>
+                <a:tc>
+                  <a:txBody>
+                    <a:bodyPr>
+                      <a:noAutofit/>
+                    </a:bodyPr>
+                    <a:lstStyle/>
+                    <a:p>
+                      <a:pPr indent="0" lvl="0" marL="0" rtl="0">
+                        <a:spcBef>
+                          <a:spcPts val="0"/>
+                        </a:spcBef>
+                        <a:spcAft>
+                          <a:spcPts val="0"/>
+                        </a:spcAft>
+                        <a:buNone/>
+                      </a:pPr>
+                      <a:r>
+                        <a:rPr lang="en">
+                          <a:solidFill>
+                            <a:srgbClr val="FFFFFF"/>
+                          </a:solidFill>
+                        </a:rPr>
+                        <a:t>Ms. Owens</a:t>
+                      </a:r>
+                      <a:endParaRPr/>
+                    </a:p>
+                  </a:txBody>
+                  <a:tcPr marT="91425" marB="91425" marR="91425" marL="91425">
+                    <a:lnL cap="flat" cmpd="sng" w="9525">
+                      <a:solidFill>
+                        <a:srgbClr val="9E9E9E"/>
+                      </a:solidFill>
+                      <a:prstDash val="solid"/>
+                      <a:round/>
+                      <a:headEnd len="med" w="med" type="none"/>
+                      <a:tailEnd len="med" w="med" type="none"/>
+                    </a:lnL>
+                    <a:lnR cap="flat" cmpd="sng" w="9525">
+                      <a:solidFill>
+                        <a:srgbClr val="9E9E9E"/>
+                      </a:solidFill>
+                      <a:prstDash val="solid"/>
+                      <a:round/>
+                      <a:headEnd len="med" w="med" type="none"/>
+                      <a:tailEnd len="med" w="med" type="none"/>
+                    </a:lnR>
+                    <a:lnT cap="flat" cmpd="sng" w="9525">
+                      <a:solidFill>
+                        <a:srgbClr val="9E9E9E"/>
+                      </a:solidFill>
+                      <a:prstDash val="solid"/>
+                      <a:round/>
+                      <a:headEnd len="med" w="med" type="none"/>
+                      <a:tailEnd len="med" w="med" type="none"/>
+                    </a:lnT>
+                    <a:lnB cap="flat" cmpd="sng" w="9525">
+                      <a:solidFill>
+                        <a:srgbClr val="9E9E9E"/>
+                      </a:solidFill>
+                      <a:prstDash val="solid"/>
+                      <a:round/>
+                      <a:headEnd len="med" w="med" type="none"/>
+                      <a:tailEnd len="med" w="med" type="none"/>
+                    </a:lnB>
+                  </a:tcPr>
+                </a:tc>
+                <a:tc>
+                  <a:txBody>
+                    <a:bodyPr>
+                      <a:noAutofit/>
+                    </a:bodyPr>
+                    <a:lstStyle/>
+                    <a:p>
+                      <a:pPr indent="0" lvl="0" marL="0" rtl="0">
+                        <a:spcBef>
+                          <a:spcPts val="0"/>
+                        </a:spcBef>
+                        <a:spcAft>
+                          <a:spcPts val="0"/>
+                        </a:spcAft>
+                        <a:buNone/>
+                      </a:pPr>
+                      <a:r>
+                        <a:rPr lang="en">
+                          <a:solidFill>
+                            <a:srgbClr val="FFFFFF"/>
+                          </a:solidFill>
+                        </a:rPr>
+                        <a:t>Ms. McCullough</a:t>
+                      </a:r>
+                      <a:endParaRPr/>
+                    </a:p>
+                  </a:txBody>
+                  <a:tcPr marT="91425" marB="91425" marR="91425" marL="91425">
+                    <a:lnL cap="flat" cmpd="sng" w="9525">
+                      <a:solidFill>
+                        <a:srgbClr val="9E9E9E"/>
+                      </a:solidFill>
+                      <a:prstDash val="solid"/>
+                      <a:round/>
+                      <a:headEnd len="med" w="med" type="none"/>
+                      <a:tailEnd len="med" w="med" type="none"/>
+                    </a:lnL>
+                    <a:lnR cap="flat" cmpd="sng" w="9525">
+                      <a:solidFill>
+                        <a:srgbClr val="9E9E9E"/>
+                      </a:solidFill>
+                      <a:prstDash val="solid"/>
+                      <a:round/>
+                      <a:headEnd len="med" w="med" type="none"/>
+                      <a:tailEnd len="med" w="med" type="none"/>
+                    </a:lnR>
+                    <a:lnT cap="flat" cmpd="sng" w="9525">
+                      <a:solidFill>
+                        <a:srgbClr val="9E9E9E"/>
+                      </a:solidFill>
+                      <a:prstDash val="solid"/>
+                      <a:round/>
+                      <a:headEnd len="med" w="med" type="none"/>
+                      <a:tailEnd len="med" w="med" type="none"/>
+                    </a:lnT>
+                    <a:lnB cap="flat" cmpd="sng" w="9525">
+                      <a:solidFill>
+                        <a:srgbClr val="9E9E9E"/>
+                      </a:solidFill>
+                      <a:prstDash val="solid"/>
+                      <a:round/>
+                      <a:headEnd len="med" w="med" type="none"/>
+                      <a:tailEnd len="med" w="med" type="none"/>
+                    </a:lnB>
+                  </a:tcPr>
+                </a:tc>
+                <a:tc>
+                  <a:txBody>
+                    <a:bodyPr>
+                      <a:noAutofit/>
+                    </a:bodyPr>
+                    <a:lstStyle/>
+                    <a:p>
+                      <a:pPr indent="0" lvl="0" marL="0" rtl="0">
+                        <a:spcBef>
+                          <a:spcPts val="0"/>
+                        </a:spcBef>
+                        <a:spcAft>
+                          <a:spcPts val="0"/>
+                        </a:spcAft>
+                        <a:buNone/>
+                      </a:pPr>
+                      <a:r>
+                        <a:rPr lang="en">
+                          <a:solidFill>
+                            <a:srgbClr val="FFFFFF"/>
+                          </a:solidFill>
+                        </a:rPr>
+                        <a:t>Your own opinion</a:t>
+                      </a:r>
+                      <a:endParaRPr/>
+                    </a:p>
+                  </a:txBody>
+                  <a:tcPr marT="91425" marB="91425" marR="91425" marL="91425">
+                    <a:lnL cap="flat" cmpd="sng" w="9525">
+                      <a:solidFill>
+                        <a:srgbClr val="9E9E9E"/>
+                      </a:solidFill>
+                      <a:prstDash val="solid"/>
+                      <a:round/>
+                      <a:headEnd len="med" w="med" type="none"/>
+                      <a:tailEnd len="med" w="med" type="none"/>
+                    </a:lnL>
+                  </a:tcPr>
+                </a:tc>
+              </a:tr>
+              <a:tr h="381000">
+                <a:tc>
+                  <a:txBody>
+                    <a:bodyPr>
+                      <a:noAutofit/>
+                    </a:bodyPr>
+                    <a:lstStyle/>
+                    <a:p>
+                      <a:pPr indent="0" lvl="0" marL="0" rtl="0">
+                        <a:spcBef>
+                          <a:spcPts val="0"/>
+                        </a:spcBef>
+                        <a:spcAft>
+                          <a:spcPts val="0"/>
+                        </a:spcAft>
+                        <a:buNone/>
+                      </a:pPr>
+                      <a:r>
+                        <a:rPr lang="en">
+                          <a:solidFill>
+                            <a:srgbClr val="FFFFFF"/>
+                          </a:solidFill>
+                        </a:rPr>
+                        <a:t>Justice League</a:t>
+                      </a:r>
+                      <a:endParaRPr/>
+                    </a:p>
+                  </a:txBody>
+                  <a:tcPr marT="91425" marB="91425" marR="91425" marL="91425"/>
+                </a:tc>
+                <a:tc>
+                  <a:txBody>
+                    <a:bodyPr>
+                      <a:noAutofit/>
+                    </a:bodyPr>
+                    <a:lstStyle/>
+                    <a:p>
+                      <a:pPr indent="0" lvl="0" marL="0" rtl="0">
+                        <a:spcBef>
+                          <a:spcPts val="0"/>
+                        </a:spcBef>
+                        <a:spcAft>
+                          <a:spcPts val="0"/>
+                        </a:spcAft>
+                        <a:buNone/>
+                      </a:pPr>
+                      <a:r>
+                        <a:rPr lang="en">
+                          <a:solidFill>
+                            <a:srgbClr val="FFFFFF"/>
+                          </a:solidFill>
+                        </a:rPr>
+                        <a:t>Good (.5)</a:t>
+                      </a:r>
+                      <a:endParaRPr/>
+                    </a:p>
+                  </a:txBody>
+                  <a:tcPr marT="91425" marB="91425" marR="91425" marL="91425">
+                    <a:lnT cap="flat" cmpd="sng" w="9525">
+                      <a:solidFill>
+                        <a:srgbClr val="9E9E9E"/>
+                      </a:solidFill>
+                      <a:prstDash val="solid"/>
+                      <a:round/>
+                      <a:headEnd len="med" w="med" type="none"/>
+                      <a:tailEnd len="med" w="med" type="none"/>
+                    </a:lnT>
+                  </a:tcPr>
+                </a:tc>
+                <a:tc>
+                  <a:txBody>
+                    <a:bodyPr>
+                      <a:noAutofit/>
+                    </a:bodyPr>
+                    <a:lstStyle/>
+                    <a:p>
+                      <a:pPr indent="0" lvl="0" marL="0" rtl="0">
+                        <a:spcBef>
+                          <a:spcPts val="0"/>
+                        </a:spcBef>
+                        <a:spcAft>
+                          <a:spcPts val="0"/>
+                        </a:spcAft>
+                        <a:buNone/>
+                      </a:pPr>
+                      <a:r>
+                        <a:rPr lang="en">
+                          <a:solidFill>
+                            <a:srgbClr val="FFFFFF"/>
+                          </a:solidFill>
+                        </a:rPr>
+                        <a:t>Bad (1)</a:t>
+                      </a:r>
+                      <a:endParaRPr/>
+                    </a:p>
+                  </a:txBody>
+                  <a:tcPr marT="91425" marB="91425" marR="91425" marL="91425">
+                    <a:lnT cap="flat" cmpd="sng" w="9525">
+                      <a:solidFill>
+                        <a:srgbClr val="9E9E9E"/>
+                      </a:solidFill>
+                      <a:prstDash val="solid"/>
+                      <a:round/>
+                      <a:headEnd len="med" w="med" type="none"/>
+                      <a:tailEnd len="med" w="med" type="none"/>
+                    </a:lnT>
+                  </a:tcPr>
+                </a:tc>
+                <a:tc>
+                  <a:txBody>
+                    <a:bodyPr>
+                      <a:noAutofit/>
+                    </a:bodyPr>
+                    <a:lstStyle/>
+                    <a:p>
+                      <a:pPr indent="0" lvl="0" marL="0" rtl="0">
+                        <a:spcBef>
+                          <a:spcPts val="0"/>
+                        </a:spcBef>
+                        <a:spcAft>
+                          <a:spcPts val="0"/>
+                        </a:spcAft>
+                        <a:buNone/>
+                      </a:pPr>
+                      <a:r>
+                        <a:rPr lang="en">
+                          <a:solidFill>
+                            <a:srgbClr val="FFFFFF"/>
+                          </a:solidFill>
+                        </a:rPr>
+                        <a:t>Good (.5)</a:t>
+                      </a:r>
+                      <a:endParaRPr/>
+                    </a:p>
+                  </a:txBody>
+                  <a:tcPr marT="91425" marB="91425" marR="91425" marL="91425">
+                    <a:lnT cap="flat" cmpd="sng" w="9525">
+                      <a:solidFill>
+                        <a:srgbClr val="9E9E9E"/>
+                      </a:solidFill>
+                      <a:prstDash val="solid"/>
+                      <a:round/>
+                      <a:headEnd len="med" w="med" type="none"/>
+                      <a:tailEnd len="med" w="med" type="none"/>
+                    </a:lnT>
+                  </a:tcPr>
+                </a:tc>
+                <a:tc>
+                  <a:txBody>
+                    <a:bodyPr>
+                      <a:noAutofit/>
+                    </a:bodyPr>
+                    <a:lstStyle/>
+                    <a:p>
+                      <a:pPr indent="0" lvl="0" marL="0" rtl="0">
+                        <a:spcBef>
+                          <a:spcPts val="0"/>
+                        </a:spcBef>
+                        <a:spcAft>
+                          <a:spcPts val="0"/>
+                        </a:spcAft>
+                        <a:buNone/>
+                      </a:pPr>
+                      <a:r>
+                        <a:rPr lang="en">
+                          <a:solidFill>
+                            <a:srgbClr val="FFFFFF"/>
+                          </a:solidFill>
+                        </a:rPr>
+                        <a:t>Good (.5)</a:t>
+                      </a:r>
+                      <a:endParaRPr/>
+                    </a:p>
+                  </a:txBody>
+                  <a:tcPr marT="91425" marB="91425" marR="91425" marL="91425">
+                    <a:lnT cap="flat" cmpd="sng" w="9525">
+                      <a:solidFill>
+                        <a:srgbClr val="9E9E9E"/>
+                      </a:solidFill>
+                      <a:prstDash val="solid"/>
+                      <a:round/>
+                      <a:headEnd len="med" w="med" type="none"/>
+                      <a:tailEnd len="med" w="med" type="none"/>
+                    </a:lnT>
+                  </a:tcPr>
+                </a:tc>
+                <a:tc>
+                  <a:txBody>
+                    <a:bodyPr>
+                      <a:noAutofit/>
+                    </a:bodyPr>
+                    <a:lstStyle/>
+                    <a:p>
+                      <a:pPr indent="0" lvl="0" marL="0" rtl="0">
+                        <a:spcBef>
+                          <a:spcPts val="0"/>
+                        </a:spcBef>
+                        <a:spcAft>
+                          <a:spcPts val="0"/>
+                        </a:spcAft>
+                        <a:buNone/>
+                      </a:pPr>
+                      <a:r>
+                        <a:rPr lang="en">
+                          <a:solidFill>
+                            <a:schemeClr val="lt1"/>
+                          </a:solidFill>
+                        </a:rPr>
+                        <a:t>Bad</a:t>
+                      </a:r>
+                      <a:endParaRPr/>
+                    </a:p>
+                  </a:txBody>
+                  <a:tcPr marT="91425" marB="91425" marR="91425" marL="91425"/>
+                </a:tc>
+              </a:tr>
+            </a:tbl>
+          </a:graphicData>
+        </a:graphic>
+      </p:graphicFrame>
+    </p:spTree>
+  </p:cSld>
+  <p:clrMapOvr>
+    <a:masterClrMapping/>
+  </p:clrMapOvr>
+</p:sld>
+</file>
+
+<file path=ppt/slides/slide12.xml><?xml version="1.0" encoding="utf-8"?>
+<p:sld xmlns:a="http://schemas.openxmlformats.org/drawingml/2006/main" xmlns:r="http://schemas.openxmlformats.org/officeDocument/2006/relationships" xmlns:mc="http://schemas.openxmlformats.org/markup-compatibility/2006" xmlns:mv="urn:schemas-microsoft-com:mac:vml" xmlns:p="http://schemas.openxmlformats.org/presentationml/2006/main" xmlns:c="http://schemas.openxmlformats.org/drawingml/2006/chart" xmlns:dgm="http://schemas.openxmlformats.org/drawingml/2006/diagram" xmlns:o="urn:schemas-microsoft-com:office:office" xmlns:v="urn:schemas-microsoft-com:vml" xmlns:pvml="urn:schemas-microsoft-com:office:powerpoint" xmlns:com="http://schemas.openxmlformats.org/drawingml/2006/compatibility" xmlns:p14="http://schemas.microsoft.com/office/powerpoint/2010/main" xmlns:p15="http://schemas.microsoft.com/office/powerpoint/2012/main">
+  <p:cSld>
+    <p:spTree>
+      <p:nvGrpSpPr>
+        <p:cNvPr id="200" name="Shape 200"/>
+        <p:cNvGrpSpPr/>
+        <p:nvPr/>
+      </p:nvGrpSpPr>
+      <p:grpSpPr>
+        <a:xfrm>
+          <a:off x="0" y="0"/>
+          <a:ext cx="0" cy="0"/>
+          <a:chOff x="0" y="0"/>
+          <a:chExt cx="0" cy="0"/>
+        </a:xfrm>
+      </p:grpSpPr>
+      <p:sp>
+        <p:nvSpPr>
+          <p:cNvPr id="201" name="Shape 201"/>
           <p:cNvSpPr txBox="1"/>
           <p:nvPr>
             <p:ph idx="4294967295" type="title"/>
@@ -9830,7 +12816,7 @@
       </p:sp>
       <p:sp>
         <p:nvSpPr>
-          <p:cNvPr id="192" name="Shape 192"/>
+          <p:cNvPr id="202" name="Shape 202"/>
           <p:cNvSpPr txBox="1"/>
           <p:nvPr/>
         </p:nvSpPr>
@@ -9875,7 +12861,7 @@
       </p:sp>
       <p:sp>
         <p:nvSpPr>
-          <p:cNvPr id="193" name="Shape 193"/>
+          <p:cNvPr id="203" name="Shape 203"/>
           <p:cNvSpPr/>
           <p:nvPr/>
         </p:nvSpPr>
@@ -9927,7 +12913,7 @@
       </p:sp>
       <p:sp>
         <p:nvSpPr>
-          <p:cNvPr id="194" name="Shape 194"/>
+          <p:cNvPr id="204" name="Shape 204"/>
           <p:cNvSpPr txBox="1"/>
           <p:nvPr/>
         </p:nvSpPr>
@@ -10092,7 +13078,7 @@
       </p:sp>
       <p:graphicFrame>
         <p:nvGraphicFramePr>
-          <p:cNvPr id="195" name="Shape 195"/>
+          <p:cNvPr id="205" name="Shape 205"/>
           <p:cNvGraphicFramePr/>
           <p:nvPr/>
         </p:nvGraphicFramePr>
@@ -10105,7 +13091,7 @@
             <a:tbl>
               <a:tblPr>
                 <a:noFill/>
-                <a:tableStyleId>{4E071D9C-F554-45F6-A910-44A0CE2D75A9}</a:tableStyleId>
+                <a:tableStyleId>{AD70B4E9-200C-4B33-BBCF-254A044C7395}</a:tableStyleId>
               </a:tblPr>
               <a:tblGrid>
                 <a:gridCol w="1375400"/>
@@ -11266,12 +14252,12 @@
 </p:sld>
 </file>
 
-<file path=ppt/slides/slide11.xml><?xml version="1.0" encoding="utf-8"?>
+<file path=ppt/slides/slide13.xml><?xml version="1.0" encoding="utf-8"?>
 <p:sld xmlns:a="http://schemas.openxmlformats.org/drawingml/2006/main" xmlns:r="http://schemas.openxmlformats.org/officeDocument/2006/relationships" xmlns:mc="http://schemas.openxmlformats.org/markup-compatibility/2006" xmlns:mv="urn:schemas-microsoft-com:mac:vml" xmlns:p="http://schemas.openxmlformats.org/presentationml/2006/main" xmlns:c="http://schemas.openxmlformats.org/drawingml/2006/chart" xmlns:dgm="http://schemas.openxmlformats.org/drawingml/2006/diagram" xmlns:o="urn:schemas-microsoft-com:office:office" xmlns:v="urn:schemas-microsoft-com:vml" xmlns:pvml="urn:schemas-microsoft-com:office:powerpoint" xmlns:com="http://schemas.openxmlformats.org/drawingml/2006/compatibility" xmlns:p14="http://schemas.microsoft.com/office/powerpoint/2010/main" xmlns:p15="http://schemas.microsoft.com/office/powerpoint/2012/main">
   <p:cSld>
     <p:spTree>
       <p:nvGrpSpPr>
-        <p:cNvPr id="199" name="Shape 199"/>
+        <p:cNvPr id="209" name="Shape 209"/>
         <p:cNvGrpSpPr/>
         <p:nvPr/>
       </p:nvGrpSpPr>
@@ -11285,7 +14271,7 @@
       </p:grpSpPr>
       <p:sp>
         <p:nvSpPr>
-          <p:cNvPr id="200" name="Shape 200"/>
+          <p:cNvPr id="210" name="Shape 210"/>
           <p:cNvSpPr txBox="1"/>
           <p:nvPr>
             <p:ph idx="4294967295" type="title"/>
@@ -11353,7 +14339,7 @@
       </p:sp>
       <p:sp>
         <p:nvSpPr>
-          <p:cNvPr id="201" name="Shape 201"/>
+          <p:cNvPr id="211" name="Shape 211"/>
           <p:cNvSpPr txBox="1"/>
           <p:nvPr/>
         </p:nvSpPr>
@@ -11398,7 +14384,7 @@
       </p:sp>
       <p:sp>
         <p:nvSpPr>
-          <p:cNvPr id="202" name="Shape 202"/>
+          <p:cNvPr id="212" name="Shape 212"/>
           <p:cNvSpPr/>
           <p:nvPr/>
         </p:nvSpPr>
@@ -11450,7 +14436,7 @@
       </p:sp>
       <p:sp>
         <p:nvSpPr>
-          <p:cNvPr id="203" name="Shape 203"/>
+          <p:cNvPr id="213" name="Shape 213"/>
           <p:cNvSpPr txBox="1"/>
           <p:nvPr/>
         </p:nvSpPr>
@@ -11546,7 +14532,7 @@
       </p:sp>
       <p:graphicFrame>
         <p:nvGraphicFramePr>
-          <p:cNvPr id="204" name="Shape 204"/>
+          <p:cNvPr id="214" name="Shape 214"/>
           <p:cNvGraphicFramePr/>
           <p:nvPr/>
         </p:nvGraphicFramePr>
@@ -11559,7 +14545,7 @@
             <a:tbl>
               <a:tblPr>
                 <a:noFill/>
-                <a:tableStyleId>{4E071D9C-F554-45F6-A910-44A0CE2D75A9}</a:tableStyleId>
+                <a:tableStyleId>{AD70B4E9-200C-4B33-BBCF-254A044C7395}</a:tableStyleId>
               </a:tblPr>
               <a:tblGrid>
                 <a:gridCol w="1375400"/>
@@ -12709,12 +15695,12 @@
 </p:sld>
 </file>
 
-<file path=ppt/slides/slide12.xml><?xml version="1.0" encoding="utf-8"?>
+<file path=ppt/slides/slide14.xml><?xml version="1.0" encoding="utf-8"?>
 <p:sld xmlns:a="http://schemas.openxmlformats.org/drawingml/2006/main" xmlns:r="http://schemas.openxmlformats.org/officeDocument/2006/relationships" xmlns:mc="http://schemas.openxmlformats.org/markup-compatibility/2006" xmlns:mv="urn:schemas-microsoft-com:mac:vml" xmlns:p="http://schemas.openxmlformats.org/presentationml/2006/main" xmlns:c="http://schemas.openxmlformats.org/drawingml/2006/chart" xmlns:dgm="http://schemas.openxmlformats.org/drawingml/2006/diagram" xmlns:o="urn:schemas-microsoft-com:office:office" xmlns:v="urn:schemas-microsoft-com:vml" xmlns:pvml="urn:schemas-microsoft-com:office:powerpoint" xmlns:com="http://schemas.openxmlformats.org/drawingml/2006/compatibility" xmlns:p14="http://schemas.microsoft.com/office/powerpoint/2010/main" xmlns:p15="http://schemas.microsoft.com/office/powerpoint/2012/main">
   <p:cSld>
     <p:spTree>
       <p:nvGrpSpPr>
-        <p:cNvPr id="208" name="Shape 208"/>
+        <p:cNvPr id="218" name="Shape 218"/>
         <p:cNvGrpSpPr/>
         <p:nvPr/>
       </p:nvGrpSpPr>
@@ -12728,7 +15714,7 @@
       </p:grpSpPr>
       <p:sp>
         <p:nvSpPr>
-          <p:cNvPr id="209" name="Shape 209"/>
+          <p:cNvPr id="219" name="Shape 219"/>
           <p:cNvSpPr txBox="1"/>
           <p:nvPr>
             <p:ph idx="4294967295" type="title"/>
@@ -12796,7 +15782,7 @@
       </p:sp>
       <p:sp>
         <p:nvSpPr>
-          <p:cNvPr id="210" name="Shape 210"/>
+          <p:cNvPr id="220" name="Shape 220"/>
           <p:cNvSpPr txBox="1"/>
           <p:nvPr/>
         </p:nvSpPr>
@@ -12841,7 +15827,7 @@
       </p:sp>
       <p:sp>
         <p:nvSpPr>
-          <p:cNvPr id="211" name="Shape 211"/>
+          <p:cNvPr id="221" name="Shape 221"/>
           <p:cNvSpPr/>
           <p:nvPr/>
         </p:nvSpPr>
@@ -12893,7 +15879,7 @@
       </p:sp>
       <p:sp>
         <p:nvSpPr>
-          <p:cNvPr id="212" name="Shape 212"/>
+          <p:cNvPr id="222" name="Shape 222"/>
           <p:cNvSpPr txBox="1"/>
           <p:nvPr/>
         </p:nvSpPr>
@@ -13024,7 +16010,7 @@
       </p:sp>
       <p:graphicFrame>
         <p:nvGraphicFramePr>
-          <p:cNvPr id="213" name="Shape 213"/>
+          <p:cNvPr id="223" name="Shape 223"/>
           <p:cNvGraphicFramePr/>
           <p:nvPr/>
         </p:nvGraphicFramePr>
@@ -13037,7 +16023,7 @@
             <a:tbl>
               <a:tblPr>
                 <a:noFill/>
-                <a:tableStyleId>{4E071D9C-F554-45F6-A910-44A0CE2D75A9}</a:tableStyleId>
+                <a:tableStyleId>{AD70B4E9-200C-4B33-BBCF-254A044C7395}</a:tableStyleId>
               </a:tblPr>
               <a:tblGrid>
                 <a:gridCol w="1375400"/>
@@ -14628,12 +17614,12 @@
 </p:sld>
 </file>
 
-<file path=ppt/slides/slide13.xml><?xml version="1.0" encoding="utf-8"?>
+<file path=ppt/slides/slide15.xml><?xml version="1.0" encoding="utf-8"?>
 <p:sld xmlns:a="http://schemas.openxmlformats.org/drawingml/2006/main" xmlns:r="http://schemas.openxmlformats.org/officeDocument/2006/relationships" xmlns:mc="http://schemas.openxmlformats.org/markup-compatibility/2006" xmlns:mv="urn:schemas-microsoft-com:mac:vml" xmlns:p="http://schemas.openxmlformats.org/presentationml/2006/main" xmlns:c="http://schemas.openxmlformats.org/drawingml/2006/chart" xmlns:dgm="http://schemas.openxmlformats.org/drawingml/2006/diagram" xmlns:o="urn:schemas-microsoft-com:office:office" xmlns:v="urn:schemas-microsoft-com:vml" xmlns:pvml="urn:schemas-microsoft-com:office:powerpoint" xmlns:com="http://schemas.openxmlformats.org/drawingml/2006/compatibility" xmlns:p14="http://schemas.microsoft.com/office/powerpoint/2010/main" xmlns:p15="http://schemas.microsoft.com/office/powerpoint/2012/main">
   <p:cSld>
     <p:spTree>
       <p:nvGrpSpPr>
-        <p:cNvPr id="217" name="Shape 217"/>
+        <p:cNvPr id="227" name="Shape 227"/>
         <p:cNvGrpSpPr/>
         <p:nvPr/>
       </p:nvGrpSpPr>
@@ -14647,7 +17633,7 @@
       </p:grpSpPr>
       <p:sp>
         <p:nvSpPr>
-          <p:cNvPr id="218" name="Shape 218"/>
+          <p:cNvPr id="228" name="Shape 228"/>
           <p:cNvSpPr txBox="1"/>
           <p:nvPr>
             <p:ph idx="4294967295" type="title"/>
@@ -14715,7 +17701,7 @@
       </p:sp>
       <p:sp>
         <p:nvSpPr>
-          <p:cNvPr id="219" name="Shape 219"/>
+          <p:cNvPr id="229" name="Shape 229"/>
           <p:cNvSpPr txBox="1"/>
           <p:nvPr/>
         </p:nvSpPr>
@@ -14760,7 +17746,7 @@
       </p:sp>
       <p:sp>
         <p:nvSpPr>
-          <p:cNvPr id="220" name="Shape 220"/>
+          <p:cNvPr id="230" name="Shape 230"/>
           <p:cNvSpPr/>
           <p:nvPr/>
         </p:nvSpPr>
@@ -14812,7 +17798,7 @@
       </p:sp>
       <p:sp>
         <p:nvSpPr>
-          <p:cNvPr id="221" name="Shape 221"/>
+          <p:cNvPr id="231" name="Shape 231"/>
           <p:cNvSpPr txBox="1"/>
           <p:nvPr/>
         </p:nvSpPr>
@@ -14934,7 +17920,7 @@
       </p:sp>
       <p:graphicFrame>
         <p:nvGraphicFramePr>
-          <p:cNvPr id="222" name="Shape 222"/>
+          <p:cNvPr id="232" name="Shape 232"/>
           <p:cNvGraphicFramePr/>
           <p:nvPr/>
         </p:nvGraphicFramePr>
@@ -14947,7 +17933,7 @@
             <a:tbl>
               <a:tblPr>
                 <a:noFill/>
-                <a:tableStyleId>{4E071D9C-F554-45F6-A910-44A0CE2D75A9}</a:tableStyleId>
+                <a:tableStyleId>{AD70B4E9-200C-4B33-BBCF-254A044C7395}</a:tableStyleId>
               </a:tblPr>
               <a:tblGrid>
                 <a:gridCol w="1375400"/>
@@ -16519,12 +19505,12 @@
 </p:sld>
 </file>
 
-<file path=ppt/slides/slide14.xml><?xml version="1.0" encoding="utf-8"?>
+<file path=ppt/slides/slide16.xml><?xml version="1.0" encoding="utf-8"?>
 <p:sld xmlns:a="http://schemas.openxmlformats.org/drawingml/2006/main" xmlns:r="http://schemas.openxmlformats.org/officeDocument/2006/relationships" xmlns:mc="http://schemas.openxmlformats.org/markup-compatibility/2006" xmlns:mv="urn:schemas-microsoft-com:mac:vml" xmlns:p="http://schemas.openxmlformats.org/presentationml/2006/main" xmlns:c="http://schemas.openxmlformats.org/drawingml/2006/chart" xmlns:dgm="http://schemas.openxmlformats.org/drawingml/2006/diagram" xmlns:o="urn:schemas-microsoft-com:office:office" xmlns:v="urn:schemas-microsoft-com:vml" xmlns:pvml="urn:schemas-microsoft-com:office:powerpoint" xmlns:com="http://schemas.openxmlformats.org/drawingml/2006/compatibility" xmlns:p14="http://schemas.microsoft.com/office/powerpoint/2010/main" xmlns:p15="http://schemas.microsoft.com/office/powerpoint/2012/main">
   <p:cSld>
     <p:spTree>
       <p:nvGrpSpPr>
-        <p:cNvPr id="226" name="Shape 226"/>
+        <p:cNvPr id="236" name="Shape 236"/>
         <p:cNvGrpSpPr/>
         <p:nvPr/>
       </p:nvGrpSpPr>
@@ -16538,7 +19524,7 @@
       </p:grpSpPr>
       <p:sp>
         <p:nvSpPr>
-          <p:cNvPr id="227" name="Shape 227"/>
+          <p:cNvPr id="237" name="Shape 237"/>
           <p:cNvSpPr txBox="1"/>
           <p:nvPr>
             <p:ph idx="4294967295" type="title"/>
@@ -16586,7 +19572,7 @@
       </p:sp>
       <p:sp>
         <p:nvSpPr>
-          <p:cNvPr id="228" name="Shape 228"/>
+          <p:cNvPr id="238" name="Shape 238"/>
           <p:cNvSpPr txBox="1"/>
           <p:nvPr/>
         </p:nvSpPr>
@@ -16805,12 +19791,12 @@
 </p:sld>
 </file>
 
-<file path=ppt/slides/slide15.xml><?xml version="1.0" encoding="utf-8"?>
+<file path=ppt/slides/slide17.xml><?xml version="1.0" encoding="utf-8"?>
 <p:sld xmlns:a="http://schemas.openxmlformats.org/drawingml/2006/main" xmlns:r="http://schemas.openxmlformats.org/officeDocument/2006/relationships" xmlns:mc="http://schemas.openxmlformats.org/markup-compatibility/2006" xmlns:mv="urn:schemas-microsoft-com:mac:vml" xmlns:p="http://schemas.openxmlformats.org/presentationml/2006/main" xmlns:c="http://schemas.openxmlformats.org/drawingml/2006/chart" xmlns:dgm="http://schemas.openxmlformats.org/drawingml/2006/diagram" xmlns:o="urn:schemas-microsoft-com:office:office" xmlns:v="urn:schemas-microsoft-com:vml" xmlns:pvml="urn:schemas-microsoft-com:office:powerpoint" xmlns:com="http://schemas.openxmlformats.org/drawingml/2006/compatibility" xmlns:p14="http://schemas.microsoft.com/office/powerpoint/2010/main" xmlns:p15="http://schemas.microsoft.com/office/powerpoint/2012/main">
   <p:cSld>
     <p:spTree>
       <p:nvGrpSpPr>
-        <p:cNvPr id="232" name="Shape 232"/>
+        <p:cNvPr id="242" name="Shape 242"/>
         <p:cNvGrpSpPr/>
         <p:nvPr/>
       </p:nvGrpSpPr>
@@ -16824,7 +19810,7 @@
       </p:grpSpPr>
       <p:sp>
         <p:nvSpPr>
-          <p:cNvPr id="233" name="Shape 233"/>
+          <p:cNvPr id="243" name="Shape 243"/>
           <p:cNvSpPr txBox="1"/>
           <p:nvPr>
             <p:ph idx="4294967295" type="title"/>
@@ -16884,7 +19870,7 @@
       </p:sp>
       <p:sp>
         <p:nvSpPr>
-          <p:cNvPr id="234" name="Shape 234"/>
+          <p:cNvPr id="244" name="Shape 244"/>
           <p:cNvSpPr txBox="1"/>
           <p:nvPr/>
         </p:nvSpPr>
@@ -17168,12 +20154,12 @@
 </p:sld>
 </file>
 
-<file path=ppt/slides/slide16.xml><?xml version="1.0" encoding="utf-8"?>
+<file path=ppt/slides/slide18.xml><?xml version="1.0" encoding="utf-8"?>
 <p:sld xmlns:a="http://schemas.openxmlformats.org/drawingml/2006/main" xmlns:r="http://schemas.openxmlformats.org/officeDocument/2006/relationships" xmlns:mc="http://schemas.openxmlformats.org/markup-compatibility/2006" xmlns:mv="urn:schemas-microsoft-com:mac:vml" xmlns:p="http://schemas.openxmlformats.org/presentationml/2006/main" xmlns:c="http://schemas.openxmlformats.org/drawingml/2006/chart" xmlns:dgm="http://schemas.openxmlformats.org/drawingml/2006/diagram" xmlns:o="urn:schemas-microsoft-com:office:office" xmlns:v="urn:schemas-microsoft-com:vml" xmlns:pvml="urn:schemas-microsoft-com:office:powerpoint" xmlns:com="http://schemas.openxmlformats.org/drawingml/2006/compatibility" xmlns:p14="http://schemas.microsoft.com/office/powerpoint/2010/main" xmlns:p15="http://schemas.microsoft.com/office/powerpoint/2012/main">
   <p:cSld>
     <p:spTree>
       <p:nvGrpSpPr>
-        <p:cNvPr id="238" name="Shape 238"/>
+        <p:cNvPr id="248" name="Shape 248"/>
         <p:cNvGrpSpPr/>
         <p:nvPr/>
       </p:nvGrpSpPr>
@@ -17187,7 +20173,7 @@
       </p:grpSpPr>
       <p:sp>
         <p:nvSpPr>
-          <p:cNvPr id="239" name="Shape 239"/>
+          <p:cNvPr id="249" name="Shape 249"/>
           <p:cNvSpPr txBox="1"/>
           <p:nvPr>
             <p:ph idx="4294967295" type="title"/>
@@ -17195,7 +20181,7 @@
         </p:nvSpPr>
         <p:spPr>
           <a:xfrm>
-            <a:off x="535775" y="2187750"/>
+            <a:off x="509550" y="480150"/>
             <a:ext cx="8124900" cy="768000"/>
           </a:xfrm>
           <a:prstGeom prst="rect">
@@ -17213,7 +20199,7 @@
                 <a:spcPts val="0"/>
               </a:spcBef>
               <a:spcAft>
-                <a:spcPts val="1600"/>
+                <a:spcPts val="0"/>
               </a:spcAft>
               <a:buNone/>
             </a:pPr>
@@ -17227,9 +20213,196 @@
                 <a:cs typeface="Arial"/>
                 <a:sym typeface="Arial"/>
               </a:rPr>
-              <a:t>Compare/Contrast Decision Trees and WMA</a:t>
+              <a:t>What are the differences between WMA and Decision Trees?  </a:t>
             </a:r>
-            <a:endParaRPr sz="2400"/>
+            <a:endParaRPr sz="2700">
+              <a:solidFill>
+                <a:srgbClr val="FFFFFF"/>
+              </a:solidFill>
+              <a:latin typeface="Arial"/>
+              <a:ea typeface="Arial"/>
+              <a:cs typeface="Arial"/>
+              <a:sym typeface="Arial"/>
+            </a:endParaRPr>
+          </a:p>
+          <a:p>
+            <a:pPr indent="0" lvl="0" marL="0" rtl="0">
+              <a:spcBef>
+                <a:spcPts val="1600"/>
+              </a:spcBef>
+              <a:spcAft>
+                <a:spcPts val="0"/>
+              </a:spcAft>
+              <a:buNone/>
+            </a:pPr>
+            <a:r>
+              <a:t/>
+            </a:r>
+            <a:endParaRPr sz="2700">
+              <a:solidFill>
+                <a:srgbClr val="FFFFFF"/>
+              </a:solidFill>
+              <a:latin typeface="Arial"/>
+              <a:ea typeface="Arial"/>
+              <a:cs typeface="Arial"/>
+              <a:sym typeface="Arial"/>
+            </a:endParaRPr>
+          </a:p>
+          <a:p>
+            <a:pPr indent="0" lvl="0" marL="0" rtl="0">
+              <a:spcBef>
+                <a:spcPts val="1600"/>
+              </a:spcBef>
+              <a:spcAft>
+                <a:spcPts val="0"/>
+              </a:spcAft>
+              <a:buNone/>
+            </a:pPr>
+            <a:r>
+              <a:rPr lang="en" sz="2700">
+                <a:solidFill>
+                  <a:srgbClr val="FFFFFF"/>
+                </a:solidFill>
+                <a:latin typeface="Arial"/>
+                <a:ea typeface="Arial"/>
+                <a:cs typeface="Arial"/>
+                <a:sym typeface="Arial"/>
+              </a:rPr>
+              <a:t>Does WMA have a training phase?</a:t>
+            </a:r>
+            <a:endParaRPr sz="2700">
+              <a:solidFill>
+                <a:srgbClr val="FFFFFF"/>
+              </a:solidFill>
+              <a:latin typeface="Arial"/>
+              <a:ea typeface="Arial"/>
+              <a:cs typeface="Arial"/>
+              <a:sym typeface="Arial"/>
+            </a:endParaRPr>
+          </a:p>
+          <a:p>
+            <a:pPr indent="0" lvl="0" marL="0" rtl="0">
+              <a:spcBef>
+                <a:spcPts val="1600"/>
+              </a:spcBef>
+              <a:spcAft>
+                <a:spcPts val="0"/>
+              </a:spcAft>
+              <a:buNone/>
+            </a:pPr>
+            <a:r>
+              <a:t/>
+            </a:r>
+            <a:endParaRPr sz="2700">
+              <a:solidFill>
+                <a:srgbClr val="FFFFFF"/>
+              </a:solidFill>
+              <a:latin typeface="Arial"/>
+              <a:ea typeface="Arial"/>
+              <a:cs typeface="Arial"/>
+              <a:sym typeface="Arial"/>
+            </a:endParaRPr>
+          </a:p>
+          <a:p>
+            <a:pPr indent="0" lvl="0" marL="0" rtl="0">
+              <a:spcBef>
+                <a:spcPts val="1600"/>
+              </a:spcBef>
+              <a:spcAft>
+                <a:spcPts val="0"/>
+              </a:spcAft>
+              <a:buNone/>
+            </a:pPr>
+            <a:r>
+              <a:rPr lang="en" sz="2700">
+                <a:solidFill>
+                  <a:srgbClr val="FFFFFF"/>
+                </a:solidFill>
+                <a:latin typeface="Arial"/>
+                <a:ea typeface="Arial"/>
+                <a:cs typeface="Arial"/>
+                <a:sym typeface="Arial"/>
+              </a:rPr>
+              <a:t>Does the order of the data in online learning matter in Weighted Majority?</a:t>
+            </a:r>
+            <a:endParaRPr sz="2700">
+              <a:solidFill>
+                <a:srgbClr val="FFFFFF"/>
+              </a:solidFill>
+              <a:latin typeface="Arial"/>
+              <a:ea typeface="Arial"/>
+              <a:cs typeface="Arial"/>
+              <a:sym typeface="Arial"/>
+            </a:endParaRPr>
+          </a:p>
+          <a:p>
+            <a:pPr indent="0" lvl="0" marL="0" rtl="0">
+              <a:spcBef>
+                <a:spcPts val="1600"/>
+              </a:spcBef>
+              <a:spcAft>
+                <a:spcPts val="0"/>
+              </a:spcAft>
+              <a:buNone/>
+            </a:pPr>
+            <a:r>
+              <a:t/>
+            </a:r>
+            <a:endParaRPr sz="2700">
+              <a:solidFill>
+                <a:srgbClr val="FFFFFF"/>
+              </a:solidFill>
+              <a:latin typeface="Arial"/>
+              <a:ea typeface="Arial"/>
+              <a:cs typeface="Arial"/>
+              <a:sym typeface="Arial"/>
+            </a:endParaRPr>
+          </a:p>
+          <a:p>
+            <a:pPr indent="0" lvl="0" marL="0" rtl="0">
+              <a:spcBef>
+                <a:spcPts val="1600"/>
+              </a:spcBef>
+              <a:spcAft>
+                <a:spcPts val="0"/>
+              </a:spcAft>
+              <a:buNone/>
+            </a:pPr>
+            <a:r>
+              <a:t/>
+            </a:r>
+            <a:endParaRPr sz="2700">
+              <a:solidFill>
+                <a:srgbClr val="FFFFFF"/>
+              </a:solidFill>
+              <a:latin typeface="Arial"/>
+              <a:ea typeface="Arial"/>
+              <a:cs typeface="Arial"/>
+              <a:sym typeface="Arial"/>
+            </a:endParaRPr>
+          </a:p>
+          <a:p>
+            <a:pPr indent="0" lvl="0" marL="0" rtl="0">
+              <a:spcBef>
+                <a:spcPts val="1600"/>
+              </a:spcBef>
+              <a:spcAft>
+                <a:spcPts val="1600"/>
+              </a:spcAft>
+              <a:buNone/>
+            </a:pPr>
+            <a:r>
+              <a:t/>
+            </a:r>
+            <a:endParaRPr sz="2700">
+              <a:solidFill>
+                <a:srgbClr val="FFFFFF"/>
+              </a:solidFill>
+              <a:latin typeface="Arial"/>
+              <a:ea typeface="Arial"/>
+              <a:cs typeface="Arial"/>
+              <a:sym typeface="Arial"/>
+            </a:endParaRPr>
           </a:p>
         </p:txBody>
       </p:sp>
@@ -17241,12 +20414,12 @@
 </p:sld>
 </file>
 
-<file path=ppt/slides/slide17.xml><?xml version="1.0" encoding="utf-8"?>
+<file path=ppt/slides/slide19.xml><?xml version="1.0" encoding="utf-8"?>
 <p:sld xmlns:a="http://schemas.openxmlformats.org/drawingml/2006/main" xmlns:r="http://schemas.openxmlformats.org/officeDocument/2006/relationships" xmlns:mc="http://schemas.openxmlformats.org/markup-compatibility/2006" xmlns:mv="urn:schemas-microsoft-com:mac:vml" xmlns:p="http://schemas.openxmlformats.org/presentationml/2006/main" xmlns:c="http://schemas.openxmlformats.org/drawingml/2006/chart" xmlns:dgm="http://schemas.openxmlformats.org/drawingml/2006/diagram" xmlns:o="urn:schemas-microsoft-com:office:office" xmlns:v="urn:schemas-microsoft-com:vml" xmlns:pvml="urn:schemas-microsoft-com:office:powerpoint" xmlns:com="http://schemas.openxmlformats.org/drawingml/2006/compatibility" xmlns:p14="http://schemas.microsoft.com/office/powerpoint/2010/main" xmlns:p15="http://schemas.microsoft.com/office/powerpoint/2012/main">
   <p:cSld>
     <p:spTree>
       <p:nvGrpSpPr>
-        <p:cNvPr id="243" name="Shape 243"/>
+        <p:cNvPr id="253" name="Shape 253"/>
         <p:cNvGrpSpPr/>
         <p:nvPr/>
       </p:nvGrpSpPr>
@@ -17260,7 +20433,7 @@
       </p:grpSpPr>
       <p:sp>
         <p:nvSpPr>
-          <p:cNvPr id="244" name="Shape 244"/>
+          <p:cNvPr id="254" name="Shape 254"/>
           <p:cNvSpPr txBox="1"/>
           <p:nvPr>
             <p:ph idx="4294967295" type="title"/>
@@ -17268,7 +20441,7 @@
         </p:nvSpPr>
         <p:spPr>
           <a:xfrm>
-            <a:off x="535775" y="2187750"/>
+            <a:off x="509550" y="1142500"/>
             <a:ext cx="8124900" cy="768000"/>
           </a:xfrm>
           <a:prstGeom prst="rect">
@@ -17286,7 +20459,7 @@
                 <a:spcPts val="0"/>
               </a:spcBef>
               <a:spcAft>
-                <a:spcPts val="1600"/>
+                <a:spcPts val="0"/>
               </a:spcAft>
               <a:buNone/>
             </a:pPr>
@@ -17300,8 +20473,51 @@
                 <a:cs typeface="Arial"/>
                 <a:sym typeface="Arial"/>
               </a:rPr>
-              <a:t>Pros/Cons of</a:t>
+              <a:t>What makes weighted majority a better algorithm than decision trees?  </a:t>
             </a:r>
+            <a:endParaRPr sz="2700">
+              <a:solidFill>
+                <a:srgbClr val="FFFFFF"/>
+              </a:solidFill>
+              <a:latin typeface="Arial"/>
+              <a:ea typeface="Arial"/>
+              <a:cs typeface="Arial"/>
+              <a:sym typeface="Arial"/>
+            </a:endParaRPr>
+          </a:p>
+          <a:p>
+            <a:pPr indent="0" lvl="0" marL="0" rtl="0">
+              <a:spcBef>
+                <a:spcPts val="1600"/>
+              </a:spcBef>
+              <a:spcAft>
+                <a:spcPts val="0"/>
+              </a:spcAft>
+              <a:buNone/>
+            </a:pPr>
+            <a:r>
+              <a:t/>
+            </a:r>
+            <a:endParaRPr sz="2700">
+              <a:solidFill>
+                <a:srgbClr val="FFFFFF"/>
+              </a:solidFill>
+              <a:latin typeface="Arial"/>
+              <a:ea typeface="Arial"/>
+              <a:cs typeface="Arial"/>
+              <a:sym typeface="Arial"/>
+            </a:endParaRPr>
+          </a:p>
+          <a:p>
+            <a:pPr indent="0" lvl="0" marL="0" rtl="0">
+              <a:spcBef>
+                <a:spcPts val="1600"/>
+              </a:spcBef>
+              <a:spcAft>
+                <a:spcPts val="1600"/>
+              </a:spcAft>
+              <a:buNone/>
+            </a:pPr>
             <a:r>
               <a:rPr lang="en" sz="2700">
                 <a:solidFill>
@@ -17312,9 +20528,17 @@
                 <a:cs typeface="Arial"/>
                 <a:sym typeface="Arial"/>
               </a:rPr>
-              <a:t> WMA</a:t>
+              <a:t>What makes it worse?</a:t>
             </a:r>
-            <a:endParaRPr sz="2400"/>
+            <a:endParaRPr sz="2700">
+              <a:solidFill>
+                <a:srgbClr val="FFFFFF"/>
+              </a:solidFill>
+              <a:latin typeface="Arial"/>
+              <a:ea typeface="Arial"/>
+              <a:cs typeface="Arial"/>
+              <a:sym typeface="Arial"/>
+            </a:endParaRPr>
           </a:p>
         </p:txBody>
       </p:sp>
@@ -17353,6 +20577,133 @@
         </p:nvSpPr>
         <p:spPr>
           <a:xfrm>
+            <a:off x="535775" y="2187750"/>
+            <a:ext cx="8124900" cy="768000"/>
+          </a:xfrm>
+          <a:prstGeom prst="rect">
+            <a:avLst/>
+          </a:prstGeom>
+        </p:spPr>
+        <p:txBody>
+          <a:bodyPr anchorCtr="0" anchor="t" bIns="91425" lIns="91425" spcFirstLastPara="1" rIns="91425" wrap="square" tIns="91425">
+            <a:noAutofit/>
+          </a:bodyPr>
+          <a:lstStyle/>
+          <a:p>
+            <a:pPr indent="0" lvl="0" marL="0" rtl="0">
+              <a:spcBef>
+                <a:spcPts val="0"/>
+              </a:spcBef>
+              <a:spcAft>
+                <a:spcPts val="1600"/>
+              </a:spcAft>
+              <a:buNone/>
+            </a:pPr>
+            <a:r>
+              <a:rPr lang="en" sz="2700">
+                <a:solidFill>
+                  <a:srgbClr val="FFFFFF"/>
+                </a:solidFill>
+                <a:latin typeface="Arial"/>
+                <a:ea typeface="Arial"/>
+                <a:cs typeface="Arial"/>
+                <a:sym typeface="Arial"/>
+              </a:rPr>
+              <a:t>Check up on last week’s homework</a:t>
+            </a:r>
+            <a:endParaRPr sz="2400"/>
+          </a:p>
+        </p:txBody>
+      </p:sp>
+    </p:spTree>
+  </p:cSld>
+  <p:clrMapOvr>
+    <a:masterClrMapping/>
+  </p:clrMapOvr>
+</p:sld>
+</file>
+
+<file path=ppt/slides/slide3.xml><?xml version="1.0" encoding="utf-8"?>
+<p:sld xmlns:a="http://schemas.openxmlformats.org/drawingml/2006/main" xmlns:r="http://schemas.openxmlformats.org/officeDocument/2006/relationships" xmlns:mc="http://schemas.openxmlformats.org/markup-compatibility/2006" xmlns:mv="urn:schemas-microsoft-com:mac:vml" xmlns:p="http://schemas.openxmlformats.org/presentationml/2006/main" xmlns:c="http://schemas.openxmlformats.org/drawingml/2006/chart" xmlns:dgm="http://schemas.openxmlformats.org/drawingml/2006/diagram" xmlns:o="urn:schemas-microsoft-com:office:office" xmlns:v="urn:schemas-microsoft-com:vml" xmlns:pvml="urn:schemas-microsoft-com:office:powerpoint" xmlns:com="http://schemas.openxmlformats.org/drawingml/2006/compatibility" xmlns:p14="http://schemas.microsoft.com/office/powerpoint/2010/main" xmlns:p15="http://schemas.microsoft.com/office/powerpoint/2012/main">
+  <p:cSld>
+    <p:spTree>
+      <p:nvGrpSpPr>
+        <p:cNvPr id="144" name="Shape 144"/>
+        <p:cNvGrpSpPr/>
+        <p:nvPr/>
+      </p:nvGrpSpPr>
+      <p:grpSpPr>
+        <a:xfrm>
+          <a:off x="0" y="0"/>
+          <a:ext cx="0" cy="0"/>
+          <a:chOff x="0" y="0"/>
+          <a:chExt cx="0" cy="0"/>
+        </a:xfrm>
+      </p:grpSpPr>
+      <p:sp>
+        <p:nvSpPr>
+          <p:cNvPr descr="Meet Connecterra, a start-up using machine learning to help dairy farmers keep their cows healthy and make their farms more efficient." id="145" name="Shape 145" title="Connecterra: Using AI to give nature a voice">
+            <a:hlinkClick r:id="rId3"/>
+          </p:cNvPr>
+          <p:cNvSpPr/>
+          <p:nvPr/>
+        </p:nvSpPr>
+        <p:spPr>
+          <a:xfrm>
+            <a:off x="1984200" y="959650"/>
+            <a:ext cx="4572000" cy="3429000"/>
+          </a:xfrm>
+          <a:prstGeom prst="rect">
+            <a:avLst/>
+          </a:prstGeom>
+          <a:blipFill>
+            <a:blip r:embed="rId4">
+              <a:alphaModFix/>
+            </a:blip>
+            <a:stretch>
+              <a:fillRect/>
+            </a:stretch>
+          </a:blipFill>
+          <a:ln>
+            <a:noFill/>
+          </a:ln>
+        </p:spPr>
+      </p:sp>
+    </p:spTree>
+  </p:cSld>
+  <p:clrMapOvr>
+    <a:masterClrMapping/>
+  </p:clrMapOvr>
+</p:sld>
+</file>
+
+<file path=ppt/slides/slide4.xml><?xml version="1.0" encoding="utf-8"?>
+<p:sld xmlns:a="http://schemas.openxmlformats.org/drawingml/2006/main" xmlns:r="http://schemas.openxmlformats.org/officeDocument/2006/relationships" xmlns:mc="http://schemas.openxmlformats.org/markup-compatibility/2006" xmlns:mv="urn:schemas-microsoft-com:mac:vml" xmlns:p="http://schemas.openxmlformats.org/presentationml/2006/main" xmlns:c="http://schemas.openxmlformats.org/drawingml/2006/chart" xmlns:dgm="http://schemas.openxmlformats.org/drawingml/2006/diagram" xmlns:o="urn:schemas-microsoft-com:office:office" xmlns:v="urn:schemas-microsoft-com:vml" xmlns:pvml="urn:schemas-microsoft-com:office:powerpoint" xmlns:com="http://schemas.openxmlformats.org/drawingml/2006/compatibility" xmlns:p14="http://schemas.microsoft.com/office/powerpoint/2010/main" xmlns:p15="http://schemas.microsoft.com/office/powerpoint/2012/main">
+  <p:cSld>
+    <p:spTree>
+      <p:nvGrpSpPr>
+        <p:cNvPr id="149" name="Shape 149"/>
+        <p:cNvGrpSpPr/>
+        <p:nvPr/>
+      </p:nvGrpSpPr>
+      <p:grpSpPr>
+        <a:xfrm>
+          <a:off x="0" y="0"/>
+          <a:ext cx="0" cy="0"/>
+          <a:chOff x="0" y="0"/>
+          <a:chExt cx="0" cy="0"/>
+        </a:xfrm>
+      </p:grpSpPr>
+      <p:sp>
+        <p:nvSpPr>
+          <p:cNvPr id="150" name="Shape 150"/>
+          <p:cNvSpPr txBox="1"/>
+          <p:nvPr>
+            <p:ph idx="4294967295" type="title"/>
+          </p:nvPr>
+        </p:nvSpPr>
+        <p:spPr>
+          <a:xfrm>
             <a:off x="535775" y="712150"/>
             <a:ext cx="5197200" cy="768000"/>
           </a:xfrm>
@@ -17389,7 +20740,7 @@
       </p:sp>
       <p:sp>
         <p:nvSpPr>
-          <p:cNvPr id="141" name="Shape 141"/>
+          <p:cNvPr id="151" name="Shape 151"/>
           <p:cNvSpPr txBox="1"/>
           <p:nvPr>
             <p:ph idx="4294967295" type="title"/>
@@ -17677,12 +21028,12 @@
 </p:sld>
 </file>
 
-<file path=ppt/slides/slide3.xml><?xml version="1.0" encoding="utf-8"?>
+<file path=ppt/slides/slide5.xml><?xml version="1.0" encoding="utf-8"?>
 <p:sld xmlns:a="http://schemas.openxmlformats.org/drawingml/2006/main" xmlns:r="http://schemas.openxmlformats.org/officeDocument/2006/relationships" xmlns:mc="http://schemas.openxmlformats.org/markup-compatibility/2006" xmlns:mv="urn:schemas-microsoft-com:mac:vml" xmlns:p="http://schemas.openxmlformats.org/presentationml/2006/main" xmlns:c="http://schemas.openxmlformats.org/drawingml/2006/chart" xmlns:dgm="http://schemas.openxmlformats.org/drawingml/2006/diagram" xmlns:o="urn:schemas-microsoft-com:office:office" xmlns:v="urn:schemas-microsoft-com:vml" xmlns:pvml="urn:schemas-microsoft-com:office:powerpoint" xmlns:com="http://schemas.openxmlformats.org/drawingml/2006/compatibility" xmlns:p14="http://schemas.microsoft.com/office/powerpoint/2010/main" xmlns:p15="http://schemas.microsoft.com/office/powerpoint/2012/main">
   <p:cSld>
     <p:spTree>
       <p:nvGrpSpPr>
-        <p:cNvPr id="145" name="Shape 145"/>
+        <p:cNvPr id="155" name="Shape 155"/>
         <p:cNvGrpSpPr/>
         <p:nvPr/>
       </p:nvGrpSpPr>
@@ -17696,7 +21047,7 @@
       </p:grpSpPr>
       <p:sp>
         <p:nvSpPr>
-          <p:cNvPr id="146" name="Shape 146"/>
+          <p:cNvPr id="156" name="Shape 156"/>
           <p:cNvSpPr txBox="1"/>
           <p:nvPr>
             <p:ph idx="4294967295" type="title"/>
@@ -17740,7 +21091,7 @@
       </p:sp>
       <p:sp>
         <p:nvSpPr>
-          <p:cNvPr id="147" name="Shape 147"/>
+          <p:cNvPr id="157" name="Shape 157"/>
           <p:cNvSpPr txBox="1"/>
           <p:nvPr>
             <p:ph idx="4294967295" type="title"/>
@@ -17954,12 +21305,12 @@
 </p:sld>
 </file>
 
-<file path=ppt/slides/slide4.xml><?xml version="1.0" encoding="utf-8"?>
+<file path=ppt/slides/slide6.xml><?xml version="1.0" encoding="utf-8"?>
 <p:sld xmlns:a="http://schemas.openxmlformats.org/drawingml/2006/main" xmlns:r="http://schemas.openxmlformats.org/officeDocument/2006/relationships" xmlns:mc="http://schemas.openxmlformats.org/markup-compatibility/2006" xmlns:mv="urn:schemas-microsoft-com:mac:vml" xmlns:p="http://schemas.openxmlformats.org/presentationml/2006/main" xmlns:c="http://schemas.openxmlformats.org/drawingml/2006/chart" xmlns:dgm="http://schemas.openxmlformats.org/drawingml/2006/diagram" xmlns:o="urn:schemas-microsoft-com:office:office" xmlns:v="urn:schemas-microsoft-com:vml" xmlns:pvml="urn:schemas-microsoft-com:office:powerpoint" xmlns:com="http://schemas.openxmlformats.org/drawingml/2006/compatibility" xmlns:p14="http://schemas.microsoft.com/office/powerpoint/2010/main" xmlns:p15="http://schemas.microsoft.com/office/powerpoint/2012/main">
   <p:cSld>
     <p:spTree>
       <p:nvGrpSpPr>
-        <p:cNvPr id="151" name="Shape 151"/>
+        <p:cNvPr id="161" name="Shape 161"/>
         <p:cNvGrpSpPr/>
         <p:nvPr/>
       </p:nvGrpSpPr>
@@ -17973,7 +21324,7 @@
       </p:grpSpPr>
       <p:sp>
         <p:nvSpPr>
-          <p:cNvPr id="152" name="Shape 152"/>
+          <p:cNvPr id="162" name="Shape 162"/>
           <p:cNvSpPr txBox="1"/>
           <p:nvPr>
             <p:ph idx="4294967295" type="title"/>
@@ -18017,7 +21368,7 @@
       </p:sp>
       <p:sp>
         <p:nvSpPr>
-          <p:cNvPr id="153" name="Shape 153"/>
+          <p:cNvPr id="163" name="Shape 163"/>
           <p:cNvSpPr txBox="1"/>
           <p:nvPr>
             <p:ph idx="4294967295" type="title"/>
@@ -18175,12 +21526,12 @@
 </p:sld>
 </file>
 
-<file path=ppt/slides/slide5.xml><?xml version="1.0" encoding="utf-8"?>
+<file path=ppt/slides/slide7.xml><?xml version="1.0" encoding="utf-8"?>
 <p:sld xmlns:a="http://schemas.openxmlformats.org/drawingml/2006/main" xmlns:r="http://schemas.openxmlformats.org/officeDocument/2006/relationships" xmlns:mc="http://schemas.openxmlformats.org/markup-compatibility/2006" xmlns:mv="urn:schemas-microsoft-com:mac:vml" xmlns:p="http://schemas.openxmlformats.org/presentationml/2006/main" xmlns:c="http://schemas.openxmlformats.org/drawingml/2006/chart" xmlns:dgm="http://schemas.openxmlformats.org/drawingml/2006/diagram" xmlns:o="urn:schemas-microsoft-com:office:office" xmlns:v="urn:schemas-microsoft-com:vml" xmlns:pvml="urn:schemas-microsoft-com:office:powerpoint" xmlns:com="http://schemas.openxmlformats.org/drawingml/2006/compatibility" xmlns:p14="http://schemas.microsoft.com/office/powerpoint/2010/main" xmlns:p15="http://schemas.microsoft.com/office/powerpoint/2012/main">
   <p:cSld>
     <p:spTree>
       <p:nvGrpSpPr>
-        <p:cNvPr id="157" name="Shape 157"/>
+        <p:cNvPr id="167" name="Shape 167"/>
         <p:cNvGrpSpPr/>
         <p:nvPr/>
       </p:nvGrpSpPr>
@@ -18194,7 +21545,7 @@
       </p:grpSpPr>
       <p:graphicFrame>
         <p:nvGraphicFramePr>
-          <p:cNvPr id="158" name="Shape 158"/>
+          <p:cNvPr id="168" name="Shape 168"/>
           <p:cNvGraphicFramePr/>
           <p:nvPr/>
         </p:nvGraphicFramePr>
@@ -18207,7 +21558,7 @@
             <a:tbl>
               <a:tblPr>
                 <a:noFill/>
-                <a:tableStyleId>{4E071D9C-F554-45F6-A910-44A0CE2D75A9}</a:tableStyleId>
+                <a:tableStyleId>{AD70B4E9-200C-4B33-BBCF-254A044C7395}</a:tableStyleId>
               </a:tblPr>
               <a:tblGrid>
                 <a:gridCol w="1293500"/>
@@ -19863,7 +23214,7 @@
       </p:graphicFrame>
       <p:sp>
         <p:nvSpPr>
-          <p:cNvPr id="159" name="Shape 159"/>
+          <p:cNvPr id="169" name="Shape 169"/>
           <p:cNvSpPr txBox="1"/>
           <p:nvPr/>
         </p:nvSpPr>
@@ -19925,12 +23276,12 @@
 </p:sld>
 </file>
 
-<file path=ppt/slides/slide6.xml><?xml version="1.0" encoding="utf-8"?>
+<file path=ppt/slides/slide8.xml><?xml version="1.0" encoding="utf-8"?>
 <p:sld xmlns:a="http://schemas.openxmlformats.org/drawingml/2006/main" xmlns:r="http://schemas.openxmlformats.org/officeDocument/2006/relationships" xmlns:mc="http://schemas.openxmlformats.org/markup-compatibility/2006" xmlns:mv="urn:schemas-microsoft-com:mac:vml" xmlns:p="http://schemas.openxmlformats.org/presentationml/2006/main" xmlns:c="http://schemas.openxmlformats.org/drawingml/2006/chart" xmlns:dgm="http://schemas.openxmlformats.org/drawingml/2006/diagram" xmlns:o="urn:schemas-microsoft-com:office:office" xmlns:v="urn:schemas-microsoft-com:vml" xmlns:pvml="urn:schemas-microsoft-com:office:powerpoint" xmlns:com="http://schemas.openxmlformats.org/drawingml/2006/compatibility" xmlns:p14="http://schemas.microsoft.com/office/powerpoint/2010/main" xmlns:p15="http://schemas.microsoft.com/office/powerpoint/2012/main">
   <p:cSld>
     <p:spTree>
       <p:nvGrpSpPr>
-        <p:cNvPr id="163" name="Shape 163"/>
+        <p:cNvPr id="173" name="Shape 173"/>
         <p:cNvGrpSpPr/>
         <p:nvPr/>
       </p:nvGrpSpPr>
@@ -19944,7 +23295,7 @@
       </p:grpSpPr>
       <p:sp>
         <p:nvSpPr>
-          <p:cNvPr id="164" name="Shape 164"/>
+          <p:cNvPr id="174" name="Shape 174"/>
           <p:cNvSpPr txBox="1"/>
           <p:nvPr>
             <p:ph idx="4294967295" type="title"/>
@@ -19988,7 +23339,7 @@
       </p:sp>
       <p:sp>
         <p:nvSpPr>
-          <p:cNvPr id="165" name="Shape 165"/>
+          <p:cNvPr id="175" name="Shape 175"/>
           <p:cNvSpPr txBox="1"/>
           <p:nvPr>
             <p:ph idx="4294967295" type="title"/>
@@ -20192,12 +23543,12 @@
 </p:sld>
 </file>
 
-<file path=ppt/slides/slide7.xml><?xml version="1.0" encoding="utf-8"?>
+<file path=ppt/slides/slide9.xml><?xml version="1.0" encoding="utf-8"?>
 <p:sld xmlns:a="http://schemas.openxmlformats.org/drawingml/2006/main" xmlns:r="http://schemas.openxmlformats.org/officeDocument/2006/relationships" xmlns:mc="http://schemas.openxmlformats.org/markup-compatibility/2006" xmlns:mv="urn:schemas-microsoft-com:mac:vml" xmlns:p="http://schemas.openxmlformats.org/presentationml/2006/main" xmlns:c="http://schemas.openxmlformats.org/drawingml/2006/chart" xmlns:dgm="http://schemas.openxmlformats.org/drawingml/2006/diagram" xmlns:o="urn:schemas-microsoft-com:office:office" xmlns:v="urn:schemas-microsoft-com:vml" xmlns:pvml="urn:schemas-microsoft-com:office:powerpoint" xmlns:com="http://schemas.openxmlformats.org/drawingml/2006/compatibility" xmlns:p14="http://schemas.microsoft.com/office/powerpoint/2010/main" xmlns:p15="http://schemas.microsoft.com/office/powerpoint/2012/main">
   <p:cSld>
     <p:spTree>
       <p:nvGrpSpPr>
-        <p:cNvPr id="169" name="Shape 169"/>
+        <p:cNvPr id="179" name="Shape 179"/>
         <p:cNvGrpSpPr/>
         <p:nvPr/>
       </p:nvGrpSpPr>
@@ -20211,7 +23562,7 @@
       </p:grpSpPr>
       <p:sp>
         <p:nvSpPr>
-          <p:cNvPr id="170" name="Shape 170"/>
+          <p:cNvPr id="180" name="Shape 180"/>
           <p:cNvSpPr txBox="1"/>
           <p:nvPr>
             <p:ph idx="4294967295" type="title"/>
@@ -20271,7 +23622,7 @@
       </p:sp>
       <p:graphicFrame>
         <p:nvGraphicFramePr>
-          <p:cNvPr id="171" name="Shape 171"/>
+          <p:cNvPr id="181" name="Shape 181"/>
           <p:cNvGraphicFramePr/>
           <p:nvPr/>
         </p:nvGraphicFramePr>
@@ -20284,7 +23635,7 @@
             <a:tbl>
               <a:tblPr>
                 <a:noFill/>
-                <a:tableStyleId>{4E071D9C-F554-45F6-A910-44A0CE2D75A9}</a:tableStyleId>
+                <a:tableStyleId>{AD70B4E9-200C-4B33-BBCF-254A044C7395}</a:tableStyleId>
               </a:tblPr>
               <a:tblGrid>
                 <a:gridCol w="1375400"/>
@@ -20855,7 +24206,7 @@
       </p:graphicFrame>
       <p:sp>
         <p:nvSpPr>
-          <p:cNvPr id="172" name="Shape 172"/>
+          <p:cNvPr id="182" name="Shape 182"/>
           <p:cNvSpPr txBox="1"/>
           <p:nvPr>
             <p:ph idx="4294967295" type="title"/>
@@ -21004,1466 +24355,286 @@
 </p:sld>
 </file>
 
-<file path=ppt/slides/slide8.xml><?xml version="1.0" encoding="utf-8"?>
-<p:sld xmlns:a="http://schemas.openxmlformats.org/drawingml/2006/main" xmlns:r="http://schemas.openxmlformats.org/officeDocument/2006/relationships" xmlns:mc="http://schemas.openxmlformats.org/markup-compatibility/2006" xmlns:mv="urn:schemas-microsoft-com:mac:vml" xmlns:p="http://schemas.openxmlformats.org/presentationml/2006/main" xmlns:c="http://schemas.openxmlformats.org/drawingml/2006/chart" xmlns:dgm="http://schemas.openxmlformats.org/drawingml/2006/diagram" xmlns:o="urn:schemas-microsoft-com:office:office" xmlns:v="urn:schemas-microsoft-com:vml" xmlns:pvml="urn:schemas-microsoft-com:office:powerpoint" xmlns:com="http://schemas.openxmlformats.org/drawingml/2006/compatibility" xmlns:p14="http://schemas.microsoft.com/office/powerpoint/2010/main" xmlns:p15="http://schemas.microsoft.com/office/powerpoint/2012/main">
-  <p:cSld>
-    <p:spTree>
-      <p:nvGrpSpPr>
-        <p:cNvPr id="176" name="Shape 176"/>
-        <p:cNvGrpSpPr/>
-        <p:nvPr/>
-      </p:nvGrpSpPr>
-      <p:grpSpPr>
-        <a:xfrm>
-          <a:off x="0" y="0"/>
-          <a:ext cx="0" cy="0"/>
-          <a:chOff x="0" y="0"/>
-          <a:chExt cx="0" cy="0"/>
-        </a:xfrm>
-      </p:grpSpPr>
-      <p:sp>
-        <p:nvSpPr>
-          <p:cNvPr id="177" name="Shape 177"/>
-          <p:cNvSpPr txBox="1"/>
-          <p:nvPr>
-            <p:ph idx="4294967295" type="title"/>
-          </p:nvPr>
-        </p:nvSpPr>
-        <p:spPr>
-          <a:xfrm>
-            <a:off x="535775" y="712150"/>
-            <a:ext cx="5799300" cy="768000"/>
-          </a:xfrm>
-          <a:prstGeom prst="rect">
-            <a:avLst/>
-          </a:prstGeom>
-        </p:spPr>
-        <p:txBody>
-          <a:bodyPr anchorCtr="0" anchor="t" bIns="91425" lIns="91425" spcFirstLastPara="1" rIns="91425" wrap="square" tIns="91425">
-            <a:noAutofit/>
-          </a:bodyPr>
-          <a:lstStyle/>
-          <a:p>
-            <a:pPr indent="0" lvl="0" marL="0" rtl="0">
-              <a:spcBef>
-                <a:spcPts val="0"/>
-              </a:spcBef>
-              <a:spcAft>
-                <a:spcPts val="1600"/>
-              </a:spcAft>
-              <a:buNone/>
-            </a:pPr>
-            <a:r>
-              <a:rPr lang="en" sz="2700">
-                <a:solidFill>
-                  <a:srgbClr val="FFFFFF"/>
-                </a:solidFill>
-                <a:latin typeface="Arial"/>
-                <a:ea typeface="Arial"/>
-                <a:cs typeface="Arial"/>
-                <a:sym typeface="Arial"/>
-              </a:rPr>
-              <a:t>Let’s look at the first datapoint</a:t>
-            </a:r>
-            <a:r>
-              <a:rPr lang="en" sz="3600">
-                <a:solidFill>
-                  <a:srgbClr val="FFFFFF"/>
-                </a:solidFill>
-                <a:latin typeface="Arial"/>
-                <a:ea typeface="Arial"/>
-                <a:cs typeface="Arial"/>
-                <a:sym typeface="Arial"/>
-              </a:rPr>
-              <a:t> </a:t>
-            </a:r>
-            <a:endParaRPr sz="2400"/>
-          </a:p>
-        </p:txBody>
-      </p:sp>
-      <p:graphicFrame>
-        <p:nvGraphicFramePr>
-          <p:cNvPr id="178" name="Shape 178"/>
-          <p:cNvGraphicFramePr/>
-          <p:nvPr/>
-        </p:nvGraphicFramePr>
-        <p:xfrm>
-          <a:off x="675700" y="1480150"/>
-          <a:ext cx="3000000" cy="3000000"/>
-        </p:xfrm>
-        <a:graphic>
-          <a:graphicData uri="http://schemas.openxmlformats.org/drawingml/2006/table">
-            <a:tbl>
-              <a:tblPr>
-                <a:noFill/>
-                <a:tableStyleId>{4E071D9C-F554-45F6-A910-44A0CE2D75A9}</a:tableStyleId>
-              </a:tblPr>
-              <a:tblGrid>
-                <a:gridCol w="1375400"/>
-                <a:gridCol w="1063750"/>
-                <a:gridCol w="1413225"/>
-                <a:gridCol w="1025925"/>
-                <a:gridCol w="1588350"/>
-                <a:gridCol w="1618850"/>
-              </a:tblGrid>
-              <a:tr h="381000">
-                <a:tc>
-                  <a:txBody>
-                    <a:bodyPr>
-                      <a:noAutofit/>
-                    </a:bodyPr>
-                    <a:lstStyle/>
-                    <a:p>
-                      <a:pPr indent="0" lvl="0" marL="0" rtl="0">
-                        <a:spcBef>
-                          <a:spcPts val="0"/>
-                        </a:spcBef>
-                        <a:spcAft>
-                          <a:spcPts val="0"/>
-                        </a:spcAft>
-                        <a:buNone/>
-                      </a:pPr>
-                      <a:r>
-                        <a:rPr lang="en">
-                          <a:solidFill>
-                            <a:srgbClr val="FFFFFF"/>
-                          </a:solidFill>
-                        </a:rPr>
-                        <a:t>movie/friend</a:t>
-                      </a:r>
-                      <a:endParaRPr/>
-                    </a:p>
-                  </a:txBody>
-                  <a:tcPr marT="91425" marB="91425" marR="91425" marL="91425">
-                    <a:lnR cap="flat" cmpd="sng" w="9525">
-                      <a:solidFill>
-                        <a:srgbClr val="9E9E9E"/>
-                      </a:solidFill>
-                      <a:prstDash val="solid"/>
-                      <a:round/>
-                      <a:headEnd len="med" w="med" type="none"/>
-                      <a:tailEnd len="med" w="med" type="none"/>
-                    </a:lnR>
-                  </a:tcPr>
-                </a:tc>
-                <a:tc>
-                  <a:txBody>
-                    <a:bodyPr>
-                      <a:noAutofit/>
-                    </a:bodyPr>
-                    <a:lstStyle/>
-                    <a:p>
-                      <a:pPr indent="0" lvl="0" marL="0" rtl="0">
-                        <a:spcBef>
-                          <a:spcPts val="0"/>
-                        </a:spcBef>
-                        <a:spcAft>
-                          <a:spcPts val="0"/>
-                        </a:spcAft>
-                        <a:buNone/>
-                      </a:pPr>
-                      <a:r>
-                        <a:rPr lang="en">
-                          <a:solidFill>
-                            <a:srgbClr val="FFFFFF"/>
-                          </a:solidFill>
-                        </a:rPr>
-                        <a:t>Stephen</a:t>
-                      </a:r>
-                      <a:endParaRPr/>
-                    </a:p>
-                  </a:txBody>
-                  <a:tcPr marT="91425" marB="91425" marR="91425" marL="91425">
-                    <a:lnL cap="flat" cmpd="sng" w="9525">
-                      <a:solidFill>
-                        <a:srgbClr val="9E9E9E"/>
-                      </a:solidFill>
-                      <a:prstDash val="solid"/>
-                      <a:round/>
-                      <a:headEnd len="med" w="med" type="none"/>
-                      <a:tailEnd len="med" w="med" type="none"/>
-                    </a:lnL>
-                    <a:lnR cap="flat" cmpd="sng" w="9525">
-                      <a:solidFill>
-                        <a:srgbClr val="9E9E9E"/>
-                      </a:solidFill>
-                      <a:prstDash val="solid"/>
-                      <a:round/>
-                      <a:headEnd len="med" w="med" type="none"/>
-                      <a:tailEnd len="med" w="med" type="none"/>
-                    </a:lnR>
-                    <a:lnT cap="flat" cmpd="sng" w="9525">
-                      <a:solidFill>
-                        <a:srgbClr val="9E9E9E"/>
-                      </a:solidFill>
-                      <a:prstDash val="solid"/>
-                      <a:round/>
-                      <a:headEnd len="med" w="med" type="none"/>
-                      <a:tailEnd len="med" w="med" type="none"/>
-                    </a:lnT>
-                    <a:lnB cap="flat" cmpd="sng" w="9525">
-                      <a:solidFill>
-                        <a:srgbClr val="9E9E9E"/>
-                      </a:solidFill>
-                      <a:prstDash val="solid"/>
-                      <a:round/>
-                      <a:headEnd len="med" w="med" type="none"/>
-                      <a:tailEnd len="med" w="med" type="none"/>
-                    </a:lnB>
-                  </a:tcPr>
-                </a:tc>
-                <a:tc>
-                  <a:txBody>
-                    <a:bodyPr>
-                      <a:noAutofit/>
-                    </a:bodyPr>
-                    <a:lstStyle/>
-                    <a:p>
-                      <a:pPr indent="0" lvl="0" marL="0" rtl="0">
-                        <a:spcBef>
-                          <a:spcPts val="0"/>
-                        </a:spcBef>
-                        <a:spcAft>
-                          <a:spcPts val="0"/>
-                        </a:spcAft>
-                        <a:buNone/>
-                      </a:pPr>
-                      <a:r>
-                        <a:rPr lang="en">
-                          <a:solidFill>
-                            <a:srgbClr val="FFFFFF"/>
-                          </a:solidFill>
-                        </a:rPr>
-                        <a:t>Eric</a:t>
-                      </a:r>
-                      <a:endParaRPr/>
-                    </a:p>
-                  </a:txBody>
-                  <a:tcPr marT="91425" marB="91425" marR="91425" marL="91425">
-                    <a:lnL cap="flat" cmpd="sng" w="9525">
-                      <a:solidFill>
-                        <a:srgbClr val="9E9E9E"/>
-                      </a:solidFill>
-                      <a:prstDash val="solid"/>
-                      <a:round/>
-                      <a:headEnd len="med" w="med" type="none"/>
-                      <a:tailEnd len="med" w="med" type="none"/>
-                    </a:lnL>
-                    <a:lnR cap="flat" cmpd="sng" w="9525">
-                      <a:solidFill>
-                        <a:srgbClr val="9E9E9E"/>
-                      </a:solidFill>
-                      <a:prstDash val="solid"/>
-                      <a:round/>
-                      <a:headEnd len="med" w="med" type="none"/>
-                      <a:tailEnd len="med" w="med" type="none"/>
-                    </a:lnR>
-                    <a:lnT cap="flat" cmpd="sng" w="9525">
-                      <a:solidFill>
-                        <a:srgbClr val="9E9E9E"/>
-                      </a:solidFill>
-                      <a:prstDash val="solid"/>
-                      <a:round/>
-                      <a:headEnd len="med" w="med" type="none"/>
-                      <a:tailEnd len="med" w="med" type="none"/>
-                    </a:lnT>
-                    <a:lnB cap="flat" cmpd="sng" w="9525">
-                      <a:solidFill>
-                        <a:srgbClr val="9E9E9E"/>
-                      </a:solidFill>
-                      <a:prstDash val="solid"/>
-                      <a:round/>
-                      <a:headEnd len="med" w="med" type="none"/>
-                      <a:tailEnd len="med" w="med" type="none"/>
-                    </a:lnB>
-                  </a:tcPr>
-                </a:tc>
-                <a:tc>
-                  <a:txBody>
-                    <a:bodyPr>
-                      <a:noAutofit/>
-                    </a:bodyPr>
-                    <a:lstStyle/>
-                    <a:p>
-                      <a:pPr indent="0" lvl="0" marL="0" rtl="0">
-                        <a:spcBef>
-                          <a:spcPts val="0"/>
-                        </a:spcBef>
-                        <a:spcAft>
-                          <a:spcPts val="0"/>
-                        </a:spcAft>
-                        <a:buNone/>
-                      </a:pPr>
-                      <a:r>
-                        <a:rPr lang="en">
-                          <a:solidFill>
-                            <a:srgbClr val="FFFFFF"/>
-                          </a:solidFill>
-                        </a:rPr>
-                        <a:t>Ms. Owens</a:t>
-                      </a:r>
-                      <a:endParaRPr/>
-                    </a:p>
-                  </a:txBody>
-                  <a:tcPr marT="91425" marB="91425" marR="91425" marL="91425">
-                    <a:lnL cap="flat" cmpd="sng" w="9525">
-                      <a:solidFill>
-                        <a:srgbClr val="9E9E9E"/>
-                      </a:solidFill>
-                      <a:prstDash val="solid"/>
-                      <a:round/>
-                      <a:headEnd len="med" w="med" type="none"/>
-                      <a:tailEnd len="med" w="med" type="none"/>
-                    </a:lnL>
-                    <a:lnR cap="flat" cmpd="sng" w="9525">
-                      <a:solidFill>
-                        <a:srgbClr val="9E9E9E"/>
-                      </a:solidFill>
-                      <a:prstDash val="solid"/>
-                      <a:round/>
-                      <a:headEnd len="med" w="med" type="none"/>
-                      <a:tailEnd len="med" w="med" type="none"/>
-                    </a:lnR>
-                    <a:lnT cap="flat" cmpd="sng" w="9525">
-                      <a:solidFill>
-                        <a:srgbClr val="9E9E9E"/>
-                      </a:solidFill>
-                      <a:prstDash val="solid"/>
-                      <a:round/>
-                      <a:headEnd len="med" w="med" type="none"/>
-                      <a:tailEnd len="med" w="med" type="none"/>
-                    </a:lnT>
-                    <a:lnB cap="flat" cmpd="sng" w="9525">
-                      <a:solidFill>
-                        <a:srgbClr val="9E9E9E"/>
-                      </a:solidFill>
-                      <a:prstDash val="solid"/>
-                      <a:round/>
-                      <a:headEnd len="med" w="med" type="none"/>
-                      <a:tailEnd len="med" w="med" type="none"/>
-                    </a:lnB>
-                  </a:tcPr>
-                </a:tc>
-                <a:tc>
-                  <a:txBody>
-                    <a:bodyPr>
-                      <a:noAutofit/>
-                    </a:bodyPr>
-                    <a:lstStyle/>
-                    <a:p>
-                      <a:pPr indent="0" lvl="0" marL="0" rtl="0">
-                        <a:spcBef>
-                          <a:spcPts val="0"/>
-                        </a:spcBef>
-                        <a:spcAft>
-                          <a:spcPts val="0"/>
-                        </a:spcAft>
-                        <a:buNone/>
-                      </a:pPr>
-                      <a:r>
-                        <a:rPr lang="en">
-                          <a:solidFill>
-                            <a:srgbClr val="FFFFFF"/>
-                          </a:solidFill>
-                        </a:rPr>
-                        <a:t>Ms. McCullough</a:t>
-                      </a:r>
-                      <a:endParaRPr/>
-                    </a:p>
-                  </a:txBody>
-                  <a:tcPr marT="91425" marB="91425" marR="91425" marL="91425">
-                    <a:lnL cap="flat" cmpd="sng" w="9525">
-                      <a:solidFill>
-                        <a:srgbClr val="9E9E9E"/>
-                      </a:solidFill>
-                      <a:prstDash val="solid"/>
-                      <a:round/>
-                      <a:headEnd len="med" w="med" type="none"/>
-                      <a:tailEnd len="med" w="med" type="none"/>
-                    </a:lnL>
-                    <a:lnR cap="flat" cmpd="sng" w="9525">
-                      <a:solidFill>
-                        <a:srgbClr val="9E9E9E"/>
-                      </a:solidFill>
-                      <a:prstDash val="solid"/>
-                      <a:round/>
-                      <a:headEnd len="med" w="med" type="none"/>
-                      <a:tailEnd len="med" w="med" type="none"/>
-                    </a:lnR>
-                    <a:lnT cap="flat" cmpd="sng" w="9525">
-                      <a:solidFill>
-                        <a:srgbClr val="9E9E9E"/>
-                      </a:solidFill>
-                      <a:prstDash val="solid"/>
-                      <a:round/>
-                      <a:headEnd len="med" w="med" type="none"/>
-                      <a:tailEnd len="med" w="med" type="none"/>
-                    </a:lnT>
-                    <a:lnB cap="flat" cmpd="sng" w="9525">
-                      <a:solidFill>
-                        <a:srgbClr val="9E9E9E"/>
-                      </a:solidFill>
-                      <a:prstDash val="solid"/>
-                      <a:round/>
-                      <a:headEnd len="med" w="med" type="none"/>
-                      <a:tailEnd len="med" w="med" type="none"/>
-                    </a:lnB>
-                  </a:tcPr>
-                </a:tc>
-                <a:tc>
-                  <a:txBody>
-                    <a:bodyPr>
-                      <a:noAutofit/>
-                    </a:bodyPr>
-                    <a:lstStyle/>
-                    <a:p>
-                      <a:pPr indent="0" lvl="0" marL="0" rtl="0">
-                        <a:spcBef>
-                          <a:spcPts val="0"/>
-                        </a:spcBef>
-                        <a:spcAft>
-                          <a:spcPts val="0"/>
-                        </a:spcAft>
-                        <a:buNone/>
-                      </a:pPr>
-                      <a:r>
-                        <a:rPr lang="en">
-                          <a:solidFill>
-                            <a:srgbClr val="FFFFFF"/>
-                          </a:solidFill>
-                        </a:rPr>
-                        <a:t>Your own opinion</a:t>
-                      </a:r>
-                      <a:endParaRPr/>
-                    </a:p>
-                  </a:txBody>
-                  <a:tcPr marT="91425" marB="91425" marR="91425" marL="91425">
-                    <a:lnL cap="flat" cmpd="sng" w="9525">
-                      <a:solidFill>
-                        <a:srgbClr val="9E9E9E"/>
-                      </a:solidFill>
-                      <a:prstDash val="solid"/>
-                      <a:round/>
-                      <a:headEnd len="med" w="med" type="none"/>
-                      <a:tailEnd len="med" w="med" type="none"/>
-                    </a:lnL>
-                  </a:tcPr>
-                </a:tc>
-              </a:tr>
-              <a:tr h="381000">
-                <a:tc>
-                  <a:txBody>
-                    <a:bodyPr>
-                      <a:noAutofit/>
-                    </a:bodyPr>
-                    <a:lstStyle/>
-                    <a:p>
-                      <a:pPr indent="0" lvl="0" marL="0" rtl="0">
-                        <a:spcBef>
-                          <a:spcPts val="0"/>
-                        </a:spcBef>
-                        <a:spcAft>
-                          <a:spcPts val="0"/>
-                        </a:spcAft>
-                        <a:buNone/>
-                      </a:pPr>
-                      <a:r>
-                        <a:rPr lang="en">
-                          <a:solidFill>
-                            <a:srgbClr val="FFFFFF"/>
-                          </a:solidFill>
-                        </a:rPr>
-                        <a:t>Justice League</a:t>
-                      </a:r>
-                      <a:endParaRPr/>
-                    </a:p>
-                  </a:txBody>
-                  <a:tcPr marT="91425" marB="91425" marR="91425" marL="91425"/>
-                </a:tc>
-                <a:tc>
-                  <a:txBody>
-                    <a:bodyPr>
-                      <a:noAutofit/>
-                    </a:bodyPr>
-                    <a:lstStyle/>
-                    <a:p>
-                      <a:pPr indent="0" lvl="0" marL="0" rtl="0">
-                        <a:spcBef>
-                          <a:spcPts val="0"/>
-                        </a:spcBef>
-                        <a:spcAft>
-                          <a:spcPts val="0"/>
-                        </a:spcAft>
-                        <a:buNone/>
-                      </a:pPr>
-                      <a:r>
-                        <a:rPr lang="en">
-                          <a:solidFill>
-                            <a:srgbClr val="FFFFFF"/>
-                          </a:solidFill>
-                        </a:rPr>
-                        <a:t>Good (1)</a:t>
-                      </a:r>
-                      <a:endParaRPr/>
-                    </a:p>
-                  </a:txBody>
-                  <a:tcPr marT="91425" marB="91425" marR="91425" marL="91425">
-                    <a:lnT cap="flat" cmpd="sng" w="9525">
-                      <a:solidFill>
-                        <a:srgbClr val="9E9E9E"/>
-                      </a:solidFill>
-                      <a:prstDash val="solid"/>
-                      <a:round/>
-                      <a:headEnd len="med" w="med" type="none"/>
-                      <a:tailEnd len="med" w="med" type="none"/>
-                    </a:lnT>
-                  </a:tcPr>
-                </a:tc>
-                <a:tc>
-                  <a:txBody>
-                    <a:bodyPr>
-                      <a:noAutofit/>
-                    </a:bodyPr>
-                    <a:lstStyle/>
-                    <a:p>
-                      <a:pPr indent="0" lvl="0" marL="0" rtl="0">
-                        <a:spcBef>
-                          <a:spcPts val="0"/>
-                        </a:spcBef>
-                        <a:spcAft>
-                          <a:spcPts val="0"/>
-                        </a:spcAft>
-                        <a:buNone/>
-                      </a:pPr>
-                      <a:r>
-                        <a:rPr lang="en">
-                          <a:solidFill>
-                            <a:srgbClr val="FFFFFF"/>
-                          </a:solidFill>
-                        </a:rPr>
-                        <a:t>Bad (1)</a:t>
-                      </a:r>
-                      <a:endParaRPr/>
-                    </a:p>
-                  </a:txBody>
-                  <a:tcPr marT="91425" marB="91425" marR="91425" marL="91425">
-                    <a:lnT cap="flat" cmpd="sng" w="9525">
-                      <a:solidFill>
-                        <a:srgbClr val="9E9E9E"/>
-                      </a:solidFill>
-                      <a:prstDash val="solid"/>
-                      <a:round/>
-                      <a:headEnd len="med" w="med" type="none"/>
-                      <a:tailEnd len="med" w="med" type="none"/>
-                    </a:lnT>
-                  </a:tcPr>
-                </a:tc>
-                <a:tc>
-                  <a:txBody>
-                    <a:bodyPr>
-                      <a:noAutofit/>
-                    </a:bodyPr>
-                    <a:lstStyle/>
-                    <a:p>
-                      <a:pPr indent="0" lvl="0" marL="0" rtl="0">
-                        <a:spcBef>
-                          <a:spcPts val="0"/>
-                        </a:spcBef>
-                        <a:spcAft>
-                          <a:spcPts val="0"/>
-                        </a:spcAft>
-                        <a:buNone/>
-                      </a:pPr>
-                      <a:r>
-                        <a:rPr lang="en">
-                          <a:solidFill>
-                            <a:srgbClr val="FFFFFF"/>
-                          </a:solidFill>
-                        </a:rPr>
-                        <a:t>Good (1)</a:t>
-                      </a:r>
-                      <a:endParaRPr/>
-                    </a:p>
-                  </a:txBody>
-                  <a:tcPr marT="91425" marB="91425" marR="91425" marL="91425">
-                    <a:lnT cap="flat" cmpd="sng" w="9525">
-                      <a:solidFill>
-                        <a:srgbClr val="9E9E9E"/>
-                      </a:solidFill>
-                      <a:prstDash val="solid"/>
-                      <a:round/>
-                      <a:headEnd len="med" w="med" type="none"/>
-                      <a:tailEnd len="med" w="med" type="none"/>
-                    </a:lnT>
-                  </a:tcPr>
-                </a:tc>
-                <a:tc>
-                  <a:txBody>
-                    <a:bodyPr>
-                      <a:noAutofit/>
-                    </a:bodyPr>
-                    <a:lstStyle/>
-                    <a:p>
-                      <a:pPr indent="0" lvl="0" marL="0" rtl="0">
-                        <a:spcBef>
-                          <a:spcPts val="0"/>
-                        </a:spcBef>
-                        <a:spcAft>
-                          <a:spcPts val="0"/>
-                        </a:spcAft>
-                        <a:buNone/>
-                      </a:pPr>
-                      <a:r>
-                        <a:rPr lang="en">
-                          <a:solidFill>
-                            <a:srgbClr val="FFFFFF"/>
-                          </a:solidFill>
-                        </a:rPr>
-                        <a:t>Good (1)</a:t>
-                      </a:r>
-                      <a:endParaRPr/>
-                    </a:p>
-                  </a:txBody>
-                  <a:tcPr marT="91425" marB="91425" marR="91425" marL="91425">
-                    <a:lnT cap="flat" cmpd="sng" w="9525">
-                      <a:solidFill>
-                        <a:srgbClr val="9E9E9E"/>
-                      </a:solidFill>
-                      <a:prstDash val="solid"/>
-                      <a:round/>
-                      <a:headEnd len="med" w="med" type="none"/>
-                      <a:tailEnd len="med" w="med" type="none"/>
-                    </a:lnT>
-                  </a:tcPr>
-                </a:tc>
-                <a:tc>
-                  <a:txBody>
-                    <a:bodyPr>
-                      <a:noAutofit/>
-                    </a:bodyPr>
-                    <a:lstStyle/>
-                    <a:p>
-                      <a:pPr indent="0" lvl="0" marL="0" rtl="0">
-                        <a:spcBef>
-                          <a:spcPts val="0"/>
-                        </a:spcBef>
-                        <a:spcAft>
-                          <a:spcPts val="0"/>
-                        </a:spcAft>
-                        <a:buNone/>
-                      </a:pPr>
-                      <a:r>
-                        <a:rPr lang="en">
-                          <a:solidFill>
-                            <a:schemeClr val="lt1"/>
-                          </a:solidFill>
-                        </a:rPr>
-                        <a:t>Bad</a:t>
-                      </a:r>
-                      <a:endParaRPr/>
-                    </a:p>
-                  </a:txBody>
-                  <a:tcPr marT="91425" marB="91425" marR="91425" marL="91425"/>
-                </a:tc>
-              </a:tr>
-            </a:tbl>
-          </a:graphicData>
-        </a:graphic>
-      </p:graphicFrame>
-      <p:sp>
-        <p:nvSpPr>
-          <p:cNvPr id="179" name="Shape 179"/>
-          <p:cNvSpPr txBox="1"/>
-          <p:nvPr>
-            <p:ph idx="4294967295" type="title"/>
-          </p:nvPr>
-        </p:nvSpPr>
-        <p:spPr>
-          <a:xfrm>
-            <a:off x="675700" y="2817600"/>
-            <a:ext cx="7214100" cy="2155800"/>
-          </a:xfrm>
-          <a:prstGeom prst="rect">
-            <a:avLst/>
-          </a:prstGeom>
-        </p:spPr>
-        <p:txBody>
-          <a:bodyPr anchorCtr="0" anchor="t" bIns="91425" lIns="91425" spcFirstLastPara="1" rIns="91425" wrap="square" tIns="91425">
-            <a:noAutofit/>
-          </a:bodyPr>
-          <a:lstStyle/>
-          <a:p>
-            <a:pPr indent="0" lvl="0" marL="0" rtl="0">
-              <a:lnSpc>
-                <a:spcPct val="115000"/>
-              </a:lnSpc>
-              <a:spcBef>
-                <a:spcPts val="0"/>
-              </a:spcBef>
-              <a:spcAft>
-                <a:spcPts val="1600"/>
-              </a:spcAft>
-              <a:buNone/>
-            </a:pPr>
-            <a:r>
-              <a:rPr lang="en" sz="1900">
-                <a:latin typeface="Lato"/>
-                <a:ea typeface="Lato"/>
-                <a:cs typeface="Lato"/>
-                <a:sym typeface="Lato"/>
-              </a:rPr>
-              <a:t>However, we actually don’t like the movie</a:t>
-            </a:r>
-            <a:endParaRPr sz="1900">
-              <a:latin typeface="Lato"/>
-              <a:ea typeface="Lato"/>
-              <a:cs typeface="Lato"/>
-              <a:sym typeface="Lato"/>
-            </a:endParaRPr>
-          </a:p>
-        </p:txBody>
-      </p:sp>
-    </p:spTree>
-  </p:cSld>
-  <p:clrMapOvr>
-    <a:masterClrMapping/>
-  </p:clrMapOvr>
-</p:sld>
+<file path=ppt/theme/theme1.xml><?xml version="1.0" encoding="utf-8"?>
+<a:theme xmlns:a="http://schemas.openxmlformats.org/drawingml/2006/main" xmlns:r="http://schemas.openxmlformats.org/officeDocument/2006/relationships" name="Custom Theme">
+  <a:themeElements>
+    <a:clrScheme name="Default">
+      <a:dk1>
+        <a:srgbClr val="000000"/>
+      </a:dk1>
+      <a:lt1>
+        <a:srgbClr val="FFFFFF"/>
+      </a:lt1>
+      <a:dk2>
+        <a:srgbClr val="158158"/>
+      </a:dk2>
+      <a:lt2>
+        <a:srgbClr val="F3F3F3"/>
+      </a:lt2>
+      <a:accent1>
+        <a:srgbClr val="058DC7"/>
+      </a:accent1>
+      <a:accent2>
+        <a:srgbClr val="50B432"/>
+      </a:accent2>
+      <a:accent3>
+        <a:srgbClr val="ED561B"/>
+      </a:accent3>
+      <a:accent4>
+        <a:srgbClr val="EDEF00"/>
+      </a:accent4>
+      <a:accent5>
+        <a:srgbClr val="24CBE5"/>
+      </a:accent5>
+      <a:accent6>
+        <a:srgbClr val="64E572"/>
+      </a:accent6>
+      <a:hlink>
+        <a:srgbClr val="2200CC"/>
+      </a:hlink>
+      <a:folHlink>
+        <a:srgbClr val="551A8B"/>
+      </a:folHlink>
+    </a:clrScheme>
+    <a:fontScheme name="Office">
+      <a:majorFont>
+        <a:latin typeface="Arial"/>
+        <a:ea typeface=""/>
+        <a:cs typeface=""/>
+        <a:font script="Jpan" typeface="ＭＳ Ｐゴシック"/>
+        <a:font script="Hang" typeface="맑은 고딕"/>
+        <a:font script="Hans" typeface="宋体"/>
+        <a:font script="Hant" typeface="新細明體"/>
+        <a:font script="Arab" typeface="Times New Roman"/>
+        <a:font script="Hebr" typeface="Times New Roman"/>
+        <a:font script="Thai" typeface="Angsana New"/>
+        <a:font script="Ethi" typeface="Nyala"/>
+        <a:font script="Beng" typeface="Vrinda"/>
+        <a:font script="Gujr" typeface="Shruti"/>
+        <a:font script="Khmr" typeface="MoolBoran"/>
+        <a:font script="Knda" typeface="Tunga"/>
+        <a:font script="Guru" typeface="Raavi"/>
+        <a:font script="Cans" typeface="Euphemia"/>
+        <a:font script="Cher" typeface="Plantagenet Cherokee"/>
+        <a:font script="Yiii" typeface="Microsoft Yi Baiti"/>
+        <a:font script="Tibt" typeface="Microsoft Himalaya"/>
+        <a:font script="Thaa" typeface="MV Boli"/>
+        <a:font script="Deva" typeface="Mangal"/>
+        <a:font script="Telu" typeface="Gautami"/>
+        <a:font script="Taml" typeface="Latha"/>
+        <a:font script="Syrc" typeface="Estrangelo Edessa"/>
+        <a:font script="Orya" typeface="Kalinga"/>
+        <a:font script="Mlym" typeface="Kartika"/>
+        <a:font script="Laoo" typeface="DokChampa"/>
+        <a:font script="Sinh" typeface="Iskoola Pota"/>
+        <a:font script="Mong" typeface="Mongolian Baiti"/>
+        <a:font script="Viet" typeface="Times New Roman"/>
+        <a:font script="Uigh" typeface="Microsoft Uighur"/>
+        <a:font script="Geor" typeface="Sylfaen"/>
+      </a:majorFont>
+      <a:minorFont>
+        <a:latin typeface="Arial"/>
+        <a:ea typeface=""/>
+        <a:cs typeface=""/>
+        <a:font script="Jpan" typeface="ＭＳ Ｐゴシック"/>
+        <a:font script="Hang" typeface="맑은 고딕"/>
+        <a:font script="Hans" typeface="宋体"/>
+        <a:font script="Hant" typeface="新細明體"/>
+        <a:font script="Arab" typeface="Arial"/>
+        <a:font script="Hebr" typeface="Arial"/>
+        <a:font script="Thai" typeface="Cordia New"/>
+        <a:font script="Ethi" typeface="Nyala"/>
+        <a:font script="Beng" typeface="Vrinda"/>
+        <a:font script="Gujr" typeface="Shruti"/>
+        <a:font script="Khmr" typeface="DaunPenh"/>
+        <a:font script="Knda" typeface="Tunga"/>
+        <a:font script="Guru" typeface="Raavi"/>
+        <a:font script="Cans" typeface="Euphemia"/>
+        <a:font script="Cher" typeface="Plantagenet Cherokee"/>
+        <a:font script="Yiii" typeface="Microsoft Yi Baiti"/>
+        <a:font script="Tibt" typeface="Microsoft Himalaya"/>
+        <a:font script="Thaa" typeface="MV Boli"/>
+        <a:font script="Deva" typeface="Mangal"/>
+        <a:font script="Telu" typeface="Gautami"/>
+        <a:font script="Taml" typeface="Latha"/>
+        <a:font script="Syrc" typeface="Estrangelo Edessa"/>
+        <a:font script="Orya" typeface="Kalinga"/>
+        <a:font script="Mlym" typeface="Kartika"/>
+        <a:font script="Laoo" typeface="DokChampa"/>
+        <a:font script="Sinh" typeface="Iskoola Pota"/>
+        <a:font script="Mong" typeface="Mongolian Baiti"/>
+        <a:font script="Viet" typeface="Arial"/>
+        <a:font script="Uigh" typeface="Microsoft Uighur"/>
+        <a:font script="Geor" typeface="Sylfaen"/>
+      </a:minorFont>
+    </a:fontScheme>
+    <a:fmtScheme name="Office">
+      <a:fillStyleLst>
+        <a:solidFill>
+          <a:schemeClr val="phClr"/>
+        </a:solidFill>
+        <a:gradFill rotWithShape="1">
+          <a:gsLst>
+            <a:gs pos="0">
+              <a:schemeClr val="phClr">
+                <a:tint val="50000"/>
+                <a:satMod val="300000"/>
+              </a:schemeClr>
+            </a:gs>
+            <a:gs pos="35000">
+              <a:schemeClr val="phClr">
+                <a:tint val="37000"/>
+                <a:satMod val="300000"/>
+              </a:schemeClr>
+            </a:gs>
+            <a:gs pos="100000">
+              <a:schemeClr val="phClr">
+                <a:tint val="15000"/>
+                <a:satMod val="350000"/>
+              </a:schemeClr>
+            </a:gs>
+          </a:gsLst>
+          <a:lin ang="16200000" scaled="1"/>
+        </a:gradFill>
+        <a:gradFill rotWithShape="1">
+          <a:gsLst>
+            <a:gs pos="0">
+              <a:schemeClr val="phClr">
+                <a:tint val="100000"/>
+                <a:shade val="100000"/>
+                <a:satMod val="130000"/>
+              </a:schemeClr>
+            </a:gs>
+            <a:gs pos="100000">
+              <a:schemeClr val="phClr">
+                <a:tint val="50000"/>
+                <a:shade val="100000"/>
+                <a:satMod val="350000"/>
+              </a:schemeClr>
+            </a:gs>
+          </a:gsLst>
+          <a:lin ang="16200000" scaled="0"/>
+        </a:gradFill>
+      </a:fillStyleLst>
+      <a:lnStyleLst>
+        <a:ln w="9525" cap="flat" cmpd="sng" algn="ctr">
+          <a:solidFill>
+            <a:schemeClr val="phClr">
+              <a:shade val="95000"/>
+              <a:satMod val="105000"/>
+            </a:schemeClr>
+          </a:solidFill>
+          <a:prstDash val="solid"/>
+        </a:ln>
+        <a:ln w="25400" cap="flat" cmpd="sng" algn="ctr">
+          <a:solidFill>
+            <a:schemeClr val="phClr"/>
+          </a:solidFill>
+          <a:prstDash val="solid"/>
+        </a:ln>
+        <a:ln w="38100" cap="flat" cmpd="sng" algn="ctr">
+          <a:solidFill>
+            <a:schemeClr val="phClr"/>
+          </a:solidFill>
+          <a:prstDash val="solid"/>
+        </a:ln>
+      </a:lnStyleLst>
+      <a:effectStyleLst>
+        <a:effectStyle>
+          <a:effectLst>
+            <a:outerShdw blurRad="40000" dist="20000" dir="5400000" rotWithShape="0">
+              <a:srgbClr val="000000">
+                <a:alpha val="38000"/>
+              </a:srgbClr>
+            </a:outerShdw>
+          </a:effectLst>
+        </a:effectStyle>
+        <a:effectStyle>
+          <a:effectLst>
+            <a:outerShdw blurRad="40000" dist="23000" dir="5400000" rotWithShape="0">
+              <a:srgbClr val="000000">
+                <a:alpha val="35000"/>
+              </a:srgbClr>
+            </a:outerShdw>
+          </a:effectLst>
+        </a:effectStyle>
+        <a:effectStyle>
+          <a:effectLst>
+            <a:outerShdw blurRad="40000" dist="23000" dir="5400000" rotWithShape="0">
+              <a:srgbClr val="000000">
+                <a:alpha val="35000"/>
+              </a:srgbClr>
+            </a:outerShdw>
+          </a:effectLst>
+          <a:scene3d>
+            <a:camera prst="orthographicFront">
+              <a:rot lat="0" lon="0" rev="0"/>
+            </a:camera>
+            <a:lightRig rig="threePt" dir="t">
+              <a:rot lat="0" lon="0" rev="1200000"/>
+            </a:lightRig>
+          </a:scene3d>
+          <a:sp3d>
+            <a:bevelT w="63500" h="25400"/>
+          </a:sp3d>
+        </a:effectStyle>
+      </a:effectStyleLst>
+      <a:bgFillStyleLst>
+        <a:solidFill>
+          <a:schemeClr val="phClr"/>
+        </a:solidFill>
+        <a:gradFill rotWithShape="1">
+          <a:gsLst>
+            <a:gs pos="0">
+              <a:schemeClr val="phClr">
+                <a:tint val="40000"/>
+                <a:satMod val="350000"/>
+              </a:schemeClr>
+            </a:gs>
+            <a:gs pos="40000">
+              <a:schemeClr val="phClr">
+                <a:tint val="45000"/>
+                <a:shade val="99000"/>
+                <a:satMod val="350000"/>
+              </a:schemeClr>
+            </a:gs>
+            <a:gs pos="100000">
+              <a:schemeClr val="phClr">
+                <a:shade val="20000"/>
+                <a:satMod val="255000"/>
+              </a:schemeClr>
+            </a:gs>
+          </a:gsLst>
+          <a:path path="circle">
+            <a:fillToRect l="50000" t="-80000" r="50000" b="180000"/>
+          </a:path>
+        </a:gradFill>
+        <a:gradFill rotWithShape="1">
+          <a:gsLst>
+            <a:gs pos="0">
+              <a:schemeClr val="phClr">
+                <a:tint val="80000"/>
+                <a:satMod val="300000"/>
+              </a:schemeClr>
+            </a:gs>
+            <a:gs pos="100000">
+              <a:schemeClr val="phClr">
+                <a:shade val="30000"/>
+                <a:satMod val="200000"/>
+              </a:schemeClr>
+            </a:gs>
+          </a:gsLst>
+          <a:path path="circle">
+            <a:fillToRect l="50000" t="50000" r="50000" b="50000"/>
+          </a:path>
+        </a:gradFill>
+      </a:bgFillStyleLst>
+    </a:fmtScheme>
+  </a:themeElements>
+</a:theme>
 </file>
 
-<file path=ppt/slides/slide9.xml><?xml version="1.0" encoding="utf-8"?>
-<p:sld xmlns:a="http://schemas.openxmlformats.org/drawingml/2006/main" xmlns:r="http://schemas.openxmlformats.org/officeDocument/2006/relationships" xmlns:mc="http://schemas.openxmlformats.org/markup-compatibility/2006" xmlns:mv="urn:schemas-microsoft-com:mac:vml" xmlns:p="http://schemas.openxmlformats.org/presentationml/2006/main" xmlns:c="http://schemas.openxmlformats.org/drawingml/2006/chart" xmlns:dgm="http://schemas.openxmlformats.org/drawingml/2006/diagram" xmlns:o="urn:schemas-microsoft-com:office:office" xmlns:v="urn:schemas-microsoft-com:vml" xmlns:pvml="urn:schemas-microsoft-com:office:powerpoint" xmlns:com="http://schemas.openxmlformats.org/drawingml/2006/compatibility" xmlns:p14="http://schemas.microsoft.com/office/powerpoint/2010/main" xmlns:p15="http://schemas.microsoft.com/office/powerpoint/2012/main">
-  <p:cSld>
-    <p:spTree>
-      <p:nvGrpSpPr>
-        <p:cNvPr id="183" name="Shape 183"/>
-        <p:cNvGrpSpPr/>
-        <p:nvPr/>
-      </p:nvGrpSpPr>
-      <p:grpSpPr>
-        <a:xfrm>
-          <a:off x="0" y="0"/>
-          <a:ext cx="0" cy="0"/>
-          <a:chOff x="0" y="0"/>
-          <a:chExt cx="0" cy="0"/>
-        </a:xfrm>
-      </p:grpSpPr>
-      <p:sp>
-        <p:nvSpPr>
-          <p:cNvPr id="184" name="Shape 184"/>
-          <p:cNvSpPr txBox="1"/>
-          <p:nvPr>
-            <p:ph idx="4294967295" type="title"/>
-          </p:nvPr>
-        </p:nvSpPr>
-        <p:spPr>
-          <a:xfrm>
-            <a:off x="535775" y="712150"/>
-            <a:ext cx="5799300" cy="768000"/>
-          </a:xfrm>
-          <a:prstGeom prst="rect">
-            <a:avLst/>
-          </a:prstGeom>
-        </p:spPr>
-        <p:txBody>
-          <a:bodyPr anchorCtr="0" anchor="t" bIns="91425" lIns="91425" spcFirstLastPara="1" rIns="91425" wrap="square" tIns="91425">
-            <a:noAutofit/>
-          </a:bodyPr>
-          <a:lstStyle/>
-          <a:p>
-            <a:pPr indent="0" lvl="0" marL="0" rtl="0">
-              <a:spcBef>
-                <a:spcPts val="0"/>
-              </a:spcBef>
-              <a:spcAft>
-                <a:spcPts val="1600"/>
-              </a:spcAft>
-              <a:buNone/>
-            </a:pPr>
-            <a:r>
-              <a:rPr lang="en" sz="2700">
-                <a:solidFill>
-                  <a:srgbClr val="FFFFFF"/>
-                </a:solidFill>
-                <a:latin typeface="Arial"/>
-                <a:ea typeface="Arial"/>
-                <a:cs typeface="Arial"/>
-                <a:sym typeface="Arial"/>
-              </a:rPr>
-              <a:t>After analyzing online</a:t>
-            </a:r>
-            <a:r>
-              <a:rPr lang="en" sz="3600">
-                <a:solidFill>
-                  <a:srgbClr val="FFFFFF"/>
-                </a:solidFill>
-                <a:latin typeface="Arial"/>
-                <a:ea typeface="Arial"/>
-                <a:cs typeface="Arial"/>
-                <a:sym typeface="Arial"/>
-              </a:rPr>
-              <a:t> </a:t>
-            </a:r>
-            <a:r>
-              <a:rPr lang="en" sz="3600">
-                <a:solidFill>
-                  <a:schemeClr val="dk1"/>
-                </a:solidFill>
-              </a:rPr>
-              <a:t>ehlr idea</a:t>
-            </a:r>
-            <a:endParaRPr sz="2400"/>
-          </a:p>
-        </p:txBody>
-      </p:sp>
-      <p:sp>
-        <p:nvSpPr>
-          <p:cNvPr id="185" name="Shape 185"/>
-          <p:cNvSpPr txBox="1"/>
-          <p:nvPr/>
-        </p:nvSpPr>
-        <p:spPr>
-          <a:xfrm>
-            <a:off x="675700" y="3193975"/>
-            <a:ext cx="7944600" cy="871200"/>
-          </a:xfrm>
-          <a:prstGeom prst="rect">
-            <a:avLst/>
-          </a:prstGeom>
-          <a:noFill/>
-          <a:ln>
-            <a:noFill/>
-          </a:ln>
-        </p:spPr>
-        <p:txBody>
-          <a:bodyPr anchorCtr="0" anchor="t" bIns="91425" lIns="91425" spcFirstLastPara="1" rIns="91425" wrap="square" tIns="91425">
-            <a:noAutofit/>
-          </a:bodyPr>
-          <a:lstStyle/>
-          <a:p>
-            <a:pPr indent="0" lvl="0" marL="0">
-              <a:spcBef>
-                <a:spcPts val="0"/>
-              </a:spcBef>
-              <a:spcAft>
-                <a:spcPts val="0"/>
-              </a:spcAft>
-              <a:buNone/>
-            </a:pPr>
-            <a:r>
-              <a:rPr lang="en" sz="2100">
-                <a:solidFill>
-                  <a:srgbClr val="FFFFFF"/>
-                </a:solidFill>
-              </a:rPr>
-              <a:t>Therefore, we half the weight of everyone whose opinion differed from my opinion</a:t>
-            </a:r>
-            <a:endParaRPr>
-              <a:solidFill>
-                <a:srgbClr val="FFFFFF"/>
-              </a:solidFill>
-            </a:endParaRPr>
-          </a:p>
-        </p:txBody>
-      </p:sp>
-      <p:graphicFrame>
-        <p:nvGraphicFramePr>
-          <p:cNvPr id="186" name="Shape 186"/>
-          <p:cNvGraphicFramePr/>
-          <p:nvPr/>
-        </p:nvGraphicFramePr>
-        <p:xfrm>
-          <a:off x="675700" y="1480150"/>
-          <a:ext cx="3000000" cy="3000000"/>
-        </p:xfrm>
-        <a:graphic>
-          <a:graphicData uri="http://schemas.openxmlformats.org/drawingml/2006/table">
-            <a:tbl>
-              <a:tblPr>
-                <a:noFill/>
-                <a:tableStyleId>{4E071D9C-F554-45F6-A910-44A0CE2D75A9}</a:tableStyleId>
-              </a:tblPr>
-              <a:tblGrid>
-                <a:gridCol w="1375400"/>
-                <a:gridCol w="1063750"/>
-                <a:gridCol w="1413225"/>
-                <a:gridCol w="1025925"/>
-                <a:gridCol w="1588350"/>
-                <a:gridCol w="1618850"/>
-              </a:tblGrid>
-              <a:tr h="381000">
-                <a:tc>
-                  <a:txBody>
-                    <a:bodyPr>
-                      <a:noAutofit/>
-                    </a:bodyPr>
-                    <a:lstStyle/>
-                    <a:p>
-                      <a:pPr indent="0" lvl="0" marL="0" rtl="0">
-                        <a:spcBef>
-                          <a:spcPts val="0"/>
-                        </a:spcBef>
-                        <a:spcAft>
-                          <a:spcPts val="0"/>
-                        </a:spcAft>
-                        <a:buNone/>
-                      </a:pPr>
-                      <a:r>
-                        <a:rPr lang="en">
-                          <a:solidFill>
-                            <a:srgbClr val="FFFFFF"/>
-                          </a:solidFill>
-                        </a:rPr>
-                        <a:t>movie/friend</a:t>
-                      </a:r>
-                      <a:endParaRPr/>
-                    </a:p>
-                  </a:txBody>
-                  <a:tcPr marT="91425" marB="91425" marR="91425" marL="91425">
-                    <a:lnR cap="flat" cmpd="sng" w="9525">
-                      <a:solidFill>
-                        <a:srgbClr val="9E9E9E"/>
-                      </a:solidFill>
-                      <a:prstDash val="solid"/>
-                      <a:round/>
-                      <a:headEnd len="med" w="med" type="none"/>
-                      <a:tailEnd len="med" w="med" type="none"/>
-                    </a:lnR>
-                  </a:tcPr>
-                </a:tc>
-                <a:tc>
-                  <a:txBody>
-                    <a:bodyPr>
-                      <a:noAutofit/>
-                    </a:bodyPr>
-                    <a:lstStyle/>
-                    <a:p>
-                      <a:pPr indent="0" lvl="0" marL="0" rtl="0">
-                        <a:spcBef>
-                          <a:spcPts val="0"/>
-                        </a:spcBef>
-                        <a:spcAft>
-                          <a:spcPts val="0"/>
-                        </a:spcAft>
-                        <a:buNone/>
-                      </a:pPr>
-                      <a:r>
-                        <a:rPr lang="en">
-                          <a:solidFill>
-                            <a:srgbClr val="FFFFFF"/>
-                          </a:solidFill>
-                        </a:rPr>
-                        <a:t>Stephen</a:t>
-                      </a:r>
-                      <a:endParaRPr/>
-                    </a:p>
-                  </a:txBody>
-                  <a:tcPr marT="91425" marB="91425" marR="91425" marL="91425">
-                    <a:lnL cap="flat" cmpd="sng" w="9525">
-                      <a:solidFill>
-                        <a:srgbClr val="9E9E9E"/>
-                      </a:solidFill>
-                      <a:prstDash val="solid"/>
-                      <a:round/>
-                      <a:headEnd len="med" w="med" type="none"/>
-                      <a:tailEnd len="med" w="med" type="none"/>
-                    </a:lnL>
-                    <a:lnR cap="flat" cmpd="sng" w="9525">
-                      <a:solidFill>
-                        <a:srgbClr val="9E9E9E"/>
-                      </a:solidFill>
-                      <a:prstDash val="solid"/>
-                      <a:round/>
-                      <a:headEnd len="med" w="med" type="none"/>
-                      <a:tailEnd len="med" w="med" type="none"/>
-                    </a:lnR>
-                    <a:lnT cap="flat" cmpd="sng" w="9525">
-                      <a:solidFill>
-                        <a:srgbClr val="9E9E9E"/>
-                      </a:solidFill>
-                      <a:prstDash val="solid"/>
-                      <a:round/>
-                      <a:headEnd len="med" w="med" type="none"/>
-                      <a:tailEnd len="med" w="med" type="none"/>
-                    </a:lnT>
-                    <a:lnB cap="flat" cmpd="sng" w="9525">
-                      <a:solidFill>
-                        <a:srgbClr val="9E9E9E"/>
-                      </a:solidFill>
-                      <a:prstDash val="solid"/>
-                      <a:round/>
-                      <a:headEnd len="med" w="med" type="none"/>
-                      <a:tailEnd len="med" w="med" type="none"/>
-                    </a:lnB>
-                  </a:tcPr>
-                </a:tc>
-                <a:tc>
-                  <a:txBody>
-                    <a:bodyPr>
-                      <a:noAutofit/>
-                    </a:bodyPr>
-                    <a:lstStyle/>
-                    <a:p>
-                      <a:pPr indent="0" lvl="0" marL="0" rtl="0">
-                        <a:spcBef>
-                          <a:spcPts val="0"/>
-                        </a:spcBef>
-                        <a:spcAft>
-                          <a:spcPts val="0"/>
-                        </a:spcAft>
-                        <a:buNone/>
-                      </a:pPr>
-                      <a:r>
-                        <a:rPr lang="en">
-                          <a:solidFill>
-                            <a:srgbClr val="FFFFFF"/>
-                          </a:solidFill>
-                        </a:rPr>
-                        <a:t>Eric</a:t>
-                      </a:r>
-                      <a:endParaRPr/>
-                    </a:p>
-                  </a:txBody>
-                  <a:tcPr marT="91425" marB="91425" marR="91425" marL="91425">
-                    <a:lnL cap="flat" cmpd="sng" w="9525">
-                      <a:solidFill>
-                        <a:srgbClr val="9E9E9E"/>
-                      </a:solidFill>
-                      <a:prstDash val="solid"/>
-                      <a:round/>
-                      <a:headEnd len="med" w="med" type="none"/>
-                      <a:tailEnd len="med" w="med" type="none"/>
-                    </a:lnL>
-                    <a:lnR cap="flat" cmpd="sng" w="9525">
-                      <a:solidFill>
-                        <a:srgbClr val="9E9E9E"/>
-                      </a:solidFill>
-                      <a:prstDash val="solid"/>
-                      <a:round/>
-                      <a:headEnd len="med" w="med" type="none"/>
-                      <a:tailEnd len="med" w="med" type="none"/>
-                    </a:lnR>
-                    <a:lnT cap="flat" cmpd="sng" w="9525">
-                      <a:solidFill>
-                        <a:srgbClr val="9E9E9E"/>
-                      </a:solidFill>
-                      <a:prstDash val="solid"/>
-                      <a:round/>
-                      <a:headEnd len="med" w="med" type="none"/>
-                      <a:tailEnd len="med" w="med" type="none"/>
-                    </a:lnT>
-                    <a:lnB cap="flat" cmpd="sng" w="9525">
-                      <a:solidFill>
-                        <a:srgbClr val="9E9E9E"/>
-                      </a:solidFill>
-                      <a:prstDash val="solid"/>
-                      <a:round/>
-                      <a:headEnd len="med" w="med" type="none"/>
-                      <a:tailEnd len="med" w="med" type="none"/>
-                    </a:lnB>
-                  </a:tcPr>
-                </a:tc>
-                <a:tc>
-                  <a:txBody>
-                    <a:bodyPr>
-                      <a:noAutofit/>
-                    </a:bodyPr>
-                    <a:lstStyle/>
-                    <a:p>
-                      <a:pPr indent="0" lvl="0" marL="0" rtl="0">
-                        <a:spcBef>
-                          <a:spcPts val="0"/>
-                        </a:spcBef>
-                        <a:spcAft>
-                          <a:spcPts val="0"/>
-                        </a:spcAft>
-                        <a:buNone/>
-                      </a:pPr>
-                      <a:r>
-                        <a:rPr lang="en">
-                          <a:solidFill>
-                            <a:srgbClr val="FFFFFF"/>
-                          </a:solidFill>
-                        </a:rPr>
-                        <a:t>Ms. Owens</a:t>
-                      </a:r>
-                      <a:endParaRPr/>
-                    </a:p>
-                  </a:txBody>
-                  <a:tcPr marT="91425" marB="91425" marR="91425" marL="91425">
-                    <a:lnL cap="flat" cmpd="sng" w="9525">
-                      <a:solidFill>
-                        <a:srgbClr val="9E9E9E"/>
-                      </a:solidFill>
-                      <a:prstDash val="solid"/>
-                      <a:round/>
-                      <a:headEnd len="med" w="med" type="none"/>
-                      <a:tailEnd len="med" w="med" type="none"/>
-                    </a:lnL>
-                    <a:lnR cap="flat" cmpd="sng" w="9525">
-                      <a:solidFill>
-                        <a:srgbClr val="9E9E9E"/>
-                      </a:solidFill>
-                      <a:prstDash val="solid"/>
-                      <a:round/>
-                      <a:headEnd len="med" w="med" type="none"/>
-                      <a:tailEnd len="med" w="med" type="none"/>
-                    </a:lnR>
-                    <a:lnT cap="flat" cmpd="sng" w="9525">
-                      <a:solidFill>
-                        <a:srgbClr val="9E9E9E"/>
-                      </a:solidFill>
-                      <a:prstDash val="solid"/>
-                      <a:round/>
-                      <a:headEnd len="med" w="med" type="none"/>
-                      <a:tailEnd len="med" w="med" type="none"/>
-                    </a:lnT>
-                    <a:lnB cap="flat" cmpd="sng" w="9525">
-                      <a:solidFill>
-                        <a:srgbClr val="9E9E9E"/>
-                      </a:solidFill>
-                      <a:prstDash val="solid"/>
-                      <a:round/>
-                      <a:headEnd len="med" w="med" type="none"/>
-                      <a:tailEnd len="med" w="med" type="none"/>
-                    </a:lnB>
-                  </a:tcPr>
-                </a:tc>
-                <a:tc>
-                  <a:txBody>
-                    <a:bodyPr>
-                      <a:noAutofit/>
-                    </a:bodyPr>
-                    <a:lstStyle/>
-                    <a:p>
-                      <a:pPr indent="0" lvl="0" marL="0" rtl="0">
-                        <a:spcBef>
-                          <a:spcPts val="0"/>
-                        </a:spcBef>
-                        <a:spcAft>
-                          <a:spcPts val="0"/>
-                        </a:spcAft>
-                        <a:buNone/>
-                      </a:pPr>
-                      <a:r>
-                        <a:rPr lang="en">
-                          <a:solidFill>
-                            <a:srgbClr val="FFFFFF"/>
-                          </a:solidFill>
-                        </a:rPr>
-                        <a:t>Ms. McCullough</a:t>
-                      </a:r>
-                      <a:endParaRPr/>
-                    </a:p>
-                  </a:txBody>
-                  <a:tcPr marT="91425" marB="91425" marR="91425" marL="91425">
-                    <a:lnL cap="flat" cmpd="sng" w="9525">
-                      <a:solidFill>
-                        <a:srgbClr val="9E9E9E"/>
-                      </a:solidFill>
-                      <a:prstDash val="solid"/>
-                      <a:round/>
-                      <a:headEnd len="med" w="med" type="none"/>
-                      <a:tailEnd len="med" w="med" type="none"/>
-                    </a:lnL>
-                    <a:lnR cap="flat" cmpd="sng" w="9525">
-                      <a:solidFill>
-                        <a:srgbClr val="9E9E9E"/>
-                      </a:solidFill>
-                      <a:prstDash val="solid"/>
-                      <a:round/>
-                      <a:headEnd len="med" w="med" type="none"/>
-                      <a:tailEnd len="med" w="med" type="none"/>
-                    </a:lnR>
-                    <a:lnT cap="flat" cmpd="sng" w="9525">
-                      <a:solidFill>
-                        <a:srgbClr val="9E9E9E"/>
-                      </a:solidFill>
-                      <a:prstDash val="solid"/>
-                      <a:round/>
-                      <a:headEnd len="med" w="med" type="none"/>
-                      <a:tailEnd len="med" w="med" type="none"/>
-                    </a:lnT>
-                    <a:lnB cap="flat" cmpd="sng" w="9525">
-                      <a:solidFill>
-                        <a:srgbClr val="9E9E9E"/>
-                      </a:solidFill>
-                      <a:prstDash val="solid"/>
-                      <a:round/>
-                      <a:headEnd len="med" w="med" type="none"/>
-                      <a:tailEnd len="med" w="med" type="none"/>
-                    </a:lnB>
-                  </a:tcPr>
-                </a:tc>
-                <a:tc>
-                  <a:txBody>
-                    <a:bodyPr>
-                      <a:noAutofit/>
-                    </a:bodyPr>
-                    <a:lstStyle/>
-                    <a:p>
-                      <a:pPr indent="0" lvl="0" marL="0" rtl="0">
-                        <a:spcBef>
-                          <a:spcPts val="0"/>
-                        </a:spcBef>
-                        <a:spcAft>
-                          <a:spcPts val="0"/>
-                        </a:spcAft>
-                        <a:buNone/>
-                      </a:pPr>
-                      <a:r>
-                        <a:rPr lang="en">
-                          <a:solidFill>
-                            <a:srgbClr val="FFFFFF"/>
-                          </a:solidFill>
-                        </a:rPr>
-                        <a:t>Your own opinion</a:t>
-                      </a:r>
-                      <a:endParaRPr/>
-                    </a:p>
-                  </a:txBody>
-                  <a:tcPr marT="91425" marB="91425" marR="91425" marL="91425">
-                    <a:lnL cap="flat" cmpd="sng" w="9525">
-                      <a:solidFill>
-                        <a:srgbClr val="9E9E9E"/>
-                      </a:solidFill>
-                      <a:prstDash val="solid"/>
-                      <a:round/>
-                      <a:headEnd len="med" w="med" type="none"/>
-                      <a:tailEnd len="med" w="med" type="none"/>
-                    </a:lnL>
-                  </a:tcPr>
-                </a:tc>
-              </a:tr>
-              <a:tr h="381000">
-                <a:tc>
-                  <a:txBody>
-                    <a:bodyPr>
-                      <a:noAutofit/>
-                    </a:bodyPr>
-                    <a:lstStyle/>
-                    <a:p>
-                      <a:pPr indent="0" lvl="0" marL="0" rtl="0">
-                        <a:spcBef>
-                          <a:spcPts val="0"/>
-                        </a:spcBef>
-                        <a:spcAft>
-                          <a:spcPts val="0"/>
-                        </a:spcAft>
-                        <a:buNone/>
-                      </a:pPr>
-                      <a:r>
-                        <a:rPr lang="en">
-                          <a:solidFill>
-                            <a:srgbClr val="FFFFFF"/>
-                          </a:solidFill>
-                        </a:rPr>
-                        <a:t>Justice League</a:t>
-                      </a:r>
-                      <a:endParaRPr/>
-                    </a:p>
-                  </a:txBody>
-                  <a:tcPr marT="91425" marB="91425" marR="91425" marL="91425"/>
-                </a:tc>
-                <a:tc>
-                  <a:txBody>
-                    <a:bodyPr>
-                      <a:noAutofit/>
-                    </a:bodyPr>
-                    <a:lstStyle/>
-                    <a:p>
-                      <a:pPr indent="0" lvl="0" marL="0" rtl="0">
-                        <a:spcBef>
-                          <a:spcPts val="0"/>
-                        </a:spcBef>
-                        <a:spcAft>
-                          <a:spcPts val="0"/>
-                        </a:spcAft>
-                        <a:buNone/>
-                      </a:pPr>
-                      <a:r>
-                        <a:rPr lang="en">
-                          <a:solidFill>
-                            <a:srgbClr val="FFFFFF"/>
-                          </a:solidFill>
-                        </a:rPr>
-                        <a:t>Good (.5)</a:t>
-                      </a:r>
-                      <a:endParaRPr/>
-                    </a:p>
-                  </a:txBody>
-                  <a:tcPr marT="91425" marB="91425" marR="91425" marL="91425">
-                    <a:lnT cap="flat" cmpd="sng" w="9525">
-                      <a:solidFill>
-                        <a:srgbClr val="9E9E9E"/>
-                      </a:solidFill>
-                      <a:prstDash val="solid"/>
-                      <a:round/>
-                      <a:headEnd len="med" w="med" type="none"/>
-                      <a:tailEnd len="med" w="med" type="none"/>
-                    </a:lnT>
-                  </a:tcPr>
-                </a:tc>
-                <a:tc>
-                  <a:txBody>
-                    <a:bodyPr>
-                      <a:noAutofit/>
-                    </a:bodyPr>
-                    <a:lstStyle/>
-                    <a:p>
-                      <a:pPr indent="0" lvl="0" marL="0" rtl="0">
-                        <a:spcBef>
-                          <a:spcPts val="0"/>
-                        </a:spcBef>
-                        <a:spcAft>
-                          <a:spcPts val="0"/>
-                        </a:spcAft>
-                        <a:buNone/>
-                      </a:pPr>
-                      <a:r>
-                        <a:rPr lang="en">
-                          <a:solidFill>
-                            <a:srgbClr val="FFFFFF"/>
-                          </a:solidFill>
-                        </a:rPr>
-                        <a:t>Bad (1)</a:t>
-                      </a:r>
-                      <a:endParaRPr/>
-                    </a:p>
-                  </a:txBody>
-                  <a:tcPr marT="91425" marB="91425" marR="91425" marL="91425">
-                    <a:lnT cap="flat" cmpd="sng" w="9525">
-                      <a:solidFill>
-                        <a:srgbClr val="9E9E9E"/>
-                      </a:solidFill>
-                      <a:prstDash val="solid"/>
-                      <a:round/>
-                      <a:headEnd len="med" w="med" type="none"/>
-                      <a:tailEnd len="med" w="med" type="none"/>
-                    </a:lnT>
-                  </a:tcPr>
-                </a:tc>
-                <a:tc>
-                  <a:txBody>
-                    <a:bodyPr>
-                      <a:noAutofit/>
-                    </a:bodyPr>
-                    <a:lstStyle/>
-                    <a:p>
-                      <a:pPr indent="0" lvl="0" marL="0" rtl="0">
-                        <a:spcBef>
-                          <a:spcPts val="0"/>
-                        </a:spcBef>
-                        <a:spcAft>
-                          <a:spcPts val="0"/>
-                        </a:spcAft>
-                        <a:buNone/>
-                      </a:pPr>
-                      <a:r>
-                        <a:rPr lang="en">
-                          <a:solidFill>
-                            <a:srgbClr val="FFFFFF"/>
-                          </a:solidFill>
-                        </a:rPr>
-                        <a:t>Good (.5)</a:t>
-                      </a:r>
-                      <a:endParaRPr/>
-                    </a:p>
-                  </a:txBody>
-                  <a:tcPr marT="91425" marB="91425" marR="91425" marL="91425">
-                    <a:lnT cap="flat" cmpd="sng" w="9525">
-                      <a:solidFill>
-                        <a:srgbClr val="9E9E9E"/>
-                      </a:solidFill>
-                      <a:prstDash val="solid"/>
-                      <a:round/>
-                      <a:headEnd len="med" w="med" type="none"/>
-                      <a:tailEnd len="med" w="med" type="none"/>
-                    </a:lnT>
-                  </a:tcPr>
-                </a:tc>
-                <a:tc>
-                  <a:txBody>
-                    <a:bodyPr>
-                      <a:noAutofit/>
-                    </a:bodyPr>
-                    <a:lstStyle/>
-                    <a:p>
-                      <a:pPr indent="0" lvl="0" marL="0" rtl="0">
-                        <a:spcBef>
-                          <a:spcPts val="0"/>
-                        </a:spcBef>
-                        <a:spcAft>
-                          <a:spcPts val="0"/>
-                        </a:spcAft>
-                        <a:buNone/>
-                      </a:pPr>
-                      <a:r>
-                        <a:rPr lang="en">
-                          <a:solidFill>
-                            <a:srgbClr val="FFFFFF"/>
-                          </a:solidFill>
-                        </a:rPr>
-                        <a:t>Good (.5)</a:t>
-                      </a:r>
-                      <a:endParaRPr/>
-                    </a:p>
-                  </a:txBody>
-                  <a:tcPr marT="91425" marB="91425" marR="91425" marL="91425">
-                    <a:lnT cap="flat" cmpd="sng" w="9525">
-                      <a:solidFill>
-                        <a:srgbClr val="9E9E9E"/>
-                      </a:solidFill>
-                      <a:prstDash val="solid"/>
-                      <a:round/>
-                      <a:headEnd len="med" w="med" type="none"/>
-                      <a:tailEnd len="med" w="med" type="none"/>
-                    </a:lnT>
-                  </a:tcPr>
-                </a:tc>
-                <a:tc>
-                  <a:txBody>
-                    <a:bodyPr>
-                      <a:noAutofit/>
-                    </a:bodyPr>
-                    <a:lstStyle/>
-                    <a:p>
-                      <a:pPr indent="0" lvl="0" marL="0" rtl="0">
-                        <a:spcBef>
-                          <a:spcPts val="0"/>
-                        </a:spcBef>
-                        <a:spcAft>
-                          <a:spcPts val="0"/>
-                        </a:spcAft>
-                        <a:buNone/>
-                      </a:pPr>
-                      <a:r>
-                        <a:rPr lang="en">
-                          <a:solidFill>
-                            <a:schemeClr val="lt1"/>
-                          </a:solidFill>
-                        </a:rPr>
-                        <a:t>Bad</a:t>
-                      </a:r>
-                      <a:endParaRPr/>
-                    </a:p>
-                  </a:txBody>
-                  <a:tcPr marT="91425" marB="91425" marR="91425" marL="91425"/>
-                </a:tc>
-              </a:tr>
-            </a:tbl>
-          </a:graphicData>
-        </a:graphic>
-      </p:graphicFrame>
-    </p:spTree>
-  </p:cSld>
-  <p:clrMapOvr>
-    <a:masterClrMapping/>
-  </p:clrMapOvr>
-</p:sld>
-</file>
-
-<file path=ppt/theme/theme1.xml><?xml version="1.0" encoding="utf-8"?>
+<file path=ppt/theme/theme2.xml><?xml version="1.0" encoding="utf-8"?>
 <a:theme xmlns:a="http://schemas.openxmlformats.org/drawingml/2006/main" xmlns:r="http://schemas.openxmlformats.org/officeDocument/2006/relationships" name="Focus">
   <a:themeElements>
     <a:clrScheme name="Focus">
@@ -22740,283 +24911,4 @@
     </a:fmtScheme>
   </a:themeElements>
 </a:theme>
-</file>
-
-<file path=ppt/theme/theme2.xml><?xml version="1.0" encoding="utf-8"?>
-<a:theme xmlns:a="http://schemas.openxmlformats.org/drawingml/2006/main" xmlns:r="http://schemas.openxmlformats.org/officeDocument/2006/relationships" name="Custom Theme">
-  <a:themeElements>
-    <a:clrScheme name="Default">
-      <a:dk1>
-        <a:srgbClr val="000000"/>
-      </a:dk1>
-      <a:lt1>
-        <a:srgbClr val="FFFFFF"/>
-      </a:lt1>
-      <a:dk2>
-        <a:srgbClr val="158158"/>
-      </a:dk2>
-      <a:lt2>
-        <a:srgbClr val="F3F3F3"/>
-      </a:lt2>
-      <a:accent1>
-        <a:srgbClr val="058DC7"/>
-      </a:accent1>
-      <a:accent2>
-        <a:srgbClr val="50B432"/>
-      </a:accent2>
-      <a:accent3>
-        <a:srgbClr val="ED561B"/>
-      </a:accent3>
-      <a:accent4>
-        <a:srgbClr val="EDEF00"/>
-      </a:accent4>
-      <a:accent5>
-        <a:srgbClr val="24CBE5"/>
-      </a:accent5>
-      <a:accent6>
-        <a:srgbClr val="64E572"/>
-      </a:accent6>
-      <a:hlink>
-        <a:srgbClr val="2200CC"/>
-      </a:hlink>
-      <a:folHlink>
-        <a:srgbClr val="551A8B"/>
-      </a:folHlink>
-    </a:clrScheme>
-    <a:fontScheme name="Office">
-      <a:majorFont>
-        <a:latin typeface="Arial"/>
-        <a:ea typeface=""/>
-        <a:cs typeface=""/>
-        <a:font script="Jpan" typeface="ＭＳ Ｐゴシック"/>
-        <a:font script="Hang" typeface="맑은 고딕"/>
-        <a:font script="Hans" typeface="宋体"/>
-        <a:font script="Hant" typeface="新細明體"/>
-        <a:font script="Arab" typeface="Times New Roman"/>
-        <a:font script="Hebr" typeface="Times New Roman"/>
-        <a:font script="Thai" typeface="Angsana New"/>
-        <a:font script="Ethi" typeface="Nyala"/>
-        <a:font script="Beng" typeface="Vrinda"/>
-        <a:font script="Gujr" typeface="Shruti"/>
-        <a:font script="Khmr" typeface="MoolBoran"/>
-        <a:font script="Knda" typeface="Tunga"/>
-        <a:font script="Guru" typeface="Raavi"/>
-        <a:font script="Cans" typeface="Euphemia"/>
-        <a:font script="Cher" typeface="Plantagenet Cherokee"/>
-        <a:font script="Yiii" typeface="Microsoft Yi Baiti"/>
-        <a:font script="Tibt" typeface="Microsoft Himalaya"/>
-        <a:font script="Thaa" typeface="MV Boli"/>
-        <a:font script="Deva" typeface="Mangal"/>
-        <a:font script="Telu" typeface="Gautami"/>
-        <a:font script="Taml" typeface="Latha"/>
-        <a:font script="Syrc" typeface="Estrangelo Edessa"/>
-        <a:font script="Orya" typeface="Kalinga"/>
-        <a:font script="Mlym" typeface="Kartika"/>
-        <a:font script="Laoo" typeface="DokChampa"/>
-        <a:font script="Sinh" typeface="Iskoola Pota"/>
-        <a:font script="Mong" typeface="Mongolian Baiti"/>
-        <a:font script="Viet" typeface="Times New Roman"/>
-        <a:font script="Uigh" typeface="Microsoft Uighur"/>
-        <a:font script="Geor" typeface="Sylfaen"/>
-      </a:majorFont>
-      <a:minorFont>
-        <a:latin typeface="Arial"/>
-        <a:ea typeface=""/>
-        <a:cs typeface=""/>
-        <a:font script="Jpan" typeface="ＭＳ Ｐゴシック"/>
-        <a:font script="Hang" typeface="맑은 고딕"/>
-        <a:font script="Hans" typeface="宋体"/>
-        <a:font script="Hant" typeface="新細明體"/>
-        <a:font script="Arab" typeface="Arial"/>
-        <a:font script="Hebr" typeface="Arial"/>
-        <a:font script="Thai" typeface="Cordia New"/>
-        <a:font script="Ethi" typeface="Nyala"/>
-        <a:font script="Beng" typeface="Vrinda"/>
-        <a:font script="Gujr" typeface="Shruti"/>
-        <a:font script="Khmr" typeface="DaunPenh"/>
-        <a:font script="Knda" typeface="Tunga"/>
-        <a:font script="Guru" typeface="Raavi"/>
-        <a:font script="Cans" typeface="Euphemia"/>
-        <a:font script="Cher" typeface="Plantagenet Cherokee"/>
-        <a:font script="Yiii" typeface="Microsoft Yi Baiti"/>
-        <a:font script="Tibt" typeface="Microsoft Himalaya"/>
-        <a:font script="Thaa" typeface="MV Boli"/>
-        <a:font script="Deva" typeface="Mangal"/>
-        <a:font script="Telu" typeface="Gautami"/>
-        <a:font script="Taml" typeface="Latha"/>
-        <a:font script="Syrc" typeface="Estrangelo Edessa"/>
-        <a:font script="Orya" typeface="Kalinga"/>
-        <a:font script="Mlym" typeface="Kartika"/>
-        <a:font script="Laoo" typeface="DokChampa"/>
-        <a:font script="Sinh" typeface="Iskoola Pota"/>
-        <a:font script="Mong" typeface="Mongolian Baiti"/>
-        <a:font script="Viet" typeface="Arial"/>
-        <a:font script="Uigh" typeface="Microsoft Uighur"/>
-        <a:font script="Geor" typeface="Sylfaen"/>
-      </a:minorFont>
-    </a:fontScheme>
-    <a:fmtScheme name="Office">
-      <a:fillStyleLst>
-        <a:solidFill>
-          <a:schemeClr val="phClr"/>
-        </a:solidFill>
-        <a:gradFill rotWithShape="1">
-          <a:gsLst>
-            <a:gs pos="0">
-              <a:schemeClr val="phClr">
-                <a:tint val="50000"/>
-                <a:satMod val="300000"/>
-              </a:schemeClr>
-            </a:gs>
-            <a:gs pos="35000">
-              <a:schemeClr val="phClr">
-                <a:tint val="37000"/>
-                <a:satMod val="300000"/>
-              </a:schemeClr>
-            </a:gs>
-            <a:gs pos="100000">
-              <a:schemeClr val="phClr">
-                <a:tint val="15000"/>
-                <a:satMod val="350000"/>
-              </a:schemeClr>
-            </a:gs>
-          </a:gsLst>
-          <a:lin ang="16200000" scaled="1"/>
-        </a:gradFill>
-        <a:gradFill rotWithShape="1">
-          <a:gsLst>
-            <a:gs pos="0">
-              <a:schemeClr val="phClr">
-                <a:tint val="100000"/>
-                <a:shade val="100000"/>
-                <a:satMod val="130000"/>
-              </a:schemeClr>
-            </a:gs>
-            <a:gs pos="100000">
-              <a:schemeClr val="phClr">
-                <a:tint val="50000"/>
-                <a:shade val="100000"/>
-                <a:satMod val="350000"/>
-              </a:schemeClr>
-            </a:gs>
-          </a:gsLst>
-          <a:lin ang="16200000" scaled="0"/>
-        </a:gradFill>
-      </a:fillStyleLst>
-      <a:lnStyleLst>
-        <a:ln w="9525" cap="flat" cmpd="sng" algn="ctr">
-          <a:solidFill>
-            <a:schemeClr val="phClr">
-              <a:shade val="95000"/>
-              <a:satMod val="105000"/>
-            </a:schemeClr>
-          </a:solidFill>
-          <a:prstDash val="solid"/>
-        </a:ln>
-        <a:ln w="25400" cap="flat" cmpd="sng" algn="ctr">
-          <a:solidFill>
-            <a:schemeClr val="phClr"/>
-          </a:solidFill>
-          <a:prstDash val="solid"/>
-        </a:ln>
-        <a:ln w="38100" cap="flat" cmpd="sng" algn="ctr">
-          <a:solidFill>
-            <a:schemeClr val="phClr"/>
-          </a:solidFill>
-          <a:prstDash val="solid"/>
-        </a:ln>
-      </a:lnStyleLst>
-      <a:effectStyleLst>
-        <a:effectStyle>
-          <a:effectLst>
-            <a:outerShdw blurRad="40000" dist="20000" dir="5400000" rotWithShape="0">
-              <a:srgbClr val="000000">
-                <a:alpha val="38000"/>
-              </a:srgbClr>
-            </a:outerShdw>
-          </a:effectLst>
-        </a:effectStyle>
-        <a:effectStyle>
-          <a:effectLst>
-            <a:outerShdw blurRad="40000" dist="23000" dir="5400000" rotWithShape="0">
-              <a:srgbClr val="000000">
-                <a:alpha val="35000"/>
-              </a:srgbClr>
-            </a:outerShdw>
-          </a:effectLst>
-        </a:effectStyle>
-        <a:effectStyle>
-          <a:effectLst>
-            <a:outerShdw blurRad="40000" dist="23000" dir="5400000" rotWithShape="0">
-              <a:srgbClr val="000000">
-                <a:alpha val="35000"/>
-              </a:srgbClr>
-            </a:outerShdw>
-          </a:effectLst>
-          <a:scene3d>
-            <a:camera prst="orthographicFront">
-              <a:rot lat="0" lon="0" rev="0"/>
-            </a:camera>
-            <a:lightRig rig="threePt" dir="t">
-              <a:rot lat="0" lon="0" rev="1200000"/>
-            </a:lightRig>
-          </a:scene3d>
-          <a:sp3d>
-            <a:bevelT w="63500" h="25400"/>
-          </a:sp3d>
-        </a:effectStyle>
-      </a:effectStyleLst>
-      <a:bgFillStyleLst>
-        <a:solidFill>
-          <a:schemeClr val="phClr"/>
-        </a:solidFill>
-        <a:gradFill rotWithShape="1">
-          <a:gsLst>
-            <a:gs pos="0">
-              <a:schemeClr val="phClr">
-                <a:tint val="40000"/>
-                <a:satMod val="350000"/>
-              </a:schemeClr>
-            </a:gs>
-            <a:gs pos="40000">
-              <a:schemeClr val="phClr">
-                <a:tint val="45000"/>
-                <a:shade val="99000"/>
-                <a:satMod val="350000"/>
-              </a:schemeClr>
-            </a:gs>
-            <a:gs pos="100000">
-              <a:schemeClr val="phClr">
-                <a:shade val="20000"/>
-                <a:satMod val="255000"/>
-              </a:schemeClr>
-            </a:gs>
-          </a:gsLst>
-          <a:path path="circle">
-            <a:fillToRect l="50000" t="-80000" r="50000" b="180000"/>
-          </a:path>
-        </a:gradFill>
-        <a:gradFill rotWithShape="1">
-          <a:gsLst>
-            <a:gs pos="0">
-              <a:schemeClr val="phClr">
-                <a:tint val="80000"/>
-                <a:satMod val="300000"/>
-              </a:schemeClr>
-            </a:gs>
-            <a:gs pos="100000">
-              <a:schemeClr val="phClr">
-                <a:shade val="30000"/>
-                <a:satMod val="200000"/>
-              </a:schemeClr>
-            </a:gs>
-          </a:gsLst>
-          <a:path path="circle">
-            <a:fillToRect l="50000" t="50000" r="50000" b="50000"/>
-          </a:path>
-        </a:gradFill>
-      </a:bgFillStyleLst>
-    </a:fmtScheme>
-  </a:themeElements>
-</a:theme>
 </file>